--- a/Presentation/car_crash_slide.pptx
+++ b/Presentation/car_crash_slide.pptx
@@ -5,17 +5,18 @@
     <p:sldMasterId id="2147483648" r:id="rId1"/>
   </p:sldMasterIdLst>
   <p:notesMasterIdLst>
-    <p:notesMasterId r:id="rId10"/>
+    <p:notesMasterId r:id="rId11"/>
   </p:notesMasterIdLst>
   <p:sldIdLst>
     <p:sldId id="273" r:id="rId2"/>
-    <p:sldId id="258" r:id="rId3"/>
-    <p:sldId id="266" r:id="rId4"/>
-    <p:sldId id="267" r:id="rId5"/>
+    <p:sldId id="274" r:id="rId3"/>
+    <p:sldId id="258" r:id="rId4"/>
+    <p:sldId id="266" r:id="rId5"/>
     <p:sldId id="268" r:id="rId6"/>
-    <p:sldId id="269" r:id="rId7"/>
-    <p:sldId id="270" r:id="rId8"/>
-    <p:sldId id="272" r:id="rId9"/>
+    <p:sldId id="267" r:id="rId7"/>
+    <p:sldId id="269" r:id="rId8"/>
+    <p:sldId id="270" r:id="rId9"/>
+    <p:sldId id="272" r:id="rId10"/>
   </p:sldIdLst>
   <p:sldSz cx="12192000" cy="6858000"/>
   <p:notesSz cx="6858000" cy="9144000"/>
@@ -213,7 +214,7 @@
           <a:p>
             <a:fld id="{D3E239D1-F8CC-48D0-883E-0CE1482360D1}" type="datetimeFigureOut">
               <a:rPr lang="en-AU" smtClean="0"/>
-              <a:t>16/6/2024</a:t>
+              <a:t>17/06/2024</a:t>
             </a:fld>
             <a:endParaRPr lang="en-AU"/>
           </a:p>
@@ -650,7 +651,7 @@
                 <a:ea typeface="Aptos" panose="020B0004020202020204" pitchFamily="34" charset="0"/>
                 <a:cs typeface="Times New Roman" panose="02020603050405020304" pitchFamily="18" charset="0"/>
               </a:rPr>
-              <a:t>### Slide 2: Overview of the Project</a:t>
+              <a:t>### Slide 8: Conclusions Post Dashboard</a:t>
             </a:r>
             <a:endParaRPr lang="en-AU" sz="1800" kern="100" dirty="0">
               <a:effectLst/>
@@ -667,7 +668,7 @@
                 <a:ea typeface="Aptos" panose="020B0004020202020204" pitchFamily="34" charset="0"/>
                 <a:cs typeface="Times New Roman" panose="02020603050405020304" pitchFamily="18" charset="0"/>
               </a:rPr>
-              <a:t>- Goals:</a:t>
+              <a:t>- Key Insights:</a:t>
             </a:r>
             <a:endParaRPr lang="en-AU" sz="1800" kern="100" dirty="0">
               <a:effectLst/>
@@ -688,7 +689,7 @@
                 <a:ea typeface="Aptos" panose="020B0004020202020204" pitchFamily="34" charset="0"/>
                 <a:cs typeface="Times New Roman" panose="02020603050405020304" pitchFamily="18" charset="0"/>
               </a:rPr>
-              <a:t>Analyse Road Crash Patterns: Identify trends in Victoria's road crashes.</a:t>
+              <a:t>Summary of findings from the dashboard.</a:t>
             </a:r>
             <a:endParaRPr lang="en-AU" sz="1800" kern="100" dirty="0">
               <a:effectLst/>
@@ -698,10 +699,6 @@
             </a:endParaRPr>
           </a:p>
           <a:p>
-            <a:pPr marL="342900" lvl="0" indent="-342900">
-              <a:buFont typeface="Symbol" panose="05050102010706020507" pitchFamily="18" charset="2"/>
-              <a:buChar char=""/>
-            </a:pPr>
             <a:r>
               <a:rPr lang="en-AU" sz="1800" kern="100" dirty="0">
                 <a:effectLst/>
@@ -709,7 +706,7 @@
                 <a:ea typeface="Aptos" panose="020B0004020202020204" pitchFamily="34" charset="0"/>
                 <a:cs typeface="Times New Roman" panose="02020603050405020304" pitchFamily="18" charset="0"/>
               </a:rPr>
-              <a:t>Investigate Contributing Factors: Examine relationships between accident types, speed zones, demographics, vehicle types, and driving conditions.</a:t>
+              <a:t>- Next Steps:</a:t>
             </a:r>
             <a:endParaRPr lang="en-AU" sz="1800" kern="100" dirty="0">
               <a:effectLst/>
@@ -730,7 +727,7 @@
                 <a:ea typeface="Aptos" panose="020B0004020202020204" pitchFamily="34" charset="0"/>
                 <a:cs typeface="Times New Roman" panose="02020603050405020304" pitchFamily="18" charset="0"/>
               </a:rPr>
-              <a:t>Evaluate LGA Data: Assess the impact of local government areas on road crashes.</a:t>
+              <a:t>Further analysis or additional visualizations.</a:t>
             </a:r>
             <a:endParaRPr lang="en-AU" sz="1800" kern="100" dirty="0">
               <a:effectLst/>
@@ -751,42 +748,8 @@
                 <a:ea typeface="Aptos" panose="020B0004020202020204" pitchFamily="34" charset="0"/>
                 <a:cs typeface="Times New Roman" panose="02020603050405020304" pitchFamily="18" charset="0"/>
               </a:rPr>
-              <a:t>Time Series Analysis: Observe changes in crash occurrences over time.</a:t>
-            </a:r>
-          </a:p>
-          <a:p>
-            <a:pPr marL="342900" marR="0" lvl="0" indent="-342900" algn="l" defTabSz="914400" rtl="0" eaLnBrk="1" fontAlgn="auto" latinLnBrk="0" hangingPunct="1">
-              <a:lnSpc>
-                <a:spcPct val="100000"/>
-              </a:lnSpc>
-              <a:spcBef>
-                <a:spcPts val="0"/>
-              </a:spcBef>
-              <a:spcAft>
-                <a:spcPts val="0"/>
-              </a:spcAft>
-              <a:buClrTx/>
-              <a:buSzTx/>
-              <a:buFont typeface="Symbol" panose="05050102010706020507" pitchFamily="18" charset="2"/>
-              <a:buChar char=""/>
-              <a:tabLst/>
-              <a:defRPr/>
-            </a:pPr>
-            <a:r>
-              <a:rPr lang="en-AU" sz="1800" kern="100" dirty="0">
-                <a:effectLst/>
-                <a:latin typeface="Arial" panose="020B0604020202020204" pitchFamily="34" charset="0"/>
-                <a:ea typeface="Aptos" panose="020B0004020202020204" pitchFamily="34" charset="0"/>
-                <a:cs typeface="Times New Roman" panose="02020603050405020304" pitchFamily="18" charset="0"/>
-              </a:rPr>
-              <a:t>Inform Policy and Safety: Use findings to recommend safety measures and policy decisions.</a:t>
-            </a:r>
-            <a:endParaRPr lang="en-AU" sz="1800" kern="100" dirty="0">
-              <a:effectLst/>
-              <a:latin typeface="Aptos" panose="020B0004020202020204" pitchFamily="34" charset="0"/>
-              <a:ea typeface="Aptos" panose="020B0004020202020204" pitchFamily="34" charset="0"/>
-              <a:cs typeface="Times New Roman" panose="02020603050405020304" pitchFamily="18" charset="0"/>
-            </a:endParaRPr>
+              <a:t>Potential policy recommendations based on insights.</a:t>
+            </a:r>
           </a:p>
           <a:p>
             <a:pPr marL="342900" lvl="0" indent="-342900">
@@ -801,7 +764,7 @@
             </a:endParaRPr>
           </a:p>
           <a:p>
-            <a:endParaRPr lang="en-AU" dirty="0"/>
+            <a:endParaRPr lang="en-AU" sz="1800" dirty="0"/>
           </a:p>
         </p:txBody>
       </p:sp>
@@ -831,7 +794,7 @@
     </p:spTree>
     <p:extLst>
       <p:ext uri="{BB962C8B-B14F-4D97-AF65-F5344CB8AC3E}">
-        <p14:creationId xmlns:p14="http://schemas.microsoft.com/office/powerpoint/2010/main" val="3779112478"/>
+        <p14:creationId xmlns:p14="http://schemas.microsoft.com/office/powerpoint/2010/main" val="1471385325"/>
       </p:ext>
     </p:extLst>
   </p:cSld>
@@ -892,7 +855,7 @@
                 <a:ea typeface="Aptos" panose="020B0004020202020204" pitchFamily="34" charset="0"/>
                 <a:cs typeface="Times New Roman" panose="02020603050405020304" pitchFamily="18" charset="0"/>
               </a:rPr>
-              <a:t>### Slide 4: SQLite Database and Data Management</a:t>
+              <a:t>### Slide 2: Overview of the Project</a:t>
             </a:r>
             <a:endParaRPr lang="en-AU" sz="1800" kern="100" dirty="0">
               <a:effectLst/>
@@ -909,7 +872,7 @@
                 <a:ea typeface="Aptos" panose="020B0004020202020204" pitchFamily="34" charset="0"/>
                 <a:cs typeface="Times New Roman" panose="02020603050405020304" pitchFamily="18" charset="0"/>
               </a:rPr>
-              <a:t>- Database:</a:t>
+              <a:t>- Goals:</a:t>
             </a:r>
             <a:endParaRPr lang="en-AU" sz="1800" kern="100" dirty="0">
               <a:effectLst/>
@@ -926,12 +889,48 @@
             <a:r>
               <a:rPr lang="en-AU" sz="1800" kern="100" dirty="0">
                 <a:effectLst/>
-                <a:latin typeface="Aptos" panose="020B0004020202020204" pitchFamily="34" charset="0"/>
+                <a:latin typeface="Arial" panose="020B0604020202020204" pitchFamily="34" charset="0"/>
                 <a:ea typeface="Aptos" panose="020B0004020202020204" pitchFamily="34" charset="0"/>
                 <a:cs typeface="Times New Roman" panose="02020603050405020304" pitchFamily="18" charset="0"/>
               </a:rPr>
-              <a:t>Utilizing SQLite for efficient data storage and management</a:t>
-            </a:r>
+              <a:t>Analyse Road Crash Patterns: Identify trends in Victoria's road crashes.</a:t>
+            </a:r>
+          </a:p>
+          <a:p>
+            <a:pPr marL="342900" marR="0" lvl="0" indent="-342900" algn="l" defTabSz="914400" rtl="0" eaLnBrk="1" fontAlgn="auto" latinLnBrk="0" hangingPunct="1">
+              <a:lnSpc>
+                <a:spcPct val="100000"/>
+              </a:lnSpc>
+              <a:spcBef>
+                <a:spcPts val="0"/>
+              </a:spcBef>
+              <a:spcAft>
+                <a:spcPts val="0"/>
+              </a:spcAft>
+              <a:buClrTx/>
+              <a:buSzTx/>
+              <a:buFont typeface="Symbol" panose="05050102010706020507" pitchFamily="18" charset="2"/>
+              <a:buChar char=""/>
+              <a:tabLst/>
+              <a:defRPr/>
+            </a:pPr>
+            <a:r>
+              <a:rPr lang="en-AU" sz="1800" kern="100" dirty="0">
+                <a:solidFill>
+                  <a:schemeClr val="bg1"/>
+                </a:solidFill>
+                <a:latin typeface="Arial Rounded MT Bold" panose="020F0704030504030204" pitchFamily="34" charset="0"/>
+                <a:ea typeface="Aptos" panose="020B0004020202020204" pitchFamily="34" charset="0"/>
+                <a:cs typeface="Times New Roman" panose="02020603050405020304" pitchFamily="18" charset="0"/>
+              </a:rPr>
+              <a:t>Aid in policy decisions &amp; safety measures</a:t>
+            </a:r>
+          </a:p>
+          <a:p>
+            <a:pPr marL="342900" lvl="0" indent="-342900">
+              <a:buFont typeface="Symbol" panose="05050102010706020507" pitchFamily="18" charset="2"/>
+              <a:buChar char=""/>
+            </a:pPr>
             <a:r>
               <a:rPr lang="en-AU" sz="1800" kern="100" dirty="0">
                 <a:effectLst/>
@@ -939,7 +938,7 @@
                 <a:ea typeface="Aptos" panose="020B0004020202020204" pitchFamily="34" charset="0"/>
                 <a:cs typeface="Times New Roman" panose="02020603050405020304" pitchFamily="18" charset="0"/>
               </a:rPr>
-              <a:t>.</a:t>
+              <a:t>Investigate Contributing Factors: Examine relationships between accident types, speed zones, demographics, vehicle types, and driving conditions.</a:t>
             </a:r>
             <a:endParaRPr lang="en-AU" sz="1800" kern="100" dirty="0">
               <a:effectLst/>
@@ -949,6 +948,10 @@
             </a:endParaRPr>
           </a:p>
           <a:p>
+            <a:pPr marL="342900" lvl="0" indent="-342900">
+              <a:buFont typeface="Symbol" panose="05050102010706020507" pitchFamily="18" charset="2"/>
+              <a:buChar char=""/>
+            </a:pPr>
             <a:r>
               <a:rPr lang="en-AU" sz="1800" kern="100" dirty="0">
                 <a:effectLst/>
@@ -956,7 +959,7 @@
                 <a:ea typeface="Aptos" panose="020B0004020202020204" pitchFamily="34" charset="0"/>
                 <a:cs typeface="Times New Roman" panose="02020603050405020304" pitchFamily="18" charset="0"/>
               </a:rPr>
-              <a:t>- Relevant Data Files:</a:t>
+              <a:t>Evaluate LGA Data: Assess the impact of local government areas on road crashes.</a:t>
             </a:r>
             <a:endParaRPr lang="en-AU" sz="1800" kern="100" dirty="0">
               <a:effectLst/>
@@ -977,7 +980,35 @@
                 <a:ea typeface="Aptos" panose="020B0004020202020204" pitchFamily="34" charset="0"/>
                 <a:cs typeface="Times New Roman" panose="02020603050405020304" pitchFamily="18" charset="0"/>
               </a:rPr>
-              <a:t>Raw Data Files: Source data in CSV format.</a:t>
+              <a:t>Time Series Analysis: Observe changes in crash occurrences over time.</a:t>
+            </a:r>
+          </a:p>
+          <a:p>
+            <a:pPr marL="342900" marR="0" lvl="0" indent="-342900" algn="l" defTabSz="914400" rtl="0" eaLnBrk="1" fontAlgn="auto" latinLnBrk="0" hangingPunct="1">
+              <a:lnSpc>
+                <a:spcPct val="100000"/>
+              </a:lnSpc>
+              <a:spcBef>
+                <a:spcPts val="0"/>
+              </a:spcBef>
+              <a:spcAft>
+                <a:spcPts val="0"/>
+              </a:spcAft>
+              <a:buClrTx/>
+              <a:buSzTx/>
+              <a:buFont typeface="Symbol" panose="05050102010706020507" pitchFamily="18" charset="2"/>
+              <a:buChar char=""/>
+              <a:tabLst/>
+              <a:defRPr/>
+            </a:pPr>
+            <a:r>
+              <a:rPr lang="en-AU" sz="1800" kern="100" dirty="0">
+                <a:effectLst/>
+                <a:latin typeface="Arial" panose="020B0604020202020204" pitchFamily="34" charset="0"/>
+                <a:ea typeface="Aptos" panose="020B0004020202020204" pitchFamily="34" charset="0"/>
+                <a:cs typeface="Times New Roman" panose="02020603050405020304" pitchFamily="18" charset="0"/>
+              </a:rPr>
+              <a:t>Inform Policy and Safety: Use findings to recommend safety measures and policy decisions.</a:t>
             </a:r>
             <a:endParaRPr lang="en-AU" sz="1800" kern="100" dirty="0">
               <a:effectLst/>
@@ -987,15 +1018,10 @@
             </a:endParaRPr>
           </a:p>
           <a:p>
-            <a:r>
-              <a:rPr lang="en-AU" sz="1800" kern="100" dirty="0">
-                <a:effectLst/>
-                <a:latin typeface="Arial" panose="020B0604020202020204" pitchFamily="34" charset="0"/>
-                <a:ea typeface="Aptos" panose="020B0004020202020204" pitchFamily="34" charset="0"/>
-                <a:cs typeface="Times New Roman" panose="02020603050405020304" pitchFamily="18" charset="0"/>
-              </a:rPr>
-              <a:t>- Conversion to SQLite Database:</a:t>
-            </a:r>
+            <a:pPr marL="342900" lvl="0" indent="-342900">
+              <a:buFont typeface="Symbol" panose="05050102010706020507" pitchFamily="18" charset="2"/>
+              <a:buChar char=""/>
+            </a:pPr>
             <a:endParaRPr lang="en-AU" sz="1800" kern="100" dirty="0">
               <a:effectLst/>
               <a:latin typeface="Aptos" panose="020B0004020202020204" pitchFamily="34" charset="0"/>
@@ -1004,49 +1030,7 @@
             </a:endParaRPr>
           </a:p>
           <a:p>
-            <a:pPr marL="342900" lvl="0" indent="-342900">
-              <a:buFont typeface="Symbol" panose="05050102010706020507" pitchFamily="18" charset="2"/>
-              <a:buChar char=""/>
-            </a:pPr>
-            <a:r>
-              <a:rPr lang="en-AU" sz="1800" kern="100" dirty="0">
-                <a:effectLst/>
-                <a:latin typeface="Arial" panose="020B0604020202020204" pitchFamily="34" charset="0"/>
-                <a:ea typeface="Aptos" panose="020B0004020202020204" pitchFamily="34" charset="0"/>
-                <a:cs typeface="Times New Roman" panose="02020603050405020304" pitchFamily="18" charset="0"/>
-              </a:rPr>
-              <a:t>Data Processing: Using Python for data extraction, transformation, and loading.</a:t>
-            </a:r>
-            <a:endParaRPr lang="en-AU" sz="1800" kern="100" dirty="0">
-              <a:effectLst/>
-              <a:latin typeface="Aptos" panose="020B0004020202020204" pitchFamily="34" charset="0"/>
-              <a:ea typeface="Aptos" panose="020B0004020202020204" pitchFamily="34" charset="0"/>
-              <a:cs typeface="Times New Roman" panose="02020603050405020304" pitchFamily="18" charset="0"/>
-            </a:endParaRPr>
-          </a:p>
-          <a:p>
-            <a:pPr marL="342900" lvl="0" indent="-342900">
-              <a:buFont typeface="Symbol" panose="05050102010706020507" pitchFamily="18" charset="2"/>
-              <a:buChar char=""/>
-            </a:pPr>
-            <a:r>
-              <a:rPr lang="en-AU" sz="1800" kern="100" dirty="0">
-                <a:effectLst/>
-                <a:latin typeface="Arial" panose="020B0604020202020204" pitchFamily="34" charset="0"/>
-                <a:ea typeface="Aptos" panose="020B0004020202020204" pitchFamily="34" charset="0"/>
-                <a:cs typeface="Times New Roman" panose="02020603050405020304" pitchFamily="18" charset="0"/>
-              </a:rPr>
-              <a:t>Libraries used: pandas, sqlite3 and os.</a:t>
-            </a:r>
-            <a:endParaRPr lang="en-AU" sz="1800" kern="100" dirty="0">
-              <a:effectLst/>
-              <a:latin typeface="Aptos" panose="020B0004020202020204" pitchFamily="34" charset="0"/>
-              <a:ea typeface="Aptos" panose="020B0004020202020204" pitchFamily="34" charset="0"/>
-              <a:cs typeface="Times New Roman" panose="02020603050405020304" pitchFamily="18" charset="0"/>
-            </a:endParaRPr>
-          </a:p>
-          <a:p>
-            <a:endParaRPr lang="en-AU" sz="1800" dirty="0"/>
+            <a:endParaRPr lang="en-AU" dirty="0"/>
           </a:p>
         </p:txBody>
       </p:sp>
@@ -1076,7 +1060,7 @@
     </p:spTree>
     <p:extLst>
       <p:ext uri="{BB962C8B-B14F-4D97-AF65-F5344CB8AC3E}">
-        <p14:creationId xmlns:p14="http://schemas.microsoft.com/office/powerpoint/2010/main" val="890829038"/>
+        <p14:creationId xmlns:p14="http://schemas.microsoft.com/office/powerpoint/2010/main" val="3779112478"/>
       </p:ext>
     </p:extLst>
   </p:cSld>
@@ -1137,7 +1121,7 @@
                 <a:ea typeface="Aptos" panose="020B0004020202020204" pitchFamily="34" charset="0"/>
                 <a:cs typeface="Times New Roman" panose="02020603050405020304" pitchFamily="18" charset="0"/>
               </a:rPr>
-              <a:t>### Slide 5: Initiating the Visualization Coding Process</a:t>
+              <a:t>### Slide 4: SQLite Database and Data Management</a:t>
             </a:r>
             <a:endParaRPr lang="en-AU" sz="1800" kern="100" dirty="0">
               <a:effectLst/>
@@ -1154,7 +1138,7 @@
                 <a:ea typeface="Aptos" panose="020B0004020202020204" pitchFamily="34" charset="0"/>
                 <a:cs typeface="Times New Roman" panose="02020603050405020304" pitchFamily="18" charset="0"/>
               </a:rPr>
-              <a:t>- Libraries:</a:t>
+              <a:t>- Database:</a:t>
             </a:r>
             <a:endParaRPr lang="en-AU" sz="1800" kern="100" dirty="0">
               <a:effectLst/>
@@ -1171,11 +1155,20 @@
             <a:r>
               <a:rPr lang="en-AU" sz="1800" kern="100" dirty="0">
                 <a:effectLst/>
+                <a:latin typeface="Aptos" panose="020B0004020202020204" pitchFamily="34" charset="0"/>
+                <a:ea typeface="Aptos" panose="020B0004020202020204" pitchFamily="34" charset="0"/>
+                <a:cs typeface="Times New Roman" panose="02020603050405020304" pitchFamily="18" charset="0"/>
+              </a:rPr>
+              <a:t>Utilizing SQLite for efficient data storage and management</a:t>
+            </a:r>
+            <a:r>
+              <a:rPr lang="en-AU" sz="1800" kern="100" dirty="0">
+                <a:effectLst/>
                 <a:latin typeface="Arial" panose="020B0604020202020204" pitchFamily="34" charset="0"/>
                 <a:ea typeface="Aptos" panose="020B0004020202020204" pitchFamily="34" charset="0"/>
                 <a:cs typeface="Times New Roman" panose="02020603050405020304" pitchFamily="18" charset="0"/>
               </a:rPr>
-              <a:t>JavaScript libraries: d3, Plotly, Leaflet.</a:t>
+              <a:t>.</a:t>
             </a:r>
             <a:endParaRPr lang="en-AU" sz="1800" kern="100" dirty="0">
               <a:effectLst/>
@@ -1185,10 +1178,6 @@
             </a:endParaRPr>
           </a:p>
           <a:p>
-            <a:pPr marL="342900" lvl="0" indent="-342900">
-              <a:buFont typeface="Symbol" panose="05050102010706020507" pitchFamily="18" charset="2"/>
-              <a:buChar char=""/>
-            </a:pPr>
             <a:r>
               <a:rPr lang="en-AU" sz="1800" kern="100" dirty="0">
                 <a:effectLst/>
@@ -1196,7 +1185,7 @@
                 <a:ea typeface="Aptos" panose="020B0004020202020204" pitchFamily="34" charset="0"/>
                 <a:cs typeface="Times New Roman" panose="02020603050405020304" pitchFamily="18" charset="0"/>
               </a:rPr>
-              <a:t>Python libraries: pandas, sqlite3 and os.</a:t>
+              <a:t>- Relevant Data Files:</a:t>
             </a:r>
             <a:endParaRPr lang="en-AU" sz="1800" kern="100" dirty="0">
               <a:effectLst/>
@@ -1206,6 +1195,10 @@
             </a:endParaRPr>
           </a:p>
           <a:p>
+            <a:pPr marL="342900" lvl="0" indent="-342900">
+              <a:buFont typeface="Symbol" panose="05050102010706020507" pitchFamily="18" charset="2"/>
+              <a:buChar char=""/>
+            </a:pPr>
             <a:r>
               <a:rPr lang="en-AU" sz="1800" kern="100" dirty="0">
                 <a:effectLst/>
@@ -1213,7 +1206,7 @@
                 <a:ea typeface="Aptos" panose="020B0004020202020204" pitchFamily="34" charset="0"/>
                 <a:cs typeface="Times New Roman" panose="02020603050405020304" pitchFamily="18" charset="0"/>
               </a:rPr>
-              <a:t>- Workflow:</a:t>
+              <a:t>Raw Data Files: Source data in CSV format.</a:t>
             </a:r>
             <a:endParaRPr lang="en-AU" sz="1800" kern="100" dirty="0">
               <a:effectLst/>
@@ -1223,10 +1216,6 @@
             </a:endParaRPr>
           </a:p>
           <a:p>
-            <a:pPr marL="342900" lvl="0" indent="-342900">
-              <a:buFont typeface="Symbol" panose="05050102010706020507" pitchFamily="18" charset="2"/>
-              <a:buChar char=""/>
-            </a:pPr>
             <a:r>
               <a:rPr lang="en-AU" sz="1800" kern="100" dirty="0">
                 <a:effectLst/>
@@ -1234,7 +1223,7 @@
                 <a:ea typeface="Aptos" panose="020B0004020202020204" pitchFamily="34" charset="0"/>
                 <a:cs typeface="Times New Roman" panose="02020603050405020304" pitchFamily="18" charset="0"/>
               </a:rPr>
-              <a:t>Data extraction from CSV files and import them to SQLite using Python script.</a:t>
+              <a:t>- Conversion to SQLite Database:</a:t>
             </a:r>
             <a:endParaRPr lang="en-AU" sz="1800" kern="100" dirty="0">
               <a:effectLst/>
@@ -1255,7 +1244,7 @@
                 <a:ea typeface="Aptos" panose="020B0004020202020204" pitchFamily="34" charset="0"/>
                 <a:cs typeface="Times New Roman" panose="02020603050405020304" pitchFamily="18" charset="0"/>
               </a:rPr>
-              <a:t>Data transformation and loading into SQLite using JavaScript.</a:t>
+              <a:t>Data Processing: Using Python for data extraction, transformation, and loading.</a:t>
             </a:r>
             <a:endParaRPr lang="en-AU" sz="1800" kern="100" dirty="0">
               <a:effectLst/>
@@ -1276,45 +1265,7 @@
                 <a:ea typeface="Aptos" panose="020B0004020202020204" pitchFamily="34" charset="0"/>
                 <a:cs typeface="Times New Roman" panose="02020603050405020304" pitchFamily="18" charset="0"/>
               </a:rPr>
-              <a:t>Data visualization with JavaScript.</a:t>
-            </a:r>
-            <a:endParaRPr lang="en-AU" sz="1800" kern="100" dirty="0">
-              <a:effectLst/>
-              <a:latin typeface="Aptos" panose="020B0004020202020204" pitchFamily="34" charset="0"/>
-              <a:ea typeface="Aptos" panose="020B0004020202020204" pitchFamily="34" charset="0"/>
-              <a:cs typeface="Times New Roman" panose="02020603050405020304" pitchFamily="18" charset="0"/>
-            </a:endParaRPr>
-          </a:p>
-          <a:p>
-            <a:r>
-              <a:rPr lang="en-AU" sz="1800" kern="100" dirty="0">
-                <a:effectLst/>
-                <a:latin typeface="Arial" panose="020B0604020202020204" pitchFamily="34" charset="0"/>
-                <a:ea typeface="Aptos" panose="020B0004020202020204" pitchFamily="34" charset="0"/>
-                <a:cs typeface="Times New Roman" panose="02020603050405020304" pitchFamily="18" charset="0"/>
-              </a:rPr>
-              <a:t>- Flow Chart:</a:t>
-            </a:r>
-            <a:endParaRPr lang="en-AU" sz="1800" kern="100" dirty="0">
-              <a:effectLst/>
-              <a:latin typeface="Aptos" panose="020B0004020202020204" pitchFamily="34" charset="0"/>
-              <a:ea typeface="Aptos" panose="020B0004020202020204" pitchFamily="34" charset="0"/>
-              <a:cs typeface="Times New Roman" panose="02020603050405020304" pitchFamily="18" charset="0"/>
-            </a:endParaRPr>
-          </a:p>
-          <a:p>
-            <a:pPr marL="342900" lvl="0" indent="-342900">
-              <a:buFont typeface="Symbol" panose="05050102010706020507" pitchFamily="18" charset="2"/>
-              <a:buChar char=""/>
-            </a:pPr>
-            <a:r>
-              <a:rPr lang="en-AU" sz="1800" kern="100" dirty="0">
-                <a:effectLst/>
-                <a:latin typeface="Arial" panose="020B0604020202020204" pitchFamily="34" charset="0"/>
-                <a:ea typeface="Aptos" panose="020B0004020202020204" pitchFamily="34" charset="0"/>
-                <a:cs typeface="Times New Roman" panose="02020603050405020304" pitchFamily="18" charset="0"/>
-              </a:rPr>
-              <a:t>Include a flowchart depicting the entire process from data extraction to visualization</a:t>
+              <a:t>Libraries used: pandas, sqlite3 and os.</a:t>
             </a:r>
             <a:endParaRPr lang="en-AU" sz="1800" kern="100" dirty="0">
               <a:effectLst/>
@@ -1354,7 +1305,7 @@
     </p:spTree>
     <p:extLst>
       <p:ext uri="{BB962C8B-B14F-4D97-AF65-F5344CB8AC3E}">
-        <p14:creationId xmlns:p14="http://schemas.microsoft.com/office/powerpoint/2010/main" val="2479724231"/>
+        <p14:creationId xmlns:p14="http://schemas.microsoft.com/office/powerpoint/2010/main" val="890829038"/>
       </p:ext>
     </p:extLst>
   </p:cSld>
@@ -1750,23 +1701,6 @@
           <a:bodyPr/>
           <a:lstStyle/>
           <a:p>
-            <a:pPr marL="0" marR="0" lvl="0" indent="0" algn="l" defTabSz="914400" rtl="0" eaLnBrk="1" fontAlgn="auto" latinLnBrk="0" hangingPunct="1">
-              <a:lnSpc>
-                <a:spcPct val="100000"/>
-              </a:lnSpc>
-              <a:spcBef>
-                <a:spcPts val="0"/>
-              </a:spcBef>
-              <a:spcAft>
-                <a:spcPts val="0"/>
-              </a:spcAft>
-              <a:buClrTx/>
-              <a:buSzTx/>
-              <a:buFontTx/>
-              <a:buNone/>
-              <a:tabLst/>
-              <a:defRPr/>
-            </a:pPr>
             <a:r>
               <a:rPr lang="en-AU" sz="1800" b="1" kern="100" dirty="0">
                 <a:effectLst/>
@@ -1774,7 +1708,184 @@
                 <a:ea typeface="Aptos" panose="020B0004020202020204" pitchFamily="34" charset="0"/>
                 <a:cs typeface="Times New Roman" panose="02020603050405020304" pitchFamily="18" charset="0"/>
               </a:rPr>
-              <a:t>### Slide 7: Present The Dashboard Website</a:t>
+              <a:t>### Slide 5: Initiating the Visualization Coding Process</a:t>
+            </a:r>
+            <a:endParaRPr lang="en-AU" sz="1800" kern="100" dirty="0">
+              <a:effectLst/>
+              <a:latin typeface="Aptos" panose="020B0004020202020204" pitchFamily="34" charset="0"/>
+              <a:ea typeface="Aptos" panose="020B0004020202020204" pitchFamily="34" charset="0"/>
+              <a:cs typeface="Times New Roman" panose="02020603050405020304" pitchFamily="18" charset="0"/>
+            </a:endParaRPr>
+          </a:p>
+          <a:p>
+            <a:r>
+              <a:rPr lang="en-AU" sz="1800" kern="100" dirty="0">
+                <a:effectLst/>
+                <a:latin typeface="Arial" panose="020B0604020202020204" pitchFamily="34" charset="0"/>
+                <a:ea typeface="Aptos" panose="020B0004020202020204" pitchFamily="34" charset="0"/>
+                <a:cs typeface="Times New Roman" panose="02020603050405020304" pitchFamily="18" charset="0"/>
+              </a:rPr>
+              <a:t>- Libraries:</a:t>
+            </a:r>
+            <a:endParaRPr lang="en-AU" sz="1800" kern="100" dirty="0">
+              <a:effectLst/>
+              <a:latin typeface="Aptos" panose="020B0004020202020204" pitchFamily="34" charset="0"/>
+              <a:ea typeface="Aptos" panose="020B0004020202020204" pitchFamily="34" charset="0"/>
+              <a:cs typeface="Times New Roman" panose="02020603050405020304" pitchFamily="18" charset="0"/>
+            </a:endParaRPr>
+          </a:p>
+          <a:p>
+            <a:pPr marL="342900" lvl="0" indent="-342900">
+              <a:buFont typeface="Symbol" panose="05050102010706020507" pitchFamily="18" charset="2"/>
+              <a:buChar char=""/>
+            </a:pPr>
+            <a:r>
+              <a:rPr lang="en-AU" sz="1800" kern="100" dirty="0">
+                <a:effectLst/>
+                <a:latin typeface="Arial" panose="020B0604020202020204" pitchFamily="34" charset="0"/>
+                <a:ea typeface="Aptos" panose="020B0004020202020204" pitchFamily="34" charset="0"/>
+                <a:cs typeface="Times New Roman" panose="02020603050405020304" pitchFamily="18" charset="0"/>
+              </a:rPr>
+              <a:t>JavaScript libraries: d3, Plotly, Leaflet.</a:t>
+            </a:r>
+            <a:endParaRPr lang="en-AU" sz="1800" kern="100" dirty="0">
+              <a:effectLst/>
+              <a:latin typeface="Aptos" panose="020B0004020202020204" pitchFamily="34" charset="0"/>
+              <a:ea typeface="Aptos" panose="020B0004020202020204" pitchFamily="34" charset="0"/>
+              <a:cs typeface="Times New Roman" panose="02020603050405020304" pitchFamily="18" charset="0"/>
+            </a:endParaRPr>
+          </a:p>
+          <a:p>
+            <a:pPr marL="342900" lvl="0" indent="-342900">
+              <a:buFont typeface="Symbol" panose="05050102010706020507" pitchFamily="18" charset="2"/>
+              <a:buChar char=""/>
+            </a:pPr>
+            <a:r>
+              <a:rPr lang="en-AU" sz="1800" kern="100" dirty="0">
+                <a:effectLst/>
+                <a:latin typeface="Arial" panose="020B0604020202020204" pitchFamily="34" charset="0"/>
+                <a:ea typeface="Aptos" panose="020B0004020202020204" pitchFamily="34" charset="0"/>
+                <a:cs typeface="Times New Roman" panose="02020603050405020304" pitchFamily="18" charset="0"/>
+              </a:rPr>
+              <a:t>Python libraries: pandas, sqlite3 and os.</a:t>
+            </a:r>
+            <a:endParaRPr lang="en-AU" sz="1800" kern="100" dirty="0">
+              <a:effectLst/>
+              <a:latin typeface="Aptos" panose="020B0004020202020204" pitchFamily="34" charset="0"/>
+              <a:ea typeface="Aptos" panose="020B0004020202020204" pitchFamily="34" charset="0"/>
+              <a:cs typeface="Times New Roman" panose="02020603050405020304" pitchFamily="18" charset="0"/>
+            </a:endParaRPr>
+          </a:p>
+          <a:p>
+            <a:r>
+              <a:rPr lang="en-AU" sz="1800" kern="100" dirty="0">
+                <a:effectLst/>
+                <a:latin typeface="Arial" panose="020B0604020202020204" pitchFamily="34" charset="0"/>
+                <a:ea typeface="Aptos" panose="020B0004020202020204" pitchFamily="34" charset="0"/>
+                <a:cs typeface="Times New Roman" panose="02020603050405020304" pitchFamily="18" charset="0"/>
+              </a:rPr>
+              <a:t>- Workflow:</a:t>
+            </a:r>
+            <a:endParaRPr lang="en-AU" sz="1800" kern="100" dirty="0">
+              <a:effectLst/>
+              <a:latin typeface="Aptos" panose="020B0004020202020204" pitchFamily="34" charset="0"/>
+              <a:ea typeface="Aptos" panose="020B0004020202020204" pitchFamily="34" charset="0"/>
+              <a:cs typeface="Times New Roman" panose="02020603050405020304" pitchFamily="18" charset="0"/>
+            </a:endParaRPr>
+          </a:p>
+          <a:p>
+            <a:pPr marL="342900" lvl="0" indent="-342900">
+              <a:buFont typeface="Symbol" panose="05050102010706020507" pitchFamily="18" charset="2"/>
+              <a:buChar char=""/>
+            </a:pPr>
+            <a:r>
+              <a:rPr lang="en-AU" sz="1800" kern="100" dirty="0">
+                <a:effectLst/>
+                <a:latin typeface="Arial" panose="020B0604020202020204" pitchFamily="34" charset="0"/>
+                <a:ea typeface="Aptos" panose="020B0004020202020204" pitchFamily="34" charset="0"/>
+                <a:cs typeface="Times New Roman" panose="02020603050405020304" pitchFamily="18" charset="0"/>
+              </a:rPr>
+              <a:t>Data extraction from CSV files and import them to SQLite using Python script.</a:t>
+            </a:r>
+            <a:endParaRPr lang="en-AU" sz="1800" kern="100" dirty="0">
+              <a:effectLst/>
+              <a:latin typeface="Aptos" panose="020B0004020202020204" pitchFamily="34" charset="0"/>
+              <a:ea typeface="Aptos" panose="020B0004020202020204" pitchFamily="34" charset="0"/>
+              <a:cs typeface="Times New Roman" panose="02020603050405020304" pitchFamily="18" charset="0"/>
+            </a:endParaRPr>
+          </a:p>
+          <a:p>
+            <a:pPr marL="342900" lvl="0" indent="-342900">
+              <a:buFont typeface="Symbol" panose="05050102010706020507" pitchFamily="18" charset="2"/>
+              <a:buChar char=""/>
+            </a:pPr>
+            <a:r>
+              <a:rPr lang="en-AU" sz="1800" kern="100" dirty="0">
+                <a:effectLst/>
+                <a:latin typeface="Arial" panose="020B0604020202020204" pitchFamily="34" charset="0"/>
+                <a:ea typeface="Aptos" panose="020B0004020202020204" pitchFamily="34" charset="0"/>
+                <a:cs typeface="Times New Roman" panose="02020603050405020304" pitchFamily="18" charset="0"/>
+              </a:rPr>
+              <a:t>Data transformation and loading into SQLite using JavaScript.</a:t>
+            </a:r>
+            <a:endParaRPr lang="en-AU" sz="1800" kern="100" dirty="0">
+              <a:effectLst/>
+              <a:latin typeface="Aptos" panose="020B0004020202020204" pitchFamily="34" charset="0"/>
+              <a:ea typeface="Aptos" panose="020B0004020202020204" pitchFamily="34" charset="0"/>
+              <a:cs typeface="Times New Roman" panose="02020603050405020304" pitchFamily="18" charset="0"/>
+            </a:endParaRPr>
+          </a:p>
+          <a:p>
+            <a:pPr marL="342900" lvl="0" indent="-342900">
+              <a:buFont typeface="Symbol" panose="05050102010706020507" pitchFamily="18" charset="2"/>
+              <a:buChar char=""/>
+            </a:pPr>
+            <a:r>
+              <a:rPr lang="en-AU" sz="1800" kern="100" dirty="0">
+                <a:effectLst/>
+                <a:latin typeface="Arial" panose="020B0604020202020204" pitchFamily="34" charset="0"/>
+                <a:ea typeface="Aptos" panose="020B0004020202020204" pitchFamily="34" charset="0"/>
+                <a:cs typeface="Times New Roman" panose="02020603050405020304" pitchFamily="18" charset="0"/>
+              </a:rPr>
+              <a:t>Data visualization with JavaScript.</a:t>
+            </a:r>
+            <a:endParaRPr lang="en-AU" sz="1800" kern="100" dirty="0">
+              <a:effectLst/>
+              <a:latin typeface="Aptos" panose="020B0004020202020204" pitchFamily="34" charset="0"/>
+              <a:ea typeface="Aptos" panose="020B0004020202020204" pitchFamily="34" charset="0"/>
+              <a:cs typeface="Times New Roman" panose="02020603050405020304" pitchFamily="18" charset="0"/>
+            </a:endParaRPr>
+          </a:p>
+          <a:p>
+            <a:r>
+              <a:rPr lang="en-AU" sz="1800" kern="100" dirty="0">
+                <a:effectLst/>
+                <a:latin typeface="Arial" panose="020B0604020202020204" pitchFamily="34" charset="0"/>
+                <a:ea typeface="Aptos" panose="020B0004020202020204" pitchFamily="34" charset="0"/>
+                <a:cs typeface="Times New Roman" panose="02020603050405020304" pitchFamily="18" charset="0"/>
+              </a:rPr>
+              <a:t>- Flow Chart:</a:t>
+            </a:r>
+            <a:endParaRPr lang="en-AU" sz="1800" kern="100" dirty="0">
+              <a:effectLst/>
+              <a:latin typeface="Aptos" panose="020B0004020202020204" pitchFamily="34" charset="0"/>
+              <a:ea typeface="Aptos" panose="020B0004020202020204" pitchFamily="34" charset="0"/>
+              <a:cs typeface="Times New Roman" panose="02020603050405020304" pitchFamily="18" charset="0"/>
+            </a:endParaRPr>
+          </a:p>
+          <a:p>
+            <a:pPr marL="342900" lvl="0" indent="-342900">
+              <a:buFont typeface="Symbol" panose="05050102010706020507" pitchFamily="18" charset="2"/>
+              <a:buChar char=""/>
+            </a:pPr>
+            <a:r>
+              <a:rPr lang="en-AU" sz="1800" kern="100" dirty="0">
+                <a:effectLst/>
+                <a:latin typeface="Arial" panose="020B0604020202020204" pitchFamily="34" charset="0"/>
+                <a:ea typeface="Aptos" panose="020B0004020202020204" pitchFamily="34" charset="0"/>
+                <a:cs typeface="Times New Roman" panose="02020603050405020304" pitchFamily="18" charset="0"/>
+              </a:rPr>
+              <a:t>Include a flowchart depicting the entire process from data extraction to visualization</a:t>
             </a:r>
             <a:endParaRPr lang="en-AU" sz="1800" kern="100" dirty="0">
               <a:effectLst/>
@@ -1814,7 +1925,7 @@
     </p:spTree>
     <p:extLst>
       <p:ext uri="{BB962C8B-B14F-4D97-AF65-F5344CB8AC3E}">
-        <p14:creationId xmlns:p14="http://schemas.microsoft.com/office/powerpoint/2010/main" val="1030976903"/>
+        <p14:creationId xmlns:p14="http://schemas.microsoft.com/office/powerpoint/2010/main" val="2479724231"/>
       </p:ext>
     </p:extLst>
   </p:cSld>
@@ -1868,6 +1979,23 @@
           <a:bodyPr/>
           <a:lstStyle/>
           <a:p>
+            <a:pPr marL="0" marR="0" lvl="0" indent="0" algn="l" defTabSz="914400" rtl="0" eaLnBrk="1" fontAlgn="auto" latinLnBrk="0" hangingPunct="1">
+              <a:lnSpc>
+                <a:spcPct val="100000"/>
+              </a:lnSpc>
+              <a:spcBef>
+                <a:spcPts val="0"/>
+              </a:spcBef>
+              <a:spcAft>
+                <a:spcPts val="0"/>
+              </a:spcAft>
+              <a:buClrTx/>
+              <a:buSzTx/>
+              <a:buFontTx/>
+              <a:buNone/>
+              <a:tabLst/>
+              <a:defRPr/>
+            </a:pPr>
             <a:r>
               <a:rPr lang="en-AU" sz="1800" b="1" kern="100" dirty="0">
                 <a:effectLst/>
@@ -1875,111 +2003,8 @@
                 <a:ea typeface="Aptos" panose="020B0004020202020204" pitchFamily="34" charset="0"/>
                 <a:cs typeface="Times New Roman" panose="02020603050405020304" pitchFamily="18" charset="0"/>
               </a:rPr>
-              <a:t>### Slide 8: Conclusions Post Dashboard</a:t>
-            </a:r>
-            <a:endParaRPr lang="en-AU" sz="1800" kern="100" dirty="0">
-              <a:effectLst/>
-              <a:latin typeface="Aptos" panose="020B0004020202020204" pitchFamily="34" charset="0"/>
-              <a:ea typeface="Aptos" panose="020B0004020202020204" pitchFamily="34" charset="0"/>
-              <a:cs typeface="Times New Roman" panose="02020603050405020304" pitchFamily="18" charset="0"/>
-            </a:endParaRPr>
-          </a:p>
-          <a:p>
-            <a:r>
-              <a:rPr lang="en-AU" sz="1800" kern="100" dirty="0">
-                <a:effectLst/>
-                <a:latin typeface="Arial" panose="020B0604020202020204" pitchFamily="34" charset="0"/>
-                <a:ea typeface="Aptos" panose="020B0004020202020204" pitchFamily="34" charset="0"/>
-                <a:cs typeface="Times New Roman" panose="02020603050405020304" pitchFamily="18" charset="0"/>
-              </a:rPr>
-              <a:t>- Key Insights:</a:t>
-            </a:r>
-            <a:endParaRPr lang="en-AU" sz="1800" kern="100" dirty="0">
-              <a:effectLst/>
-              <a:latin typeface="Aptos" panose="020B0004020202020204" pitchFamily="34" charset="0"/>
-              <a:ea typeface="Aptos" panose="020B0004020202020204" pitchFamily="34" charset="0"/>
-              <a:cs typeface="Times New Roman" panose="02020603050405020304" pitchFamily="18" charset="0"/>
-            </a:endParaRPr>
-          </a:p>
-          <a:p>
-            <a:pPr marL="342900" lvl="0" indent="-342900">
-              <a:buFont typeface="Symbol" panose="05050102010706020507" pitchFamily="18" charset="2"/>
-              <a:buChar char=""/>
-            </a:pPr>
-            <a:r>
-              <a:rPr lang="en-AU" sz="1800" kern="100" dirty="0">
-                <a:effectLst/>
-                <a:latin typeface="Arial" panose="020B0604020202020204" pitchFamily="34" charset="0"/>
-                <a:ea typeface="Aptos" panose="020B0004020202020204" pitchFamily="34" charset="0"/>
-                <a:cs typeface="Times New Roman" panose="02020603050405020304" pitchFamily="18" charset="0"/>
-              </a:rPr>
-              <a:t>Summary of findings from the dashboard.</a:t>
-            </a:r>
-            <a:endParaRPr lang="en-AU" sz="1800" kern="100" dirty="0">
-              <a:effectLst/>
-              <a:latin typeface="Aptos" panose="020B0004020202020204" pitchFamily="34" charset="0"/>
-              <a:ea typeface="Aptos" panose="020B0004020202020204" pitchFamily="34" charset="0"/>
-              <a:cs typeface="Times New Roman" panose="02020603050405020304" pitchFamily="18" charset="0"/>
-            </a:endParaRPr>
-          </a:p>
-          <a:p>
-            <a:r>
-              <a:rPr lang="en-AU" sz="1800" kern="100" dirty="0">
-                <a:effectLst/>
-                <a:latin typeface="Arial" panose="020B0604020202020204" pitchFamily="34" charset="0"/>
-                <a:ea typeface="Aptos" panose="020B0004020202020204" pitchFamily="34" charset="0"/>
-                <a:cs typeface="Times New Roman" panose="02020603050405020304" pitchFamily="18" charset="0"/>
-              </a:rPr>
-              <a:t>- Next Steps:</a:t>
-            </a:r>
-            <a:endParaRPr lang="en-AU" sz="1800" kern="100" dirty="0">
-              <a:effectLst/>
-              <a:latin typeface="Aptos" panose="020B0004020202020204" pitchFamily="34" charset="0"/>
-              <a:ea typeface="Aptos" panose="020B0004020202020204" pitchFamily="34" charset="0"/>
-              <a:cs typeface="Times New Roman" panose="02020603050405020304" pitchFamily="18" charset="0"/>
-            </a:endParaRPr>
-          </a:p>
-          <a:p>
-            <a:pPr marL="342900" lvl="0" indent="-342900">
-              <a:buFont typeface="Symbol" panose="05050102010706020507" pitchFamily="18" charset="2"/>
-              <a:buChar char=""/>
-            </a:pPr>
-            <a:r>
-              <a:rPr lang="en-AU" sz="1800" kern="100" dirty="0">
-                <a:effectLst/>
-                <a:latin typeface="Arial" panose="020B0604020202020204" pitchFamily="34" charset="0"/>
-                <a:ea typeface="Aptos" panose="020B0004020202020204" pitchFamily="34" charset="0"/>
-                <a:cs typeface="Times New Roman" panose="02020603050405020304" pitchFamily="18" charset="0"/>
-              </a:rPr>
-              <a:t>Further analysis or additional visualizations.</a:t>
-            </a:r>
-            <a:endParaRPr lang="en-AU" sz="1800" kern="100" dirty="0">
-              <a:effectLst/>
-              <a:latin typeface="Aptos" panose="020B0004020202020204" pitchFamily="34" charset="0"/>
-              <a:ea typeface="Aptos" panose="020B0004020202020204" pitchFamily="34" charset="0"/>
-              <a:cs typeface="Times New Roman" panose="02020603050405020304" pitchFamily="18" charset="0"/>
-            </a:endParaRPr>
-          </a:p>
-          <a:p>
-            <a:pPr marL="342900" lvl="0" indent="-342900">
-              <a:buFont typeface="Symbol" panose="05050102010706020507" pitchFamily="18" charset="2"/>
-              <a:buChar char=""/>
-            </a:pPr>
-            <a:r>
-              <a:rPr lang="en-AU" sz="1800" kern="100" dirty="0">
-                <a:effectLst/>
-                <a:latin typeface="Arial" panose="020B0604020202020204" pitchFamily="34" charset="0"/>
-                <a:ea typeface="Aptos" panose="020B0004020202020204" pitchFamily="34" charset="0"/>
-                <a:cs typeface="Times New Roman" panose="02020603050405020304" pitchFamily="18" charset="0"/>
-              </a:rPr>
-              <a:t>Potential policy recommendations based on insights.</a:t>
-            </a:r>
-          </a:p>
-          <a:p>
-            <a:pPr marL="342900" lvl="0" indent="-342900">
-              <a:buFont typeface="Symbol" panose="05050102010706020507" pitchFamily="18" charset="2"/>
-              <a:buChar char=""/>
-            </a:pPr>
+              <a:t>### Slide 7: Present The Dashboard Website</a:t>
+            </a:r>
             <a:endParaRPr lang="en-AU" sz="1800" kern="100" dirty="0">
               <a:effectLst/>
               <a:latin typeface="Aptos" panose="020B0004020202020204" pitchFamily="34" charset="0"/>
@@ -2018,7 +2043,7 @@
     </p:spTree>
     <p:extLst>
       <p:ext uri="{BB962C8B-B14F-4D97-AF65-F5344CB8AC3E}">
-        <p14:creationId xmlns:p14="http://schemas.microsoft.com/office/powerpoint/2010/main" val="3109289134"/>
+        <p14:creationId xmlns:p14="http://schemas.microsoft.com/office/powerpoint/2010/main" val="1030976903"/>
       </p:ext>
     </p:extLst>
   </p:cSld>
@@ -2079,7 +2104,7 @@
                 <a:ea typeface="Aptos" panose="020B0004020202020204" pitchFamily="34" charset="0"/>
                 <a:cs typeface="Times New Roman" panose="02020603050405020304" pitchFamily="18" charset="0"/>
               </a:rPr>
-              <a:t>### Slide 9: Questions and Discussion</a:t>
+              <a:t>### Slide 8: Conclusions Post Dashboard</a:t>
             </a:r>
             <a:endParaRPr lang="en-AU" sz="1800" kern="100" dirty="0">
               <a:effectLst/>
@@ -2089,10 +2114,6 @@
             </a:endParaRPr>
           </a:p>
           <a:p>
-            <a:pPr marL="342900" lvl="0" indent="-342900">
-              <a:buFont typeface="Aptos" panose="020B0004020202020204" pitchFamily="34" charset="0"/>
-              <a:buChar char="-"/>
-            </a:pPr>
             <a:r>
               <a:rPr lang="en-AU" sz="1800" kern="100" dirty="0">
                 <a:effectLst/>
@@ -2100,8 +2121,94 @@
                 <a:ea typeface="Aptos" panose="020B0004020202020204" pitchFamily="34" charset="0"/>
                 <a:cs typeface="Times New Roman" panose="02020603050405020304" pitchFamily="18" charset="0"/>
               </a:rPr>
-              <a:t>Invite questions from the audience.</a:t>
-            </a:r>
+              <a:t>- Key Insights:</a:t>
+            </a:r>
+            <a:endParaRPr lang="en-AU" sz="1800" kern="100" dirty="0">
+              <a:effectLst/>
+              <a:latin typeface="Aptos" panose="020B0004020202020204" pitchFamily="34" charset="0"/>
+              <a:ea typeface="Aptos" panose="020B0004020202020204" pitchFamily="34" charset="0"/>
+              <a:cs typeface="Times New Roman" panose="02020603050405020304" pitchFamily="18" charset="0"/>
+            </a:endParaRPr>
+          </a:p>
+          <a:p>
+            <a:pPr marL="342900" lvl="0" indent="-342900">
+              <a:buFont typeface="Symbol" panose="05050102010706020507" pitchFamily="18" charset="2"/>
+              <a:buChar char=""/>
+            </a:pPr>
+            <a:r>
+              <a:rPr lang="en-AU" sz="1800" kern="100" dirty="0">
+                <a:effectLst/>
+                <a:latin typeface="Arial" panose="020B0604020202020204" pitchFamily="34" charset="0"/>
+                <a:ea typeface="Aptos" panose="020B0004020202020204" pitchFamily="34" charset="0"/>
+                <a:cs typeface="Times New Roman" panose="02020603050405020304" pitchFamily="18" charset="0"/>
+              </a:rPr>
+              <a:t>Summary of findings from the dashboard.</a:t>
+            </a:r>
+            <a:endParaRPr lang="en-AU" sz="1800" kern="100" dirty="0">
+              <a:effectLst/>
+              <a:latin typeface="Aptos" panose="020B0004020202020204" pitchFamily="34" charset="0"/>
+              <a:ea typeface="Aptos" panose="020B0004020202020204" pitchFamily="34" charset="0"/>
+              <a:cs typeface="Times New Roman" panose="02020603050405020304" pitchFamily="18" charset="0"/>
+            </a:endParaRPr>
+          </a:p>
+          <a:p>
+            <a:r>
+              <a:rPr lang="en-AU" sz="1800" kern="100" dirty="0">
+                <a:effectLst/>
+                <a:latin typeface="Arial" panose="020B0604020202020204" pitchFamily="34" charset="0"/>
+                <a:ea typeface="Aptos" panose="020B0004020202020204" pitchFamily="34" charset="0"/>
+                <a:cs typeface="Times New Roman" panose="02020603050405020304" pitchFamily="18" charset="0"/>
+              </a:rPr>
+              <a:t>- Next Steps:</a:t>
+            </a:r>
+            <a:endParaRPr lang="en-AU" sz="1800" kern="100" dirty="0">
+              <a:effectLst/>
+              <a:latin typeface="Aptos" panose="020B0004020202020204" pitchFamily="34" charset="0"/>
+              <a:ea typeface="Aptos" panose="020B0004020202020204" pitchFamily="34" charset="0"/>
+              <a:cs typeface="Times New Roman" panose="02020603050405020304" pitchFamily="18" charset="0"/>
+            </a:endParaRPr>
+          </a:p>
+          <a:p>
+            <a:pPr marL="342900" lvl="0" indent="-342900">
+              <a:buFont typeface="Symbol" panose="05050102010706020507" pitchFamily="18" charset="2"/>
+              <a:buChar char=""/>
+            </a:pPr>
+            <a:r>
+              <a:rPr lang="en-AU" sz="1800" kern="100" dirty="0">
+                <a:effectLst/>
+                <a:latin typeface="Arial" panose="020B0604020202020204" pitchFamily="34" charset="0"/>
+                <a:ea typeface="Aptos" panose="020B0004020202020204" pitchFamily="34" charset="0"/>
+                <a:cs typeface="Times New Roman" panose="02020603050405020304" pitchFamily="18" charset="0"/>
+              </a:rPr>
+              <a:t>Further analysis or additional visualizations.</a:t>
+            </a:r>
+            <a:endParaRPr lang="en-AU" sz="1800" kern="100" dirty="0">
+              <a:effectLst/>
+              <a:latin typeface="Aptos" panose="020B0004020202020204" pitchFamily="34" charset="0"/>
+              <a:ea typeface="Aptos" panose="020B0004020202020204" pitchFamily="34" charset="0"/>
+              <a:cs typeface="Times New Roman" panose="02020603050405020304" pitchFamily="18" charset="0"/>
+            </a:endParaRPr>
+          </a:p>
+          <a:p>
+            <a:pPr marL="342900" lvl="0" indent="-342900">
+              <a:buFont typeface="Symbol" panose="05050102010706020507" pitchFamily="18" charset="2"/>
+              <a:buChar char=""/>
+            </a:pPr>
+            <a:r>
+              <a:rPr lang="en-AU" sz="1800" kern="100" dirty="0">
+                <a:effectLst/>
+                <a:latin typeface="Arial" panose="020B0604020202020204" pitchFamily="34" charset="0"/>
+                <a:ea typeface="Aptos" panose="020B0004020202020204" pitchFamily="34" charset="0"/>
+                <a:cs typeface="Times New Roman" panose="02020603050405020304" pitchFamily="18" charset="0"/>
+              </a:rPr>
+              <a:t>Potential policy recommendations based on insights.</a:t>
+            </a:r>
+          </a:p>
+          <a:p>
+            <a:pPr marL="342900" lvl="0" indent="-342900">
+              <a:buFont typeface="Symbol" panose="05050102010706020507" pitchFamily="18" charset="2"/>
+              <a:buChar char=""/>
+            </a:pPr>
             <a:endParaRPr lang="en-AU" sz="1800" kern="100" dirty="0">
               <a:effectLst/>
               <a:latin typeface="Aptos" panose="020B0004020202020204" pitchFamily="34" charset="0"/>
@@ -2132,6 +2239,128 @@
             <a:fld id="{2A70E377-7AA5-4E93-A9E2-9FE60D8E63F8}" type="slidenum">
               <a:rPr lang="en-AU" smtClean="0"/>
               <a:t>8</a:t>
+            </a:fld>
+            <a:endParaRPr lang="en-AU"/>
+          </a:p>
+        </p:txBody>
+      </p:sp>
+    </p:spTree>
+    <p:extLst>
+      <p:ext uri="{BB962C8B-B14F-4D97-AF65-F5344CB8AC3E}">
+        <p14:creationId xmlns:p14="http://schemas.microsoft.com/office/powerpoint/2010/main" val="3109289134"/>
+      </p:ext>
+    </p:extLst>
+  </p:cSld>
+  <p:clrMapOvr>
+    <a:masterClrMapping/>
+  </p:clrMapOvr>
+</p:notes>
+</file>
+
+<file path=ppt/notesSlides/notesSlide9.xml><?xml version="1.0" encoding="utf-8"?>
+<p:notes xmlns:a="http://schemas.openxmlformats.org/drawingml/2006/main" xmlns:r="http://schemas.openxmlformats.org/officeDocument/2006/relationships" xmlns:p="http://schemas.openxmlformats.org/presentationml/2006/main">
+  <p:cSld>
+    <p:spTree>
+      <p:nvGrpSpPr>
+        <p:cNvPr id="1" name=""/>
+        <p:cNvGrpSpPr/>
+        <p:nvPr/>
+      </p:nvGrpSpPr>
+      <p:grpSpPr>
+        <a:xfrm>
+          <a:off x="0" y="0"/>
+          <a:ext cx="0" cy="0"/>
+          <a:chOff x="0" y="0"/>
+          <a:chExt cx="0" cy="0"/>
+        </a:xfrm>
+      </p:grpSpPr>
+      <p:sp>
+        <p:nvSpPr>
+          <p:cNvPr id="2" name="Slide Image Placeholder 1"/>
+          <p:cNvSpPr>
+            <a:spLocks noGrp="1" noRot="1" noChangeAspect="1"/>
+          </p:cNvSpPr>
+          <p:nvPr>
+            <p:ph type="sldImg"/>
+          </p:nvPr>
+        </p:nvSpPr>
+        <p:spPr/>
+      </p:sp>
+      <p:sp>
+        <p:nvSpPr>
+          <p:cNvPr id="3" name="Notes Placeholder 2"/>
+          <p:cNvSpPr>
+            <a:spLocks noGrp="1"/>
+          </p:cNvSpPr>
+          <p:nvPr>
+            <p:ph type="body" idx="1"/>
+          </p:nvPr>
+        </p:nvSpPr>
+        <p:spPr/>
+        <p:txBody>
+          <a:bodyPr/>
+          <a:lstStyle/>
+          <a:p>
+            <a:r>
+              <a:rPr lang="en-AU" sz="1800" b="1" kern="100" dirty="0">
+                <a:effectLst/>
+                <a:latin typeface="Arial" panose="020B0604020202020204" pitchFamily="34" charset="0"/>
+                <a:ea typeface="Aptos" panose="020B0004020202020204" pitchFamily="34" charset="0"/>
+                <a:cs typeface="Times New Roman" panose="02020603050405020304" pitchFamily="18" charset="0"/>
+              </a:rPr>
+              <a:t>### Slide 9: Questions and Discussion</a:t>
+            </a:r>
+            <a:endParaRPr lang="en-AU" sz="1800" kern="100" dirty="0">
+              <a:effectLst/>
+              <a:latin typeface="Aptos" panose="020B0004020202020204" pitchFamily="34" charset="0"/>
+              <a:ea typeface="Aptos" panose="020B0004020202020204" pitchFamily="34" charset="0"/>
+              <a:cs typeface="Times New Roman" panose="02020603050405020304" pitchFamily="18" charset="0"/>
+            </a:endParaRPr>
+          </a:p>
+          <a:p>
+            <a:pPr marL="342900" lvl="0" indent="-342900">
+              <a:buFont typeface="Aptos" panose="020B0004020202020204" pitchFamily="34" charset="0"/>
+              <a:buChar char="-"/>
+            </a:pPr>
+            <a:r>
+              <a:rPr lang="en-AU" sz="1800" kern="100" dirty="0">
+                <a:effectLst/>
+                <a:latin typeface="Arial" panose="020B0604020202020204" pitchFamily="34" charset="0"/>
+                <a:ea typeface="Aptos" panose="020B0004020202020204" pitchFamily="34" charset="0"/>
+                <a:cs typeface="Times New Roman" panose="02020603050405020304" pitchFamily="18" charset="0"/>
+              </a:rPr>
+              <a:t>Invite questions from the audience.</a:t>
+            </a:r>
+            <a:endParaRPr lang="en-AU" sz="1800" kern="100" dirty="0">
+              <a:effectLst/>
+              <a:latin typeface="Aptos" panose="020B0004020202020204" pitchFamily="34" charset="0"/>
+              <a:ea typeface="Aptos" panose="020B0004020202020204" pitchFamily="34" charset="0"/>
+              <a:cs typeface="Times New Roman" panose="02020603050405020304" pitchFamily="18" charset="0"/>
+            </a:endParaRPr>
+          </a:p>
+          <a:p>
+            <a:endParaRPr lang="en-AU" sz="1800" dirty="0"/>
+          </a:p>
+        </p:txBody>
+      </p:sp>
+      <p:sp>
+        <p:nvSpPr>
+          <p:cNvPr id="4" name="Slide Number Placeholder 3"/>
+          <p:cNvSpPr>
+            <a:spLocks noGrp="1"/>
+          </p:cNvSpPr>
+          <p:nvPr>
+            <p:ph type="sldNum" sz="quarter" idx="5"/>
+          </p:nvPr>
+        </p:nvSpPr>
+        <p:spPr/>
+        <p:txBody>
+          <a:bodyPr/>
+          <a:lstStyle/>
+          <a:p>
+            <a:fld id="{2A70E377-7AA5-4E93-A9E2-9FE60D8E63F8}" type="slidenum">
+              <a:rPr lang="en-AU" smtClean="0"/>
+              <a:t>9</a:t>
             </a:fld>
             <a:endParaRPr lang="en-AU"/>
           </a:p>
@@ -2299,7 +2528,7 @@
           <a:p>
             <a:fld id="{EDB420D6-BB05-EC4D-98B6-07F26C75C360}" type="datetimeFigureOut">
               <a:rPr lang="en-AU" smtClean="0"/>
-              <a:t>16/6/2024</a:t>
+              <a:t>17/06/2024</a:t>
             </a:fld>
             <a:endParaRPr lang="en-AU"/>
           </a:p>
@@ -2499,7 +2728,7 @@
           <a:p>
             <a:fld id="{EDB420D6-BB05-EC4D-98B6-07F26C75C360}" type="datetimeFigureOut">
               <a:rPr lang="en-AU" smtClean="0"/>
-              <a:t>16/6/2024</a:t>
+              <a:t>17/06/2024</a:t>
             </a:fld>
             <a:endParaRPr lang="en-AU"/>
           </a:p>
@@ -2709,7 +2938,7 @@
           <a:p>
             <a:fld id="{EDB420D6-BB05-EC4D-98B6-07F26C75C360}" type="datetimeFigureOut">
               <a:rPr lang="en-AU" smtClean="0"/>
-              <a:t>16/6/2024</a:t>
+              <a:t>17/06/2024</a:t>
             </a:fld>
             <a:endParaRPr lang="en-AU"/>
           </a:p>
@@ -2909,7 +3138,7 @@
           <a:p>
             <a:fld id="{EDB420D6-BB05-EC4D-98B6-07F26C75C360}" type="datetimeFigureOut">
               <a:rPr lang="en-AU" smtClean="0"/>
-              <a:t>16/6/2024</a:t>
+              <a:t>17/06/2024</a:t>
             </a:fld>
             <a:endParaRPr lang="en-AU"/>
           </a:p>
@@ -3185,7 +3414,7 @@
           <a:p>
             <a:fld id="{EDB420D6-BB05-EC4D-98B6-07F26C75C360}" type="datetimeFigureOut">
               <a:rPr lang="en-AU" smtClean="0"/>
-              <a:t>16/6/2024</a:t>
+              <a:t>17/06/2024</a:t>
             </a:fld>
             <a:endParaRPr lang="en-AU"/>
           </a:p>
@@ -3453,7 +3682,7 @@
           <a:p>
             <a:fld id="{EDB420D6-BB05-EC4D-98B6-07F26C75C360}" type="datetimeFigureOut">
               <a:rPr lang="en-AU" smtClean="0"/>
-              <a:t>16/6/2024</a:t>
+              <a:t>17/06/2024</a:t>
             </a:fld>
             <a:endParaRPr lang="en-AU"/>
           </a:p>
@@ -3868,7 +4097,7 @@
           <a:p>
             <a:fld id="{EDB420D6-BB05-EC4D-98B6-07F26C75C360}" type="datetimeFigureOut">
               <a:rPr lang="en-AU" smtClean="0"/>
-              <a:t>16/6/2024</a:t>
+              <a:t>17/06/2024</a:t>
             </a:fld>
             <a:endParaRPr lang="en-AU"/>
           </a:p>
@@ -4010,7 +4239,7 @@
           <a:p>
             <a:fld id="{EDB420D6-BB05-EC4D-98B6-07F26C75C360}" type="datetimeFigureOut">
               <a:rPr lang="en-AU" smtClean="0"/>
-              <a:t>16/6/2024</a:t>
+              <a:t>17/06/2024</a:t>
             </a:fld>
             <a:endParaRPr lang="en-AU"/>
           </a:p>
@@ -4123,7 +4352,7 @@
           <a:p>
             <a:fld id="{EDB420D6-BB05-EC4D-98B6-07F26C75C360}" type="datetimeFigureOut">
               <a:rPr lang="en-AU" smtClean="0"/>
-              <a:t>16/6/2024</a:t>
+              <a:t>17/06/2024</a:t>
             </a:fld>
             <a:endParaRPr lang="en-AU"/>
           </a:p>
@@ -4436,7 +4665,7 @@
           <a:p>
             <a:fld id="{EDB420D6-BB05-EC4D-98B6-07F26C75C360}" type="datetimeFigureOut">
               <a:rPr lang="en-AU" smtClean="0"/>
-              <a:t>16/6/2024</a:t>
+              <a:t>17/06/2024</a:t>
             </a:fld>
             <a:endParaRPr lang="en-AU"/>
           </a:p>
@@ -4725,7 +4954,7 @@
           <a:p>
             <a:fld id="{EDB420D6-BB05-EC4D-98B6-07F26C75C360}" type="datetimeFigureOut">
               <a:rPr lang="en-AU" smtClean="0"/>
-              <a:t>16/6/2024</a:t>
+              <a:t>17/06/2024</a:t>
             </a:fld>
             <a:endParaRPr lang="en-AU"/>
           </a:p>
@@ -4968,7 +5197,7 @@
           <a:p>
             <a:fld id="{EDB420D6-BB05-EC4D-98B6-07F26C75C360}" type="datetimeFigureOut">
               <a:rPr lang="en-AU" smtClean="0"/>
-              <a:t>16/6/2024</a:t>
+              <a:t>17/06/2024</a:t>
             </a:fld>
             <a:endParaRPr lang="en-AU"/>
           </a:p>
@@ -6269,6 +6498,755 @@
           <a:lstStyle/>
           <a:p>
             <a:pPr algn="ctr"/>
+            <a:endParaRPr lang="en-AU"/>
+          </a:p>
+        </p:txBody>
+      </p:sp>
+      <p:grpSp>
+        <p:nvGrpSpPr>
+          <p:cNvPr id="21" name="Group 20">
+            <a:extLst>
+              <a:ext uri="{FF2B5EF4-FFF2-40B4-BE49-F238E27FC236}">
+                <a16:creationId xmlns:a16="http://schemas.microsoft.com/office/drawing/2014/main" id="{A37CCDA1-F3F3-CC8F-2802-BC372F276F79}"/>
+              </a:ext>
+            </a:extLst>
+          </p:cNvPr>
+          <p:cNvGrpSpPr/>
+          <p:nvPr/>
+        </p:nvGrpSpPr>
+        <p:grpSpPr>
+          <a:xfrm>
+            <a:off x="-1173982" y="-33620"/>
+            <a:ext cx="14539964" cy="6925240"/>
+            <a:chOff x="-1185705" y="-40344"/>
+            <a:chExt cx="14539964" cy="6925240"/>
+          </a:xfrm>
+        </p:grpSpPr>
+        <p:grpSp>
+          <p:nvGrpSpPr>
+            <p:cNvPr id="20" name="Group 19">
+              <a:extLst>
+                <a:ext uri="{FF2B5EF4-FFF2-40B4-BE49-F238E27FC236}">
+                  <a16:creationId xmlns:a16="http://schemas.microsoft.com/office/drawing/2014/main" id="{68DD1B29-9A39-D206-38F8-9A02B5B7AE14}"/>
+                </a:ext>
+              </a:extLst>
+            </p:cNvPr>
+            <p:cNvGrpSpPr/>
+            <p:nvPr/>
+          </p:nvGrpSpPr>
+          <p:grpSpPr>
+            <a:xfrm>
+              <a:off x="-1185705" y="-40344"/>
+              <a:ext cx="14539964" cy="6925240"/>
+              <a:chOff x="-1185705" y="-40344"/>
+              <a:chExt cx="14539964" cy="6925240"/>
+            </a:xfrm>
+          </p:grpSpPr>
+          <p:sp>
+            <p:nvSpPr>
+              <p:cNvPr id="7" name="Trapezoid 6">
+                <a:extLst>
+                  <a:ext uri="{FF2B5EF4-FFF2-40B4-BE49-F238E27FC236}">
+                    <a16:creationId xmlns:a16="http://schemas.microsoft.com/office/drawing/2014/main" id="{19E2A6CA-2FAE-18F4-65BD-6A98BEB0A28D}"/>
+                  </a:ext>
+                </a:extLst>
+              </p:cNvPr>
+              <p:cNvSpPr/>
+              <p:nvPr/>
+            </p:nvSpPr>
+            <p:spPr>
+              <a:xfrm>
+                <a:off x="-1185705" y="-26896"/>
+                <a:ext cx="14539964" cy="6884896"/>
+              </a:xfrm>
+              <a:prstGeom prst="trapezoid">
+                <a:avLst/>
+              </a:prstGeom>
+              <a:solidFill>
+                <a:schemeClr val="bg2">
+                  <a:lumMod val="50000"/>
+                </a:schemeClr>
+              </a:solidFill>
+              <a:ln>
+                <a:noFill/>
+              </a:ln>
+            </p:spPr>
+            <p:style>
+              <a:lnRef idx="2">
+                <a:schemeClr val="accent1">
+                  <a:shade val="15000"/>
+                </a:schemeClr>
+              </a:lnRef>
+              <a:fillRef idx="1">
+                <a:schemeClr val="accent1"/>
+              </a:fillRef>
+              <a:effectRef idx="0">
+                <a:schemeClr val="accent1"/>
+              </a:effectRef>
+              <a:fontRef idx="minor">
+                <a:schemeClr val="lt1"/>
+              </a:fontRef>
+            </p:style>
+            <p:txBody>
+              <a:bodyPr rtlCol="0" anchor="ctr"/>
+              <a:lstStyle/>
+              <a:p>
+                <a:pPr algn="ctr"/>
+                <a:endParaRPr lang="en-AU"/>
+              </a:p>
+            </p:txBody>
+          </p:sp>
+          <p:cxnSp>
+            <p:nvCxnSpPr>
+              <p:cNvPr id="9" name="Straight Connector 8">
+                <a:extLst>
+                  <a:ext uri="{FF2B5EF4-FFF2-40B4-BE49-F238E27FC236}">
+                    <a16:creationId xmlns:a16="http://schemas.microsoft.com/office/drawing/2014/main" id="{8BA11DAD-403A-E9FF-1558-4E8850FB3ADD}"/>
+                  </a:ext>
+                </a:extLst>
+              </p:cNvPr>
+              <p:cNvCxnSpPr>
+                <a:cxnSpLocks/>
+              </p:cNvCxnSpPr>
+              <p:nvPr/>
+            </p:nvCxnSpPr>
+            <p:spPr>
+              <a:xfrm flipH="1">
+                <a:off x="-209982" y="-26896"/>
+                <a:ext cx="1646899" cy="6884896"/>
+              </a:xfrm>
+              <a:prstGeom prst="line">
+                <a:avLst/>
+              </a:prstGeom>
+              <a:ln w="76200">
+                <a:solidFill>
+                  <a:schemeClr val="bg1"/>
+                </a:solidFill>
+              </a:ln>
+            </p:spPr>
+            <p:style>
+              <a:lnRef idx="2">
+                <a:schemeClr val="accent1"/>
+              </a:lnRef>
+              <a:fillRef idx="0">
+                <a:schemeClr val="accent1"/>
+              </a:fillRef>
+              <a:effectRef idx="1">
+                <a:schemeClr val="accent1"/>
+              </a:effectRef>
+              <a:fontRef idx="minor">
+                <a:schemeClr val="tx1"/>
+              </a:fontRef>
+            </p:style>
+          </p:cxnSp>
+          <p:cxnSp>
+            <p:nvCxnSpPr>
+              <p:cNvPr id="13" name="Straight Connector 12">
+                <a:extLst>
+                  <a:ext uri="{FF2B5EF4-FFF2-40B4-BE49-F238E27FC236}">
+                    <a16:creationId xmlns:a16="http://schemas.microsoft.com/office/drawing/2014/main" id="{A0C98840-8197-FE50-2CCD-8B10226B00D9}"/>
+                  </a:ext>
+                </a:extLst>
+              </p:cNvPr>
+              <p:cNvCxnSpPr/>
+              <p:nvPr/>
+            </p:nvCxnSpPr>
+            <p:spPr>
+              <a:xfrm>
+                <a:off x="10631153" y="0"/>
+                <a:ext cx="1610055" cy="6858000"/>
+              </a:xfrm>
+              <a:prstGeom prst="line">
+                <a:avLst/>
+              </a:prstGeom>
+              <a:ln w="76200">
+                <a:solidFill>
+                  <a:schemeClr val="bg1"/>
+                </a:solidFill>
+              </a:ln>
+            </p:spPr>
+            <p:style>
+              <a:lnRef idx="2">
+                <a:schemeClr val="accent1"/>
+              </a:lnRef>
+              <a:fillRef idx="0">
+                <a:schemeClr val="accent1"/>
+              </a:fillRef>
+              <a:effectRef idx="1">
+                <a:schemeClr val="accent1"/>
+              </a:effectRef>
+              <a:fontRef idx="minor">
+                <a:schemeClr val="tx1"/>
+              </a:fontRef>
+            </p:style>
+          </p:cxnSp>
+          <p:cxnSp>
+            <p:nvCxnSpPr>
+              <p:cNvPr id="15" name="Straight Connector 14">
+                <a:extLst>
+                  <a:ext uri="{FF2B5EF4-FFF2-40B4-BE49-F238E27FC236}">
+                    <a16:creationId xmlns:a16="http://schemas.microsoft.com/office/drawing/2014/main" id="{E6116E88-BC0E-9D53-EFE0-46892E79C449}"/>
+                  </a:ext>
+                </a:extLst>
+              </p:cNvPr>
+              <p:cNvCxnSpPr>
+                <a:cxnSpLocks/>
+              </p:cNvCxnSpPr>
+              <p:nvPr/>
+            </p:nvCxnSpPr>
+            <p:spPr>
+              <a:xfrm flipH="1">
+                <a:off x="3573866" y="-40344"/>
+                <a:ext cx="862483" cy="6925240"/>
+              </a:xfrm>
+              <a:prstGeom prst="line">
+                <a:avLst/>
+              </a:prstGeom>
+              <a:ln w="76200">
+                <a:solidFill>
+                  <a:schemeClr val="bg1"/>
+                </a:solidFill>
+                <a:prstDash val="lgDash"/>
+              </a:ln>
+            </p:spPr>
+            <p:style>
+              <a:lnRef idx="2">
+                <a:schemeClr val="accent1"/>
+              </a:lnRef>
+              <a:fillRef idx="0">
+                <a:schemeClr val="accent1"/>
+              </a:fillRef>
+              <a:effectRef idx="1">
+                <a:schemeClr val="accent1"/>
+              </a:effectRef>
+              <a:fontRef idx="minor">
+                <a:schemeClr val="tx1"/>
+              </a:fontRef>
+            </p:style>
+          </p:cxnSp>
+          <p:cxnSp>
+            <p:nvCxnSpPr>
+              <p:cNvPr id="17" name="Straight Connector 16">
+                <a:extLst>
+                  <a:ext uri="{FF2B5EF4-FFF2-40B4-BE49-F238E27FC236}">
+                    <a16:creationId xmlns:a16="http://schemas.microsoft.com/office/drawing/2014/main" id="{6052BA4C-3613-5F0A-3426-21F9607B597F}"/>
+                  </a:ext>
+                </a:extLst>
+              </p:cNvPr>
+              <p:cNvCxnSpPr>
+                <a:cxnSpLocks/>
+              </p:cNvCxnSpPr>
+              <p:nvPr/>
+            </p:nvCxnSpPr>
+            <p:spPr>
+              <a:xfrm>
+                <a:off x="7455873" y="-26896"/>
+                <a:ext cx="848248" cy="6911792"/>
+              </a:xfrm>
+              <a:prstGeom prst="line">
+                <a:avLst/>
+              </a:prstGeom>
+              <a:ln w="76200">
+                <a:solidFill>
+                  <a:schemeClr val="bg1"/>
+                </a:solidFill>
+                <a:prstDash val="lgDash"/>
+              </a:ln>
+            </p:spPr>
+            <p:style>
+              <a:lnRef idx="2">
+                <a:schemeClr val="accent1"/>
+              </a:lnRef>
+              <a:fillRef idx="0">
+                <a:schemeClr val="accent1"/>
+              </a:fillRef>
+              <a:effectRef idx="1">
+                <a:schemeClr val="accent1"/>
+              </a:effectRef>
+              <a:fontRef idx="minor">
+                <a:schemeClr val="tx1"/>
+              </a:fontRef>
+            </p:style>
+          </p:cxnSp>
+        </p:grpSp>
+        <p:sp>
+          <p:nvSpPr>
+            <p:cNvPr id="6" name="Rectangle 5">
+              <a:extLst>
+                <a:ext uri="{FF2B5EF4-FFF2-40B4-BE49-F238E27FC236}">
+                  <a16:creationId xmlns:a16="http://schemas.microsoft.com/office/drawing/2014/main" id="{BC12B6F1-0747-B119-97F1-720A4D7A7B85}"/>
+                </a:ext>
+              </a:extLst>
+            </p:cNvPr>
+            <p:cNvSpPr/>
+            <p:nvPr/>
+          </p:nvSpPr>
+          <p:spPr>
+            <a:xfrm>
+              <a:off x="-1004835" y="3713599"/>
+              <a:ext cx="13937064" cy="1185706"/>
+            </a:xfrm>
+            <a:prstGeom prst="rect">
+              <a:avLst/>
+            </a:prstGeom>
+            <a:solidFill>
+              <a:schemeClr val="tx1">
+                <a:lumMod val="75000"/>
+                <a:lumOff val="25000"/>
+              </a:schemeClr>
+            </a:solidFill>
+            <a:ln>
+              <a:noFill/>
+            </a:ln>
+          </p:spPr>
+          <p:style>
+            <a:lnRef idx="2">
+              <a:schemeClr val="accent1">
+                <a:shade val="15000"/>
+              </a:schemeClr>
+            </a:lnRef>
+            <a:fillRef idx="1">
+              <a:schemeClr val="accent1"/>
+            </a:fillRef>
+            <a:effectRef idx="0">
+              <a:schemeClr val="accent1"/>
+            </a:effectRef>
+            <a:fontRef idx="minor">
+              <a:schemeClr val="lt1"/>
+            </a:fontRef>
+          </p:style>
+          <p:txBody>
+            <a:bodyPr rtlCol="0" anchor="ctr"/>
+            <a:lstStyle/>
+            <a:p>
+              <a:pPr algn="ctr"/>
+              <a:endParaRPr lang="en-AU"/>
+            </a:p>
+          </p:txBody>
+        </p:sp>
+        <p:sp>
+          <p:nvSpPr>
+            <p:cNvPr id="4" name="Rectangle: Rounded Corners 3">
+              <a:extLst>
+                <a:ext uri="{FF2B5EF4-FFF2-40B4-BE49-F238E27FC236}">
+                  <a16:creationId xmlns:a16="http://schemas.microsoft.com/office/drawing/2014/main" id="{CE8384D4-F216-1B45-8489-B574B541AE09}"/>
+                </a:ext>
+              </a:extLst>
+            </p:cNvPr>
+            <p:cNvSpPr/>
+            <p:nvPr/>
+          </p:nvSpPr>
+          <p:spPr>
+            <a:xfrm>
+              <a:off x="282388" y="233081"/>
+              <a:ext cx="11627223" cy="6338047"/>
+            </a:xfrm>
+            <a:prstGeom prst="roundRect">
+              <a:avLst>
+                <a:gd name="adj" fmla="val 6838"/>
+              </a:avLst>
+            </a:prstGeom>
+            <a:ln w="76200">
+              <a:solidFill>
+                <a:schemeClr val="bg1"/>
+              </a:solidFill>
+            </a:ln>
+          </p:spPr>
+          <p:style>
+            <a:lnRef idx="2">
+              <a:schemeClr val="accent3">
+                <a:shade val="15000"/>
+              </a:schemeClr>
+            </a:lnRef>
+            <a:fillRef idx="1">
+              <a:schemeClr val="accent3"/>
+            </a:fillRef>
+            <a:effectRef idx="0">
+              <a:schemeClr val="accent3"/>
+            </a:effectRef>
+            <a:fontRef idx="minor">
+              <a:schemeClr val="lt1"/>
+            </a:fontRef>
+          </p:style>
+          <p:txBody>
+            <a:bodyPr rtlCol="0" anchor="ctr"/>
+            <a:lstStyle/>
+            <a:p>
+              <a:pPr algn="ctr"/>
+              <a:endParaRPr lang="en-AU" dirty="0"/>
+            </a:p>
+          </p:txBody>
+        </p:sp>
+      </p:grpSp>
+      <p:sp>
+        <p:nvSpPr>
+          <p:cNvPr id="22" name="TextBox 21">
+            <a:extLst>
+              <a:ext uri="{FF2B5EF4-FFF2-40B4-BE49-F238E27FC236}">
+                <a16:creationId xmlns:a16="http://schemas.microsoft.com/office/drawing/2014/main" id="{97F7F7E8-4C2A-464F-3D5A-D7A987C6010E}"/>
+              </a:ext>
+            </a:extLst>
+          </p:cNvPr>
+          <p:cNvSpPr txBox="1"/>
+          <p:nvPr/>
+        </p:nvSpPr>
+        <p:spPr>
+          <a:xfrm>
+            <a:off x="534155" y="471584"/>
+            <a:ext cx="4292821" cy="646986"/>
+          </a:xfrm>
+          <a:prstGeom prst="roundRect">
+            <a:avLst/>
+          </a:prstGeom>
+          <a:solidFill>
+            <a:schemeClr val="bg1"/>
+          </a:solidFill>
+        </p:spPr>
+        <p:txBody>
+          <a:bodyPr wrap="square" rtlCol="0">
+            <a:spAutoFit/>
+          </a:bodyPr>
+          <a:lstStyle/>
+          <a:p>
+            <a:r>
+              <a:rPr lang="en-AU" sz="3200" dirty="0">
+                <a:latin typeface="Arial Rounded MT Bold" panose="020F0704030504030204" pitchFamily="34" charset="0"/>
+                <a:ea typeface="ADLaM Display" panose="020F0502020204030204" pitchFamily="2" charset="0"/>
+                <a:cs typeface="ADLaM Display" panose="020F0502020204030204" pitchFamily="2" charset="0"/>
+              </a:rPr>
+              <a:t>OUTLINE</a:t>
+            </a:r>
+          </a:p>
+        </p:txBody>
+      </p:sp>
+      <p:cxnSp>
+        <p:nvCxnSpPr>
+          <p:cNvPr id="27" name="Straight Connector 26">
+            <a:extLst>
+              <a:ext uri="{FF2B5EF4-FFF2-40B4-BE49-F238E27FC236}">
+                <a16:creationId xmlns:a16="http://schemas.microsoft.com/office/drawing/2014/main" id="{3E4C76E5-790B-C529-B78D-63BF88B584A8}"/>
+              </a:ext>
+            </a:extLst>
+          </p:cNvPr>
+          <p:cNvCxnSpPr>
+            <a:cxnSpLocks/>
+          </p:cNvCxnSpPr>
+          <p:nvPr/>
+        </p:nvCxnSpPr>
+        <p:spPr>
+          <a:xfrm>
+            <a:off x="282388" y="1436914"/>
+            <a:ext cx="11627223" cy="0"/>
+          </a:xfrm>
+          <a:prstGeom prst="line">
+            <a:avLst/>
+          </a:prstGeom>
+          <a:ln w="76200">
+            <a:solidFill>
+              <a:schemeClr val="bg1"/>
+            </a:solidFill>
+          </a:ln>
+        </p:spPr>
+        <p:style>
+          <a:lnRef idx="2">
+            <a:schemeClr val="accent1"/>
+          </a:lnRef>
+          <a:fillRef idx="0">
+            <a:schemeClr val="accent1"/>
+          </a:fillRef>
+          <a:effectRef idx="1">
+            <a:schemeClr val="accent1"/>
+          </a:effectRef>
+          <a:fontRef idx="minor">
+            <a:schemeClr val="tx1"/>
+          </a:fontRef>
+        </p:style>
+      </p:cxnSp>
+      <p:sp>
+        <p:nvSpPr>
+          <p:cNvPr id="12" name="TextBox 11">
+            <a:extLst>
+              <a:ext uri="{FF2B5EF4-FFF2-40B4-BE49-F238E27FC236}">
+                <a16:creationId xmlns:a16="http://schemas.microsoft.com/office/drawing/2014/main" id="{5B5C7AAA-8DA4-0B80-8B4E-02AEFA7EF9DF}"/>
+              </a:ext>
+            </a:extLst>
+          </p:cNvPr>
+          <p:cNvSpPr txBox="1"/>
+          <p:nvPr/>
+        </p:nvSpPr>
+        <p:spPr>
+          <a:xfrm>
+            <a:off x="699950" y="1755258"/>
+            <a:ext cx="8829875" cy="3785652"/>
+          </a:xfrm>
+          <a:prstGeom prst="rect">
+            <a:avLst/>
+          </a:prstGeom>
+          <a:noFill/>
+        </p:spPr>
+        <p:txBody>
+          <a:bodyPr wrap="square" rtlCol="0">
+            <a:spAutoFit/>
+          </a:bodyPr>
+          <a:lstStyle/>
+          <a:p>
+            <a:pPr marL="285750" indent="-285750">
+              <a:buFont typeface="Arial" panose="020B0604020202020204" pitchFamily="34" charset="0"/>
+              <a:buChar char="•"/>
+            </a:pPr>
+            <a:r>
+              <a:rPr lang="en-AU" sz="2000" kern="100" dirty="0">
+                <a:solidFill>
+                  <a:schemeClr val="bg1"/>
+                </a:solidFill>
+                <a:latin typeface="Arial Rounded MT Bold" panose="020F0704030504030204" pitchFamily="34" charset="0"/>
+                <a:cs typeface="Times New Roman" panose="02020603050405020304" pitchFamily="18" charset="0"/>
+              </a:rPr>
+              <a:t>PROJECT OVERVIEW (VB)</a:t>
+            </a:r>
+          </a:p>
+          <a:p>
+            <a:pPr marL="285750" indent="-285750">
+              <a:buFont typeface="Arial" panose="020B0604020202020204" pitchFamily="34" charset="0"/>
+              <a:buChar char="•"/>
+            </a:pPr>
+            <a:r>
+              <a:rPr lang="en-AU" sz="2000" kern="100" dirty="0">
+                <a:solidFill>
+                  <a:schemeClr val="bg1"/>
+                </a:solidFill>
+                <a:latin typeface="Arial Rounded MT Bold" panose="020F0704030504030204" pitchFamily="34" charset="0"/>
+                <a:cs typeface="Times New Roman" panose="02020603050405020304" pitchFamily="18" charset="0"/>
+              </a:rPr>
+              <a:t>DATA SOURCE &amp; MANAGEMENT (VB)</a:t>
+            </a:r>
+          </a:p>
+          <a:p>
+            <a:pPr marL="285750" indent="-285750">
+              <a:buFont typeface="Arial" panose="020B0604020202020204" pitchFamily="34" charset="0"/>
+              <a:buChar char="•"/>
+            </a:pPr>
+            <a:r>
+              <a:rPr lang="en-AU" sz="2000" kern="100" dirty="0">
+                <a:solidFill>
+                  <a:schemeClr val="bg1"/>
+                </a:solidFill>
+                <a:latin typeface="Arial Rounded MT Bold" panose="020F0704030504030204" pitchFamily="34" charset="0"/>
+                <a:cs typeface="Times New Roman" panose="02020603050405020304" pitchFamily="18" charset="0"/>
+              </a:rPr>
+              <a:t>ETHICAL CONSIDERATIONS (SN)</a:t>
+            </a:r>
+          </a:p>
+          <a:p>
+            <a:pPr marL="285750" indent="-285750">
+              <a:buFont typeface="Arial" panose="020B0604020202020204" pitchFamily="34" charset="0"/>
+              <a:buChar char="•"/>
+            </a:pPr>
+            <a:r>
+              <a:rPr lang="en-AU" sz="2000" kern="100" dirty="0">
+                <a:solidFill>
+                  <a:schemeClr val="bg1"/>
+                </a:solidFill>
+                <a:latin typeface="Arial Rounded MT Bold" panose="020F0704030504030204" pitchFamily="34" charset="0"/>
+                <a:cs typeface="Times New Roman" panose="02020603050405020304" pitchFamily="18" charset="0"/>
+              </a:rPr>
+              <a:t>VISUALISATION CODING PROCESS (SN)</a:t>
+            </a:r>
+          </a:p>
+          <a:p>
+            <a:pPr marL="285750" indent="-285750">
+              <a:buFont typeface="Arial" panose="020B0604020202020204" pitchFamily="34" charset="0"/>
+              <a:buChar char="•"/>
+            </a:pPr>
+            <a:r>
+              <a:rPr lang="en-AU" sz="2000" kern="100" dirty="0">
+                <a:solidFill>
+                  <a:schemeClr val="bg1"/>
+                </a:solidFill>
+                <a:latin typeface="Arial Rounded MT Bold" panose="020F0704030504030204" pitchFamily="34" charset="0"/>
+                <a:cs typeface="Times New Roman" panose="02020603050405020304" pitchFamily="18" charset="0"/>
+              </a:rPr>
+              <a:t>DEMONSTRATION OF INTERACTIVE WEBSITE (MA,JR,WD)</a:t>
+            </a:r>
+          </a:p>
+          <a:p>
+            <a:pPr marL="285750" indent="-285750">
+              <a:buFont typeface="Arial" panose="020B0604020202020204" pitchFamily="34" charset="0"/>
+              <a:buChar char="•"/>
+            </a:pPr>
+            <a:r>
+              <a:rPr lang="en-AU" sz="2000" kern="100" dirty="0">
+                <a:solidFill>
+                  <a:schemeClr val="bg1"/>
+                </a:solidFill>
+                <a:latin typeface="Arial Rounded MT Bold" panose="020F0704030504030204" pitchFamily="34" charset="0"/>
+                <a:cs typeface="Times New Roman" panose="02020603050405020304" pitchFamily="18" charset="0"/>
+              </a:rPr>
+              <a:t>CONCLUSION (VB)</a:t>
+            </a:r>
+          </a:p>
+          <a:p>
+            <a:pPr marL="285750" indent="-285750">
+              <a:buFont typeface="Arial" panose="020B0604020202020204" pitchFamily="34" charset="0"/>
+              <a:buChar char="•"/>
+            </a:pPr>
+            <a:r>
+              <a:rPr lang="en-AU" sz="2000" kern="100" dirty="0">
+                <a:solidFill>
+                  <a:schemeClr val="bg1"/>
+                </a:solidFill>
+                <a:latin typeface="Arial Rounded MT Bold" panose="020F0704030504030204" pitchFamily="34" charset="0"/>
+                <a:cs typeface="Times New Roman" panose="02020603050405020304" pitchFamily="18" charset="0"/>
+              </a:rPr>
+              <a:t>QUESTIONS</a:t>
+            </a:r>
+          </a:p>
+          <a:p>
+            <a:pPr indent="-285750">
+              <a:buFont typeface="Arial" panose="020B0604020202020204" pitchFamily="34" charset="0"/>
+              <a:buChar char="•"/>
+            </a:pPr>
+            <a:endParaRPr lang="en-AU" sz="2000" dirty="0">
+              <a:latin typeface="Arial Rounded MT Bold" panose="020F0704030504030204" pitchFamily="34" charset="0"/>
+              <a:ea typeface="ADLaM Display" panose="020F0502020204030204" pitchFamily="2" charset="0"/>
+              <a:cs typeface="ADLaM Display" panose="020F0502020204030204" pitchFamily="2" charset="0"/>
+            </a:endParaRPr>
+          </a:p>
+          <a:p>
+            <a:pPr indent="-285750">
+              <a:buFont typeface="Arial" panose="020B0604020202020204" pitchFamily="34" charset="0"/>
+              <a:buChar char="•"/>
+            </a:pPr>
+            <a:endParaRPr lang="en-AU" sz="2000" dirty="0">
+              <a:latin typeface="Arial Rounded MT Bold" panose="020F0704030504030204" pitchFamily="34" charset="0"/>
+              <a:ea typeface="ADLaM Display" panose="020F0502020204030204" pitchFamily="2" charset="0"/>
+              <a:cs typeface="ADLaM Display" panose="020F0502020204030204" pitchFamily="2" charset="0"/>
+            </a:endParaRPr>
+          </a:p>
+          <a:p>
+            <a:pPr indent="-285750">
+              <a:buFont typeface="Arial" panose="020B0604020202020204" pitchFamily="34" charset="0"/>
+              <a:buChar char="•"/>
+            </a:pPr>
+            <a:endParaRPr lang="en-AU" sz="2000" kern="100" dirty="0">
+              <a:solidFill>
+                <a:schemeClr val="bg1"/>
+              </a:solidFill>
+              <a:latin typeface="Arial Rounded MT Bold" panose="020F0704030504030204" pitchFamily="34" charset="0"/>
+              <a:cs typeface="Times New Roman" panose="02020603050405020304" pitchFamily="18" charset="0"/>
+            </a:endParaRPr>
+          </a:p>
+          <a:p>
+            <a:pPr indent="-285750">
+              <a:buFont typeface="Arial" panose="020B0604020202020204" pitchFamily="34" charset="0"/>
+              <a:buChar char="•"/>
+            </a:pPr>
+            <a:endParaRPr lang="en-AU" sz="2000" kern="100" dirty="0">
+              <a:solidFill>
+                <a:schemeClr val="bg1"/>
+              </a:solidFill>
+              <a:latin typeface="Arial Rounded MT Bold" panose="020F0704030504030204" pitchFamily="34" charset="0"/>
+              <a:cs typeface="Times New Roman" panose="02020603050405020304" pitchFamily="18" charset="0"/>
+            </a:endParaRPr>
+          </a:p>
+          <a:p>
+            <a:pPr indent="-285750">
+              <a:buFont typeface="Arial" panose="020B0604020202020204" pitchFamily="34" charset="0"/>
+              <a:buChar char="•"/>
+            </a:pPr>
+            <a:endParaRPr lang="en-AU" sz="2000" kern="100" dirty="0">
+              <a:solidFill>
+                <a:schemeClr val="bg1"/>
+              </a:solidFill>
+              <a:latin typeface="Arial Rounded MT Bold" panose="020F0704030504030204" pitchFamily="34" charset="0"/>
+              <a:cs typeface="Times New Roman" panose="02020603050405020304" pitchFamily="18" charset="0"/>
+            </a:endParaRPr>
+          </a:p>
+        </p:txBody>
+      </p:sp>
+    </p:spTree>
+    <p:extLst>
+      <p:ext uri="{BB962C8B-B14F-4D97-AF65-F5344CB8AC3E}">
+        <p14:creationId xmlns:p14="http://schemas.microsoft.com/office/powerpoint/2010/main" val="391892759"/>
+      </p:ext>
+    </p:extLst>
+  </p:cSld>
+  <p:clrMapOvr>
+    <a:masterClrMapping/>
+  </p:clrMapOvr>
+  <p:transition spd="slow">
+    <p:push dir="u"/>
+  </p:transition>
+</p:sld>
+</file>
+
+<file path=ppt/slides/slide3.xml><?xml version="1.0" encoding="utf-8"?>
+<p:sld xmlns:a="http://schemas.openxmlformats.org/drawingml/2006/main" xmlns:r="http://schemas.openxmlformats.org/officeDocument/2006/relationships" xmlns:p="http://schemas.openxmlformats.org/presentationml/2006/main">
+  <p:cSld>
+    <p:spTree>
+      <p:nvGrpSpPr>
+        <p:cNvPr id="1" name=""/>
+        <p:cNvGrpSpPr/>
+        <p:nvPr/>
+      </p:nvGrpSpPr>
+      <p:grpSpPr>
+        <a:xfrm>
+          <a:off x="0" y="0"/>
+          <a:ext cx="0" cy="0"/>
+          <a:chOff x="0" y="0"/>
+          <a:chExt cx="0" cy="0"/>
+        </a:xfrm>
+      </p:grpSpPr>
+      <p:sp>
+        <p:nvSpPr>
+          <p:cNvPr id="5" name="Rectangle 4">
+            <a:extLst>
+              <a:ext uri="{FF2B5EF4-FFF2-40B4-BE49-F238E27FC236}">
+                <a16:creationId xmlns:a16="http://schemas.microsoft.com/office/drawing/2014/main" id="{BC7D6237-5235-764D-B1F0-BDCCBF00C3F5}"/>
+              </a:ext>
+            </a:extLst>
+          </p:cNvPr>
+          <p:cNvSpPr/>
+          <p:nvPr/>
+        </p:nvSpPr>
+        <p:spPr>
+          <a:xfrm>
+            <a:off x="0" y="0"/>
+            <a:ext cx="12192000" cy="6858000"/>
+          </a:xfrm>
+          <a:prstGeom prst="rect">
+            <a:avLst/>
+          </a:prstGeom>
+          <a:solidFill>
+            <a:schemeClr val="accent6">
+              <a:lumMod val="50000"/>
+            </a:schemeClr>
+          </a:solidFill>
+          <a:ln>
+            <a:noFill/>
+          </a:ln>
+        </p:spPr>
+        <p:style>
+          <a:lnRef idx="2">
+            <a:schemeClr val="accent4">
+              <a:shade val="15000"/>
+            </a:schemeClr>
+          </a:lnRef>
+          <a:fillRef idx="1">
+            <a:schemeClr val="accent4"/>
+          </a:fillRef>
+          <a:effectRef idx="0">
+            <a:schemeClr val="accent4"/>
+          </a:effectRef>
+          <a:fontRef idx="minor">
+            <a:schemeClr val="lt1"/>
+          </a:fontRef>
+        </p:style>
+        <p:txBody>
+          <a:bodyPr rtlCol="0" anchor="ctr"/>
+          <a:lstStyle/>
+          <a:p>
+            <a:pPr algn="ctr"/>
             <a:endParaRPr lang="en-AU" dirty="0"/>
           </a:p>
         </p:txBody>
@@ -6751,7 +7729,24 @@
                 <a:ea typeface="Aptos" panose="020B0004020202020204" pitchFamily="34" charset="0"/>
                 <a:cs typeface="Times New Roman" panose="02020603050405020304" pitchFamily="18" charset="0"/>
               </a:rPr>
-              <a:t>Identify trends in Victoria’s road crashes</a:t>
+              <a:t>Examine trends in Victoria’s road crashes</a:t>
+            </a:r>
+          </a:p>
+          <a:p>
+            <a:pPr marL="285750" indent="-285750">
+              <a:buFont typeface="Arial" panose="020B0604020202020204" pitchFamily="34" charset="0"/>
+              <a:buChar char="•"/>
+            </a:pPr>
+            <a:r>
+              <a:rPr lang="en-AU" sz="2000" kern="100" dirty="0">
+                <a:solidFill>
+                  <a:schemeClr val="bg1"/>
+                </a:solidFill>
+                <a:latin typeface="Arial Rounded MT Bold" panose="020F0704030504030204" pitchFamily="34" charset="0"/>
+                <a:ea typeface="Aptos" panose="020B0004020202020204" pitchFamily="34" charset="0"/>
+                <a:cs typeface="Times New Roman" panose="02020603050405020304" pitchFamily="18" charset="0"/>
+              </a:rPr>
+              <a:t>Identify relationships between:</a:t>
             </a:r>
           </a:p>
           <a:p>
@@ -6768,24 +7763,7 @@
                 <a:ea typeface="Aptos" panose="020B0004020202020204" pitchFamily="34" charset="0"/>
                 <a:cs typeface="Times New Roman" panose="02020603050405020304" pitchFamily="18" charset="0"/>
               </a:rPr>
-              <a:t>Aid in policy decisions &amp; safety measures</a:t>
-            </a:r>
-          </a:p>
-          <a:p>
-            <a:pPr marL="285750" indent="-285750">
-              <a:buFont typeface="Arial" panose="020B0604020202020204" pitchFamily="34" charset="0"/>
-              <a:buChar char="•"/>
-            </a:pPr>
-            <a:r>
-              <a:rPr lang="en-AU" sz="2000" kern="100" dirty="0">
-                <a:solidFill>
-                  <a:schemeClr val="bg1"/>
-                </a:solidFill>
-                <a:latin typeface="Arial Rounded MT Bold" panose="020F0704030504030204" pitchFamily="34" charset="0"/>
-                <a:ea typeface="Aptos" panose="020B0004020202020204" pitchFamily="34" charset="0"/>
-                <a:cs typeface="Times New Roman" panose="02020603050405020304" pitchFamily="18" charset="0"/>
-              </a:rPr>
-              <a:t>Examine relationships between:</a:t>
+              <a:t>Accident types</a:t>
             </a:r>
           </a:p>
           <a:p>
@@ -6802,7 +7780,7 @@
                 <a:ea typeface="Aptos" panose="020B0004020202020204" pitchFamily="34" charset="0"/>
                 <a:cs typeface="Times New Roman" panose="02020603050405020304" pitchFamily="18" charset="0"/>
               </a:rPr>
-              <a:t>Accident types</a:t>
+              <a:t>Demographics</a:t>
             </a:r>
           </a:p>
           <a:p>
@@ -6819,7 +7797,7 @@
                 <a:ea typeface="Aptos" panose="020B0004020202020204" pitchFamily="34" charset="0"/>
                 <a:cs typeface="Times New Roman" panose="02020603050405020304" pitchFamily="18" charset="0"/>
               </a:rPr>
-              <a:t>Demographics</a:t>
+              <a:t>Vehicle types</a:t>
             </a:r>
           </a:p>
           <a:p>
@@ -6836,7 +7814,7 @@
                 <a:ea typeface="Aptos" panose="020B0004020202020204" pitchFamily="34" charset="0"/>
                 <a:cs typeface="Times New Roman" panose="02020603050405020304" pitchFamily="18" charset="0"/>
               </a:rPr>
-              <a:t>Vehicle types</a:t>
+              <a:t>Location &amp; Local Government Area</a:t>
             </a:r>
           </a:p>
           <a:p>
@@ -6853,7 +7831,7 @@
                 <a:ea typeface="Aptos" panose="020B0004020202020204" pitchFamily="34" charset="0"/>
                 <a:cs typeface="Times New Roman" panose="02020603050405020304" pitchFamily="18" charset="0"/>
               </a:rPr>
-              <a:t>Location &amp; Local Government Area</a:t>
+              <a:t>Time of accident</a:t>
             </a:r>
           </a:p>
           <a:p>
@@ -6870,7 +7848,7 @@
                 <a:ea typeface="Aptos" panose="020B0004020202020204" pitchFamily="34" charset="0"/>
                 <a:cs typeface="Times New Roman" panose="02020603050405020304" pitchFamily="18" charset="0"/>
               </a:rPr>
-              <a:t>Time of accident</a:t>
+              <a:t>Car manufacturers and fatalities</a:t>
             </a:r>
           </a:p>
         </p:txBody>
@@ -6890,7 +7868,7 @@
         <p:spPr>
           <a:xfrm>
             <a:off x="6299488" y="1436914"/>
-            <a:ext cx="5464613" cy="3323987"/>
+            <a:ext cx="5464613" cy="3693319"/>
           </a:xfrm>
           <a:prstGeom prst="rect">
             <a:avLst/>
@@ -6985,7 +7963,24 @@
                 <a:ea typeface="Aptos" panose="020B0004020202020204" pitchFamily="34" charset="0"/>
                 <a:cs typeface="Times New Roman" panose="02020603050405020304" pitchFamily="18" charset="0"/>
               </a:rPr>
-              <a:t>Time series analyses</a:t>
+              <a:t>Sunburst chart </a:t>
+            </a:r>
+          </a:p>
+          <a:p>
+            <a:pPr marL="742950" lvl="1" indent="-285750">
+              <a:buFont typeface="Arial" panose="020B0604020202020204" pitchFamily="34" charset="0"/>
+              <a:buChar char="•"/>
+            </a:pPr>
+            <a:r>
+              <a:rPr lang="en-AU" sz="2400" kern="100" dirty="0">
+                <a:solidFill>
+                  <a:schemeClr val="bg1"/>
+                </a:solidFill>
+                <a:latin typeface="Arial Rounded MT Bold" panose="020F0704030504030204" pitchFamily="34" charset="0"/>
+                <a:ea typeface="Aptos" panose="020B0004020202020204" pitchFamily="34" charset="0"/>
+                <a:cs typeface="Times New Roman" panose="02020603050405020304" pitchFamily="18" charset="0"/>
+              </a:rPr>
+              <a:t>Time series plots</a:t>
             </a:r>
           </a:p>
           <a:p>
@@ -7529,7 +8524,7 @@
 </p:sld>
 </file>
 
-<file path=ppt/slides/slide3.xml><?xml version="1.0" encoding="utf-8"?>
+<file path=ppt/slides/slide4.xml><?xml version="1.0" encoding="utf-8"?>
 <p:sld xmlns:a="http://schemas.openxmlformats.org/drawingml/2006/main" xmlns:r="http://schemas.openxmlformats.org/officeDocument/2006/relationships" xmlns:p="http://schemas.openxmlformats.org/presentationml/2006/main">
   <p:cSld>
     <p:spTree>
@@ -8033,7 +9028,7 @@
         <p:spPr>
           <a:xfrm>
             <a:off x="458294" y="1433666"/>
-            <a:ext cx="5576775" cy="3631763"/>
+            <a:ext cx="5576775" cy="3539430"/>
           </a:xfrm>
           <a:prstGeom prst="rect">
             <a:avLst/>
@@ -8186,7 +9181,7 @@
                 <a:ea typeface="Aptos" panose="020B0004020202020204" pitchFamily="34" charset="0"/>
                 <a:cs typeface="Times New Roman" panose="02020603050405020304" pitchFamily="18" charset="0"/>
               </a:rPr>
-              <a:t>By the Department of Transport and Planning, Victoria</a:t>
+              <a:t>By VicRoads, Department of Transport and Planning, Victoria</a:t>
             </a:r>
           </a:p>
         </p:txBody>
@@ -8206,7 +9201,7 @@
         <p:spPr>
           <a:xfrm>
             <a:off x="6299488" y="1436914"/>
-            <a:ext cx="5464613" cy="3785652"/>
+            <a:ext cx="5464613" cy="3323987"/>
           </a:xfrm>
           <a:prstGeom prst="rect">
             <a:avLst/>
@@ -8267,7 +9262,7 @@
                 <a:ea typeface="Aptos" panose="020B0004020202020204" pitchFamily="34" charset="0"/>
                 <a:cs typeface="Times New Roman" panose="02020603050405020304" pitchFamily="18" charset="0"/>
               </a:rPr>
-              <a:t>Database: SQLite</a:t>
+              <a:t>Database: SQLite </a:t>
             </a:r>
           </a:p>
           <a:p>
@@ -8284,7 +9279,7 @@
                 <a:ea typeface="Aptos" panose="020B0004020202020204" pitchFamily="34" charset="0"/>
                 <a:cs typeface="Times New Roman" panose="02020603050405020304" pitchFamily="18" charset="0"/>
               </a:rPr>
-              <a:t>Python used to Extract, Transform &amp; Load data from CSV to SQLite database</a:t>
+              <a:t>Python used to  create an SQLite database</a:t>
             </a:r>
           </a:p>
           <a:p>
@@ -8373,7 +9368,7 @@
         </p:nvCxnSpPr>
         <p:spPr>
           <a:xfrm>
-            <a:off x="282388" y="1436914"/>
+            <a:off x="315883" y="1317171"/>
             <a:ext cx="11627223" cy="0"/>
           </a:xfrm>
           <a:prstGeom prst="line">
@@ -8790,7 +9785,7 @@
 </p:sld>
 </file>
 
-<file path=ppt/slides/slide4.xml><?xml version="1.0" encoding="utf-8"?>
+<file path=ppt/slides/slide5.xml><?xml version="1.0" encoding="utf-8"?>
 <p:sld xmlns:a="http://schemas.openxmlformats.org/drawingml/2006/main" xmlns:r="http://schemas.openxmlformats.org/officeDocument/2006/relationships" xmlns:p="http://schemas.openxmlformats.org/presentationml/2006/main">
   <p:cSld>
     <p:spTree>
@@ -8875,7 +9870,7 @@
         </p:nvGrpSpPr>
         <p:grpSpPr>
           <a:xfrm>
-            <a:off x="-1185705" y="-40344"/>
+            <a:off x="-1245577" y="-33620"/>
             <a:ext cx="14539964" cy="6925240"/>
             <a:chOff x="-1185705" y="-40344"/>
             <a:chExt cx="14539964" cy="6925240"/>
@@ -9251,8 +10246,8 @@
         </p:nvSpPr>
         <p:spPr>
           <a:xfrm>
-            <a:off x="550483" y="482470"/>
-            <a:ext cx="8573419" cy="646986"/>
+            <a:off x="550484" y="482470"/>
+            <a:ext cx="7958516" cy="646986"/>
           </a:xfrm>
           <a:prstGeom prst="roundRect">
             <a:avLst/>
@@ -9274,8 +10269,211 @@
                 <a:ea typeface="ADLaM Display" panose="020F0502020204030204" pitchFamily="2" charset="0"/>
                 <a:cs typeface="ADLaM Display" panose="020F0502020204030204" pitchFamily="2" charset="0"/>
               </a:rPr>
-              <a:t>VISUALISATION CODING PROCESS</a:t>
-            </a:r>
+              <a:t>ETHICAL CONSIDERATIONS</a:t>
+            </a:r>
+          </a:p>
+        </p:txBody>
+      </p:sp>
+      <p:sp>
+        <p:nvSpPr>
+          <p:cNvPr id="23" name="TextBox 22">
+            <a:extLst>
+              <a:ext uri="{FF2B5EF4-FFF2-40B4-BE49-F238E27FC236}">
+                <a16:creationId xmlns:a16="http://schemas.microsoft.com/office/drawing/2014/main" id="{6B96AAA1-A563-B36F-0896-3CA471856F0B}"/>
+              </a:ext>
+            </a:extLst>
+          </p:cNvPr>
+          <p:cNvSpPr txBox="1"/>
+          <p:nvPr/>
+        </p:nvSpPr>
+        <p:spPr>
+          <a:xfrm>
+            <a:off x="458294" y="1433666"/>
+            <a:ext cx="7069177" cy="3985706"/>
+          </a:xfrm>
+          <a:prstGeom prst="rect">
+            <a:avLst/>
+          </a:prstGeom>
+          <a:noFill/>
+        </p:spPr>
+        <p:txBody>
+          <a:bodyPr wrap="square" rtlCol="0">
+            <a:spAutoFit/>
+          </a:bodyPr>
+          <a:lstStyle/>
+          <a:p>
+            <a:pPr>
+              <a:lnSpc>
+                <a:spcPct val="150000"/>
+              </a:lnSpc>
+            </a:pPr>
+            <a:r>
+              <a:rPr lang="en-AU" sz="2800" kern="100" dirty="0">
+                <a:solidFill>
+                  <a:srgbClr val="ECC10A"/>
+                </a:solidFill>
+                <a:latin typeface="Arial Rounded MT Bold" panose="020F0704030504030204" pitchFamily="34" charset="0"/>
+                <a:ea typeface="Aptos" panose="020B0004020202020204" pitchFamily="34" charset="0"/>
+                <a:cs typeface="Times New Roman" panose="02020603050405020304" pitchFamily="18" charset="0"/>
+              </a:rPr>
+              <a:t>Data Usage and Privacy of Information</a:t>
+            </a:r>
+          </a:p>
+          <a:p>
+            <a:pPr marL="285750" indent="-285750">
+              <a:buFont typeface="Arial" panose="020B0604020202020204" pitchFamily="34" charset="0"/>
+              <a:buChar char="•"/>
+            </a:pPr>
+            <a:r>
+              <a:rPr lang="en-AU" sz="2100" kern="100" dirty="0">
+                <a:solidFill>
+                  <a:schemeClr val="bg1"/>
+                </a:solidFill>
+                <a:latin typeface="Arial Rounded MT Bold" panose="020F0704030504030204" pitchFamily="34" charset="0"/>
+                <a:ea typeface="Aptos" panose="020B0004020202020204" pitchFamily="34" charset="0"/>
+                <a:cs typeface="Times New Roman" panose="02020603050405020304" pitchFamily="18" charset="0"/>
+              </a:rPr>
+              <a:t>Data was taken from DataVic website</a:t>
+            </a:r>
+          </a:p>
+          <a:p>
+            <a:pPr marL="742950" lvl="1" indent="-285750">
+              <a:buFont typeface="Arial" panose="020B0604020202020204" pitchFamily="34" charset="0"/>
+              <a:buChar char="•"/>
+            </a:pPr>
+            <a:r>
+              <a:rPr lang="en-AU" sz="2100" kern="100" dirty="0">
+                <a:solidFill>
+                  <a:schemeClr val="bg1"/>
+                </a:solidFill>
+                <a:latin typeface="Arial Rounded MT Bold" panose="020F0704030504030204" pitchFamily="34" charset="0"/>
+                <a:ea typeface="Aptos" panose="020B0004020202020204" pitchFamily="34" charset="0"/>
+                <a:cs typeface="Times New Roman" panose="02020603050405020304" pitchFamily="18" charset="0"/>
+              </a:rPr>
+              <a:t>Victoria’s open data platform</a:t>
+            </a:r>
+          </a:p>
+          <a:p>
+            <a:pPr marL="742950" lvl="1" indent="-285750">
+              <a:buFont typeface="Arial" panose="020B0604020202020204" pitchFamily="34" charset="0"/>
+              <a:buChar char="•"/>
+            </a:pPr>
+            <a:r>
+              <a:rPr lang="en-AU" sz="2100" kern="100" dirty="0">
+                <a:solidFill>
+                  <a:schemeClr val="bg1"/>
+                </a:solidFill>
+                <a:latin typeface="Arial Rounded MT Bold" panose="020F0704030504030204" pitchFamily="34" charset="0"/>
+                <a:ea typeface="Aptos" panose="020B0004020202020204" pitchFamily="34" charset="0"/>
+                <a:cs typeface="Times New Roman" panose="02020603050405020304" pitchFamily="18" charset="0"/>
+              </a:rPr>
+              <a:t>Governed by DataVic Access Policy</a:t>
+            </a:r>
+          </a:p>
+          <a:p>
+            <a:pPr marL="742950" lvl="1" indent="-285750">
+              <a:buFont typeface="Arial" panose="020B0604020202020204" pitchFamily="34" charset="0"/>
+              <a:buChar char="•"/>
+            </a:pPr>
+            <a:r>
+              <a:rPr lang="en-AU" sz="2100" kern="100" dirty="0">
+                <a:solidFill>
+                  <a:schemeClr val="bg1"/>
+                </a:solidFill>
+                <a:latin typeface="Arial Rounded MT Bold" panose="020F0704030504030204" pitchFamily="34" charset="0"/>
+                <a:ea typeface="Aptos" panose="020B0004020202020204" pitchFamily="34" charset="0"/>
+                <a:cs typeface="Times New Roman" panose="02020603050405020304" pitchFamily="18" charset="0"/>
+              </a:rPr>
+              <a:t>Data available to the public</a:t>
+            </a:r>
+          </a:p>
+          <a:p>
+            <a:pPr marL="742950" lvl="1" indent="-285750">
+              <a:buFont typeface="Arial" panose="020B0604020202020204" pitchFamily="34" charset="0"/>
+              <a:buChar char="•"/>
+            </a:pPr>
+            <a:r>
+              <a:rPr lang="en-AU" sz="2100" kern="100" dirty="0">
+                <a:solidFill>
+                  <a:schemeClr val="bg1"/>
+                </a:solidFill>
+                <a:latin typeface="Arial Rounded MT Bold" panose="020F0704030504030204" pitchFamily="34" charset="0"/>
+                <a:cs typeface="Times New Roman" panose="02020603050405020304" pitchFamily="18" charset="0"/>
+              </a:rPr>
+              <a:t>Freedom of Information Act 1982 (Vic) mandates public sector</a:t>
+            </a:r>
+            <a:endParaRPr lang="en-AU" sz="2100" kern="100" dirty="0">
+              <a:solidFill>
+                <a:schemeClr val="bg1"/>
+              </a:solidFill>
+              <a:latin typeface="Arial Rounded MT Bold" panose="020F0704030504030204" pitchFamily="34" charset="0"/>
+              <a:ea typeface="Aptos" panose="020B0004020202020204" pitchFamily="34" charset="0"/>
+              <a:cs typeface="Times New Roman" panose="02020603050405020304" pitchFamily="18" charset="0"/>
+            </a:endParaRPr>
+          </a:p>
+          <a:p>
+            <a:pPr marL="800100" lvl="1" indent="-342900">
+              <a:buFont typeface="Arial" panose="020B0604020202020204" pitchFamily="34" charset="0"/>
+              <a:buChar char="•"/>
+            </a:pPr>
+            <a:r>
+              <a:rPr lang="en-AU" sz="2100" kern="100" dirty="0">
+                <a:solidFill>
+                  <a:schemeClr val="bg1"/>
+                </a:solidFill>
+                <a:latin typeface="Arial Rounded MT Bold" panose="020F0704030504030204" pitchFamily="34" charset="0"/>
+                <a:cs typeface="Times New Roman" panose="02020603050405020304" pitchFamily="18" charset="0"/>
+              </a:rPr>
+              <a:t>Use of </a:t>
+            </a:r>
+            <a:r>
+              <a:rPr lang="en-AU" sz="2100" kern="100" dirty="0" err="1">
+                <a:solidFill>
+                  <a:schemeClr val="bg1"/>
+                </a:solidFill>
+                <a:latin typeface="Arial Rounded MT Bold" panose="020F0704030504030204" pitchFamily="34" charset="0"/>
+                <a:cs typeface="Times New Roman" panose="02020603050405020304" pitchFamily="18" charset="0"/>
+              </a:rPr>
+              <a:t>DataVic’s</a:t>
+            </a:r>
+            <a:r>
+              <a:rPr lang="en-AU" sz="2100" kern="100" dirty="0">
+                <a:solidFill>
+                  <a:schemeClr val="bg1"/>
+                </a:solidFill>
+                <a:latin typeface="Arial Rounded MT Bold" panose="020F0704030504030204" pitchFamily="34" charset="0"/>
+                <a:cs typeface="Times New Roman" panose="02020603050405020304" pitchFamily="18" charset="0"/>
+              </a:rPr>
+              <a:t> data is endorsed and encouraged</a:t>
+            </a:r>
+          </a:p>
+          <a:p>
+            <a:pPr marL="742950" lvl="1" indent="-285750">
+              <a:buFont typeface="Arial" panose="020B0604020202020204" pitchFamily="34" charset="0"/>
+              <a:buChar char="•"/>
+            </a:pPr>
+            <a:endParaRPr lang="en-AU" sz="2100" kern="100" dirty="0">
+              <a:solidFill>
+                <a:schemeClr val="bg1"/>
+              </a:solidFill>
+              <a:latin typeface="Arial Rounded MT Bold" panose="020F0704030504030204" pitchFamily="34" charset="0"/>
+              <a:ea typeface="Aptos" panose="020B0004020202020204" pitchFamily="34" charset="0"/>
+              <a:cs typeface="Times New Roman" panose="02020603050405020304" pitchFamily="18" charset="0"/>
+            </a:endParaRPr>
+          </a:p>
+          <a:p>
+            <a:pPr marL="285750" indent="-285750">
+              <a:buFont typeface="Arial" panose="020B0604020202020204" pitchFamily="34" charset="0"/>
+              <a:buChar char="•"/>
+            </a:pPr>
+            <a:endParaRPr lang="en-AU" sz="2200" kern="100" dirty="0">
+              <a:solidFill>
+                <a:schemeClr val="bg1"/>
+              </a:solidFill>
+              <a:latin typeface="Arial Rounded MT Bold" panose="020F0704030504030204" pitchFamily="34" charset="0"/>
+              <a:ea typeface="Aptos" panose="020B0004020202020204" pitchFamily="34" charset="0"/>
+              <a:cs typeface="Times New Roman" panose="02020603050405020304" pitchFamily="18" charset="0"/>
+            </a:endParaRPr>
           </a:p>
         </p:txBody>
       </p:sp>
@@ -9322,461 +10520,12 @@
           </a:fontRef>
         </p:style>
       </p:cxnSp>
-      <p:sp>
-        <p:nvSpPr>
-          <p:cNvPr id="8" name="Arrow: Up 7">
+      <p:cxnSp>
+        <p:nvCxnSpPr>
+          <p:cNvPr id="2" name="Straight Connector 1">
             <a:extLst>
               <a:ext uri="{FF2B5EF4-FFF2-40B4-BE49-F238E27FC236}">
-                <a16:creationId xmlns:a16="http://schemas.microsoft.com/office/drawing/2014/main" id="{A4846AB3-E564-D558-9342-8822D85FFC8E}"/>
-              </a:ext>
-            </a:extLst>
-          </p:cNvPr>
-          <p:cNvSpPr/>
-          <p:nvPr/>
-        </p:nvSpPr>
-        <p:spPr>
-          <a:xfrm rot="5400000">
-            <a:off x="5896954" y="-3549938"/>
-            <a:ext cx="311670" cy="10903010"/>
-          </a:xfrm>
-          <a:prstGeom prst="upArrow">
-            <a:avLst>
-              <a:gd name="adj1" fmla="val 100000"/>
-              <a:gd name="adj2" fmla="val 132613"/>
-            </a:avLst>
-          </a:prstGeom>
-          <a:solidFill>
-            <a:schemeClr val="bg1"/>
-          </a:solidFill>
-          <a:ln>
-            <a:solidFill>
-              <a:schemeClr val="bg1"/>
-            </a:solidFill>
-          </a:ln>
-        </p:spPr>
-        <p:style>
-          <a:lnRef idx="2">
-            <a:schemeClr val="accent1">
-              <a:shade val="15000"/>
-            </a:schemeClr>
-          </a:lnRef>
-          <a:fillRef idx="1">
-            <a:schemeClr val="accent1"/>
-          </a:fillRef>
-          <a:effectRef idx="0">
-            <a:schemeClr val="accent1"/>
-          </a:effectRef>
-          <a:fontRef idx="minor">
-            <a:schemeClr val="lt1"/>
-          </a:fontRef>
-        </p:style>
-        <p:txBody>
-          <a:bodyPr rtlCol="0" anchor="ctr"/>
-          <a:lstStyle/>
-          <a:p>
-            <a:pPr algn="ctr"/>
-            <a:endParaRPr lang="en-AU"/>
-          </a:p>
-        </p:txBody>
-      </p:sp>
-      <p:sp>
-        <p:nvSpPr>
-          <p:cNvPr id="10" name="TextBox 9">
-            <a:extLst>
-              <a:ext uri="{FF2B5EF4-FFF2-40B4-BE49-F238E27FC236}">
-                <a16:creationId xmlns:a16="http://schemas.microsoft.com/office/drawing/2014/main" id="{5B65E81E-27DB-3DF8-AC35-62A3FE555A6A}"/>
-              </a:ext>
-            </a:extLst>
-          </p:cNvPr>
-          <p:cNvSpPr txBox="1"/>
-          <p:nvPr/>
-        </p:nvSpPr>
-        <p:spPr>
-          <a:xfrm>
-            <a:off x="504773" y="2742197"/>
-            <a:ext cx="2140618" cy="1292662"/>
-          </a:xfrm>
-          <a:prstGeom prst="rect">
-            <a:avLst/>
-          </a:prstGeom>
-          <a:noFill/>
-        </p:spPr>
-        <p:txBody>
-          <a:bodyPr wrap="square" rtlCol="0">
-            <a:spAutoFit/>
-          </a:bodyPr>
-          <a:lstStyle/>
-          <a:p>
-            <a:pPr algn="ctr"/>
-            <a:r>
-              <a:rPr lang="en-AU" sz="2600" dirty="0">
-                <a:solidFill>
-                  <a:schemeClr val="bg1"/>
-                </a:solidFill>
-                <a:latin typeface="Arial Rounded MT Bold" panose="020F0704030504030204" pitchFamily="34" charset="0"/>
-              </a:rPr>
-              <a:t>1. Find &amp; download dataset</a:t>
-            </a:r>
-          </a:p>
-        </p:txBody>
-      </p:sp>
-      <p:sp>
-        <p:nvSpPr>
-          <p:cNvPr id="11" name="TextBox 10">
-            <a:extLst>
-              <a:ext uri="{FF2B5EF4-FFF2-40B4-BE49-F238E27FC236}">
-                <a16:creationId xmlns:a16="http://schemas.microsoft.com/office/drawing/2014/main" id="{6CDFFA3E-08A6-5F5A-6170-D80778721FFF}"/>
-              </a:ext>
-            </a:extLst>
-          </p:cNvPr>
-          <p:cNvSpPr txBox="1"/>
-          <p:nvPr/>
-        </p:nvSpPr>
-        <p:spPr>
-          <a:xfrm>
-            <a:off x="3165568" y="2960559"/>
-            <a:ext cx="2140618" cy="1569660"/>
-          </a:xfrm>
-          <a:prstGeom prst="rect">
-            <a:avLst/>
-          </a:prstGeom>
-          <a:noFill/>
-        </p:spPr>
-        <p:txBody>
-          <a:bodyPr wrap="square" rtlCol="0">
-            <a:spAutoFit/>
-          </a:bodyPr>
-          <a:lstStyle/>
-          <a:p>
-            <a:pPr algn="ctr"/>
-            <a:r>
-              <a:rPr lang="en-AU" sz="2400" dirty="0">
-                <a:solidFill>
-                  <a:schemeClr val="bg1"/>
-                </a:solidFill>
-                <a:latin typeface="Arial Rounded MT Bold" panose="020F0704030504030204" pitchFamily="34" charset="0"/>
-              </a:rPr>
-              <a:t>2. Load into SQLite database using Python</a:t>
-            </a:r>
-          </a:p>
-        </p:txBody>
-      </p:sp>
-      <p:sp>
-        <p:nvSpPr>
-          <p:cNvPr id="12" name="TextBox 11">
-            <a:extLst>
-              <a:ext uri="{FF2B5EF4-FFF2-40B4-BE49-F238E27FC236}">
-                <a16:creationId xmlns:a16="http://schemas.microsoft.com/office/drawing/2014/main" id="{C42EFB4B-1937-2B43-9454-7C113897D215}"/>
-              </a:ext>
-            </a:extLst>
-          </p:cNvPr>
-          <p:cNvSpPr txBox="1"/>
-          <p:nvPr/>
-        </p:nvSpPr>
-        <p:spPr>
-          <a:xfrm>
-            <a:off x="5757295" y="3154323"/>
-            <a:ext cx="2800989" cy="1938992"/>
-          </a:xfrm>
-          <a:prstGeom prst="rect">
-            <a:avLst/>
-          </a:prstGeom>
-          <a:noFill/>
-        </p:spPr>
-        <p:txBody>
-          <a:bodyPr wrap="square" rtlCol="0">
-            <a:spAutoFit/>
-          </a:bodyPr>
-          <a:lstStyle/>
-          <a:p>
-            <a:pPr algn="ctr"/>
-            <a:r>
-              <a:rPr lang="en-AU" sz="2400" dirty="0">
-                <a:solidFill>
-                  <a:schemeClr val="bg1"/>
-                </a:solidFill>
-                <a:latin typeface="Arial Rounded MT Bold" panose="020F0704030504030204" pitchFamily="34" charset="0"/>
-              </a:rPr>
-              <a:t>3. Create visualisations from database individually using JavaScript</a:t>
-            </a:r>
-          </a:p>
-        </p:txBody>
-      </p:sp>
-      <p:sp>
-        <p:nvSpPr>
-          <p:cNvPr id="14" name="TextBox 13">
-            <a:extLst>
-              <a:ext uri="{FF2B5EF4-FFF2-40B4-BE49-F238E27FC236}">
-                <a16:creationId xmlns:a16="http://schemas.microsoft.com/office/drawing/2014/main" id="{20B8B48F-960B-43D9-F541-253DD6299DD8}"/>
-              </a:ext>
-            </a:extLst>
-          </p:cNvPr>
-          <p:cNvSpPr txBox="1"/>
-          <p:nvPr/>
-        </p:nvSpPr>
-        <p:spPr>
-          <a:xfrm>
-            <a:off x="8472020" y="3390774"/>
-            <a:ext cx="3260874" cy="1200329"/>
-          </a:xfrm>
-          <a:prstGeom prst="rect">
-            <a:avLst/>
-          </a:prstGeom>
-          <a:noFill/>
-        </p:spPr>
-        <p:txBody>
-          <a:bodyPr wrap="square" rtlCol="0">
-            <a:spAutoFit/>
-          </a:bodyPr>
-          <a:lstStyle/>
-          <a:p>
-            <a:pPr algn="ctr"/>
-            <a:r>
-              <a:rPr lang="en-AU" sz="2400" dirty="0">
-                <a:solidFill>
-                  <a:schemeClr val="bg1"/>
-                </a:solidFill>
-                <a:latin typeface="Arial Rounded MT Bold" panose="020F0704030504030204" pitchFamily="34" charset="0"/>
-              </a:rPr>
-              <a:t>4. Consolidate visualisations into one webpage</a:t>
-            </a:r>
-          </a:p>
-        </p:txBody>
-      </p:sp>
-      <p:sp>
-        <p:nvSpPr>
-          <p:cNvPr id="48" name="Arrow: Up 47">
-            <a:extLst>
-              <a:ext uri="{FF2B5EF4-FFF2-40B4-BE49-F238E27FC236}">
-                <a16:creationId xmlns:a16="http://schemas.microsoft.com/office/drawing/2014/main" id="{74147BAF-E313-8362-8DE1-2ED72252CCD3}"/>
-              </a:ext>
-            </a:extLst>
-          </p:cNvPr>
-          <p:cNvSpPr/>
-          <p:nvPr/>
-        </p:nvSpPr>
-        <p:spPr>
-          <a:xfrm rot="8775793">
-            <a:off x="1123304" y="1771747"/>
-            <a:ext cx="311670" cy="1019185"/>
-          </a:xfrm>
-          <a:prstGeom prst="upArrow">
-            <a:avLst>
-              <a:gd name="adj1" fmla="val 100000"/>
-              <a:gd name="adj2" fmla="val 132613"/>
-            </a:avLst>
-          </a:prstGeom>
-          <a:solidFill>
-            <a:schemeClr val="bg1"/>
-          </a:solidFill>
-          <a:ln>
-            <a:solidFill>
-              <a:schemeClr val="bg1"/>
-            </a:solidFill>
-          </a:ln>
-        </p:spPr>
-        <p:style>
-          <a:lnRef idx="2">
-            <a:schemeClr val="accent1">
-              <a:shade val="15000"/>
-            </a:schemeClr>
-          </a:lnRef>
-          <a:fillRef idx="1">
-            <a:schemeClr val="accent1"/>
-          </a:fillRef>
-          <a:effectRef idx="0">
-            <a:schemeClr val="accent1"/>
-          </a:effectRef>
-          <a:fontRef idx="minor">
-            <a:schemeClr val="lt1"/>
-          </a:fontRef>
-        </p:style>
-        <p:txBody>
-          <a:bodyPr rtlCol="0" anchor="ctr"/>
-          <a:lstStyle/>
-          <a:p>
-            <a:pPr algn="ctr"/>
-            <a:endParaRPr lang="en-AU"/>
-          </a:p>
-        </p:txBody>
-      </p:sp>
-      <p:sp>
-        <p:nvSpPr>
-          <p:cNvPr id="49" name="Arrow: Up 48">
-            <a:extLst>
-              <a:ext uri="{FF2B5EF4-FFF2-40B4-BE49-F238E27FC236}">
-                <a16:creationId xmlns:a16="http://schemas.microsoft.com/office/drawing/2014/main" id="{39E4D430-E88C-C6B6-BABC-B435D8B705C2}"/>
-              </a:ext>
-            </a:extLst>
-          </p:cNvPr>
-          <p:cNvSpPr/>
-          <p:nvPr/>
-        </p:nvSpPr>
-        <p:spPr>
-          <a:xfrm rot="8775793">
-            <a:off x="3731460" y="1857426"/>
-            <a:ext cx="311670" cy="1163132"/>
-          </a:xfrm>
-          <a:prstGeom prst="upArrow">
-            <a:avLst>
-              <a:gd name="adj1" fmla="val 100000"/>
-              <a:gd name="adj2" fmla="val 132613"/>
-            </a:avLst>
-          </a:prstGeom>
-          <a:solidFill>
-            <a:schemeClr val="bg1"/>
-          </a:solidFill>
-          <a:ln>
-            <a:solidFill>
-              <a:schemeClr val="bg1"/>
-            </a:solidFill>
-          </a:ln>
-        </p:spPr>
-        <p:style>
-          <a:lnRef idx="2">
-            <a:schemeClr val="accent1">
-              <a:shade val="15000"/>
-            </a:schemeClr>
-          </a:lnRef>
-          <a:fillRef idx="1">
-            <a:schemeClr val="accent1"/>
-          </a:fillRef>
-          <a:effectRef idx="0">
-            <a:schemeClr val="accent1"/>
-          </a:effectRef>
-          <a:fontRef idx="minor">
-            <a:schemeClr val="lt1"/>
-          </a:fontRef>
-        </p:style>
-        <p:txBody>
-          <a:bodyPr rtlCol="0" anchor="ctr"/>
-          <a:lstStyle/>
-          <a:p>
-            <a:pPr algn="ctr"/>
-            <a:endParaRPr lang="en-AU"/>
-          </a:p>
-        </p:txBody>
-      </p:sp>
-      <p:sp>
-        <p:nvSpPr>
-          <p:cNvPr id="50" name="Arrow: Up 49">
-            <a:extLst>
-              <a:ext uri="{FF2B5EF4-FFF2-40B4-BE49-F238E27FC236}">
-                <a16:creationId xmlns:a16="http://schemas.microsoft.com/office/drawing/2014/main" id="{BA3B0A53-E2C6-1938-C452-487C5B293704}"/>
-              </a:ext>
-            </a:extLst>
-          </p:cNvPr>
-          <p:cNvSpPr/>
-          <p:nvPr/>
-        </p:nvSpPr>
-        <p:spPr>
-          <a:xfrm rot="8775793">
-            <a:off x="6571139" y="1836542"/>
-            <a:ext cx="311670" cy="1411091"/>
-          </a:xfrm>
-          <a:prstGeom prst="upArrow">
-            <a:avLst>
-              <a:gd name="adj1" fmla="val 100000"/>
-              <a:gd name="adj2" fmla="val 132613"/>
-            </a:avLst>
-          </a:prstGeom>
-          <a:solidFill>
-            <a:schemeClr val="bg1"/>
-          </a:solidFill>
-          <a:ln>
-            <a:solidFill>
-              <a:schemeClr val="bg1"/>
-            </a:solidFill>
-          </a:ln>
-        </p:spPr>
-        <p:style>
-          <a:lnRef idx="2">
-            <a:schemeClr val="accent1">
-              <a:shade val="15000"/>
-            </a:schemeClr>
-          </a:lnRef>
-          <a:fillRef idx="1">
-            <a:schemeClr val="accent1"/>
-          </a:fillRef>
-          <a:effectRef idx="0">
-            <a:schemeClr val="accent1"/>
-          </a:effectRef>
-          <a:fontRef idx="minor">
-            <a:schemeClr val="lt1"/>
-          </a:fontRef>
-        </p:style>
-        <p:txBody>
-          <a:bodyPr rtlCol="0" anchor="ctr"/>
-          <a:lstStyle/>
-          <a:p>
-            <a:pPr algn="ctr"/>
-            <a:endParaRPr lang="en-AU"/>
-          </a:p>
-        </p:txBody>
-      </p:sp>
-      <p:sp>
-        <p:nvSpPr>
-          <p:cNvPr id="51" name="Arrow: Up 50">
-            <a:extLst>
-              <a:ext uri="{FF2B5EF4-FFF2-40B4-BE49-F238E27FC236}">
-                <a16:creationId xmlns:a16="http://schemas.microsoft.com/office/drawing/2014/main" id="{55BCC3DD-BC09-2298-42AB-9B340763BF4D}"/>
-              </a:ext>
-            </a:extLst>
-          </p:cNvPr>
-          <p:cNvSpPr/>
-          <p:nvPr/>
-        </p:nvSpPr>
-        <p:spPr>
-          <a:xfrm rot="8775793">
-            <a:off x="9402711" y="1672889"/>
-            <a:ext cx="311670" cy="1809101"/>
-          </a:xfrm>
-          <a:prstGeom prst="upArrow">
-            <a:avLst>
-              <a:gd name="adj1" fmla="val 100000"/>
-              <a:gd name="adj2" fmla="val 132613"/>
-            </a:avLst>
-          </a:prstGeom>
-          <a:solidFill>
-            <a:schemeClr val="bg1"/>
-          </a:solidFill>
-          <a:ln>
-            <a:solidFill>
-              <a:schemeClr val="bg1"/>
-            </a:solidFill>
-          </a:ln>
-        </p:spPr>
-        <p:style>
-          <a:lnRef idx="2">
-            <a:schemeClr val="accent1">
-              <a:shade val="15000"/>
-            </a:schemeClr>
-          </a:lnRef>
-          <a:fillRef idx="1">
-            <a:schemeClr val="accent1"/>
-          </a:fillRef>
-          <a:effectRef idx="0">
-            <a:schemeClr val="accent1"/>
-          </a:effectRef>
-          <a:fontRef idx="minor">
-            <a:schemeClr val="lt1"/>
-          </a:fontRef>
-        </p:style>
-        <p:txBody>
-          <a:bodyPr rtlCol="0" anchor="ctr"/>
-          <a:lstStyle/>
-          <a:p>
-            <a:pPr algn="ctr"/>
-            <a:endParaRPr lang="en-AU"/>
-          </a:p>
-        </p:txBody>
-      </p:sp>
-      <p:cxnSp>
-        <p:nvCxnSpPr>
-          <p:cNvPr id="53" name="Straight Connector 52">
-            <a:extLst>
-              <a:ext uri="{FF2B5EF4-FFF2-40B4-BE49-F238E27FC236}">
-                <a16:creationId xmlns:a16="http://schemas.microsoft.com/office/drawing/2014/main" id="{549986D2-3E12-9BFF-708E-88904AA1CDEF}"/>
+                <a16:creationId xmlns:a16="http://schemas.microsoft.com/office/drawing/2014/main" id="{2CAAFE14-D355-CFF5-6589-9D7A757670BB}"/>
               </a:ext>
             </a:extLst>
           </p:cNvPr>
@@ -9816,172 +10565,241 @@
       </p:cxnSp>
       <p:sp>
         <p:nvSpPr>
-          <p:cNvPr id="54" name="TextBox 53">
+          <p:cNvPr id="8" name="Arrow: Bent 7">
             <a:extLst>
               <a:ext uri="{FF2B5EF4-FFF2-40B4-BE49-F238E27FC236}">
-                <a16:creationId xmlns:a16="http://schemas.microsoft.com/office/drawing/2014/main" id="{3C813C9C-B3EC-F091-DD0B-25C0AD24DB53}"/>
+                <a16:creationId xmlns:a16="http://schemas.microsoft.com/office/drawing/2014/main" id="{20A19FBA-2BE3-1B00-44F6-201CAA41ACC3}"/>
               </a:ext>
             </a:extLst>
           </p:cNvPr>
-          <p:cNvSpPr txBox="1"/>
+          <p:cNvSpPr/>
+          <p:nvPr/>
+        </p:nvSpPr>
+        <p:spPr>
+          <a:xfrm flipH="1">
+            <a:off x="1504311" y="5323398"/>
+            <a:ext cx="1088991" cy="1040003"/>
+          </a:xfrm>
+          <a:prstGeom prst="bentArrow">
+            <a:avLst>
+              <a:gd name="adj1" fmla="val 33030"/>
+              <a:gd name="adj2" fmla="val 35628"/>
+              <a:gd name="adj3" fmla="val 45076"/>
+              <a:gd name="adj4" fmla="val 59634"/>
+            </a:avLst>
+          </a:prstGeom>
+          <a:solidFill>
+            <a:schemeClr val="bg1"/>
+          </a:solidFill>
+          <a:ln>
+            <a:solidFill>
+              <a:schemeClr val="bg1"/>
+            </a:solidFill>
+          </a:ln>
+        </p:spPr>
+        <p:style>
+          <a:lnRef idx="2">
+            <a:schemeClr val="accent1">
+              <a:shade val="15000"/>
+            </a:schemeClr>
+          </a:lnRef>
+          <a:fillRef idx="1">
+            <a:schemeClr val="accent1"/>
+          </a:fillRef>
+          <a:effectRef idx="0">
+            <a:schemeClr val="accent1"/>
+          </a:effectRef>
+          <a:fontRef idx="minor">
+            <a:schemeClr val="lt1"/>
+          </a:fontRef>
+        </p:style>
+        <p:txBody>
+          <a:bodyPr rtlCol="0" anchor="ctr"/>
+          <a:lstStyle/>
+          <a:p>
+            <a:pPr algn="ctr"/>
+            <a:endParaRPr lang="en-AU">
+              <a:solidFill>
+                <a:schemeClr val="tx1"/>
+              </a:solidFill>
+            </a:endParaRPr>
+          </a:p>
+        </p:txBody>
+      </p:sp>
+      <p:sp>
+        <p:nvSpPr>
+          <p:cNvPr id="11" name="Arrow: Up 10">
+            <a:extLst>
+              <a:ext uri="{FF2B5EF4-FFF2-40B4-BE49-F238E27FC236}">
+                <a16:creationId xmlns:a16="http://schemas.microsoft.com/office/drawing/2014/main" id="{5E00FE6D-FDB5-2C3A-41B5-E9E5DF997301}"/>
+              </a:ext>
+            </a:extLst>
+          </p:cNvPr>
+          <p:cNvSpPr/>
+          <p:nvPr/>
+        </p:nvSpPr>
+        <p:spPr>
+          <a:xfrm rot="1958402">
+            <a:off x="6047264" y="5291112"/>
+            <a:ext cx="848248" cy="1142507"/>
+          </a:xfrm>
+          <a:prstGeom prst="upArrow">
+            <a:avLst>
+              <a:gd name="adj1" fmla="val 38154"/>
+              <a:gd name="adj2" fmla="val 50000"/>
+            </a:avLst>
+          </a:prstGeom>
+          <a:solidFill>
+            <a:schemeClr val="bg1"/>
+          </a:solidFill>
+          <a:ln>
+            <a:solidFill>
+              <a:schemeClr val="bg1"/>
+            </a:solidFill>
+          </a:ln>
+        </p:spPr>
+        <p:style>
+          <a:lnRef idx="2">
+            <a:schemeClr val="accent1">
+              <a:shade val="15000"/>
+            </a:schemeClr>
+          </a:lnRef>
+          <a:fillRef idx="1">
+            <a:schemeClr val="accent1"/>
+          </a:fillRef>
+          <a:effectRef idx="0">
+            <a:schemeClr val="accent1"/>
+          </a:effectRef>
+          <a:fontRef idx="minor">
+            <a:schemeClr val="lt1"/>
+          </a:fontRef>
+        </p:style>
+        <p:txBody>
+          <a:bodyPr rtlCol="0" anchor="ctr"/>
+          <a:lstStyle/>
+          <a:p>
+            <a:pPr algn="ctr"/>
+            <a:endParaRPr lang="en-AU"/>
+          </a:p>
+        </p:txBody>
+      </p:sp>
+      <p:sp>
+        <p:nvSpPr>
+          <p:cNvPr id="12" name="Arrow: Up 11">
+            <a:extLst>
+              <a:ext uri="{FF2B5EF4-FFF2-40B4-BE49-F238E27FC236}">
+                <a16:creationId xmlns:a16="http://schemas.microsoft.com/office/drawing/2014/main" id="{24337853-26CA-E8C8-4B47-40EB6FC77B64}"/>
+              </a:ext>
+            </a:extLst>
+          </p:cNvPr>
+          <p:cNvSpPr/>
+          <p:nvPr/>
+        </p:nvSpPr>
+        <p:spPr>
+          <a:xfrm rot="19507982" flipH="1">
+            <a:off x="5308517" y="5303125"/>
+            <a:ext cx="848248" cy="1119697"/>
+          </a:xfrm>
+          <a:prstGeom prst="upArrow">
+            <a:avLst>
+              <a:gd name="adj1" fmla="val 38154"/>
+              <a:gd name="adj2" fmla="val 50000"/>
+            </a:avLst>
+          </a:prstGeom>
+          <a:solidFill>
+            <a:schemeClr val="bg1"/>
+          </a:solidFill>
+          <a:ln>
+            <a:solidFill>
+              <a:schemeClr val="bg1"/>
+            </a:solidFill>
+          </a:ln>
+        </p:spPr>
+        <p:style>
+          <a:lnRef idx="2">
+            <a:schemeClr val="accent1">
+              <a:shade val="15000"/>
+            </a:schemeClr>
+          </a:lnRef>
+          <a:fillRef idx="1">
+            <a:schemeClr val="accent1"/>
+          </a:fillRef>
+          <a:effectRef idx="0">
+            <a:schemeClr val="accent1"/>
+          </a:effectRef>
+          <a:fontRef idx="minor">
+            <a:schemeClr val="lt1"/>
+          </a:fontRef>
+        </p:style>
+        <p:txBody>
+          <a:bodyPr rtlCol="0" anchor="ctr"/>
+          <a:lstStyle/>
+          <a:p>
+            <a:pPr algn="ctr"/>
+            <a:endParaRPr lang="en-AU"/>
+          </a:p>
+        </p:txBody>
+      </p:sp>
+      <p:sp>
+        <p:nvSpPr>
+          <p:cNvPr id="14" name="Rectangle 13">
+            <a:extLst>
+              <a:ext uri="{FF2B5EF4-FFF2-40B4-BE49-F238E27FC236}">
+                <a16:creationId xmlns:a16="http://schemas.microsoft.com/office/drawing/2014/main" id="{E1CE9F96-12AD-D4C0-EB04-443DDDC02FE1}"/>
+              </a:ext>
+            </a:extLst>
+          </p:cNvPr>
+          <p:cNvSpPr/>
           <p:nvPr/>
         </p:nvSpPr>
         <p:spPr>
           <a:xfrm>
-            <a:off x="495484" y="5195629"/>
-            <a:ext cx="4633357" cy="1141018"/>
+            <a:off x="5939526" y="6210300"/>
+            <a:ext cx="368588" cy="211732"/>
           </a:xfrm>
           <a:prstGeom prst="rect">
             <a:avLst/>
           </a:prstGeom>
-          <a:noFill/>
+          <a:solidFill>
+            <a:schemeClr val="bg1"/>
+          </a:solidFill>
+          <a:ln>
+            <a:solidFill>
+              <a:schemeClr val="bg1"/>
+            </a:solidFill>
+          </a:ln>
         </p:spPr>
-        <p:txBody>
-          <a:bodyPr wrap="square" rtlCol="0">
-            <a:spAutoFit/>
-          </a:bodyPr>
+        <p:style>
+          <a:lnRef idx="2">
+            <a:schemeClr val="accent1">
+              <a:shade val="15000"/>
+            </a:schemeClr>
+          </a:lnRef>
+          <a:fillRef idx="1">
+            <a:schemeClr val="accent1"/>
+          </a:fillRef>
+          <a:effectRef idx="0">
+            <a:schemeClr val="accent1"/>
+          </a:effectRef>
+          <a:fontRef idx="minor">
+            <a:schemeClr val="lt1"/>
+          </a:fontRef>
+        </p:style>
+        <p:txBody>
+          <a:bodyPr rtlCol="0" anchor="ctr"/>
           <a:lstStyle/>
           <a:p>
-            <a:pPr>
-              <a:lnSpc>
-                <a:spcPct val="150000"/>
-              </a:lnSpc>
-            </a:pPr>
-            <a:r>
-              <a:rPr lang="en-AU" sz="2800" kern="100" dirty="0">
-                <a:solidFill>
-                  <a:srgbClr val="ECC10A"/>
-                </a:solidFill>
-                <a:effectLst/>
-                <a:latin typeface="Arial Rounded MT Bold" panose="020F0704030504030204" pitchFamily="34" charset="0"/>
-                <a:ea typeface="Aptos" panose="020B0004020202020204" pitchFamily="34" charset="0"/>
-                <a:cs typeface="Times New Roman" panose="02020603050405020304" pitchFamily="18" charset="0"/>
-              </a:rPr>
-              <a:t>JAVASCRIPT LIBRARIES</a:t>
-            </a:r>
-          </a:p>
-          <a:p>
-            <a:pPr marL="342900" indent="-342900">
-              <a:lnSpc>
-                <a:spcPct val="150000"/>
-              </a:lnSpc>
-              <a:buFont typeface="Arial" panose="020B0604020202020204" pitchFamily="34" charset="0"/>
-              <a:buChar char="•"/>
-            </a:pPr>
-            <a:endParaRPr lang="en-AU" sz="2000" kern="100" dirty="0">
-              <a:solidFill>
-                <a:schemeClr val="bg1"/>
-              </a:solidFill>
-              <a:effectLst/>
-              <a:latin typeface="Arial Rounded MT Bold" panose="020F0704030504030204" pitchFamily="34" charset="0"/>
-              <a:ea typeface="Aptos" panose="020B0004020202020204" pitchFamily="34" charset="0"/>
-              <a:cs typeface="Times New Roman" panose="02020603050405020304" pitchFamily="18" charset="0"/>
-            </a:endParaRPr>
-          </a:p>
-        </p:txBody>
-      </p:sp>
-      <p:sp>
-        <p:nvSpPr>
-          <p:cNvPr id="55" name="TextBox 54">
+            <a:pPr algn="ctr"/>
+            <a:endParaRPr lang="en-AU"/>
+          </a:p>
+        </p:txBody>
+      </p:sp>
+      <p:sp>
+        <p:nvSpPr>
+          <p:cNvPr id="16" name="Arrow: Up 15">
             <a:extLst>
               <a:ext uri="{FF2B5EF4-FFF2-40B4-BE49-F238E27FC236}">
-                <a16:creationId xmlns:a16="http://schemas.microsoft.com/office/drawing/2014/main" id="{47D8FBDA-F321-F6E4-1BD1-3AFD02508498}"/>
-              </a:ext>
-            </a:extLst>
-          </p:cNvPr>
-          <p:cNvSpPr txBox="1"/>
-          <p:nvPr/>
-        </p:nvSpPr>
-        <p:spPr>
-          <a:xfrm>
-            <a:off x="5054319" y="5215695"/>
-            <a:ext cx="1741585" cy="1683153"/>
-          </a:xfrm>
-          <a:prstGeom prst="rect">
-            <a:avLst/>
-          </a:prstGeom>
-          <a:noFill/>
-        </p:spPr>
-        <p:txBody>
-          <a:bodyPr wrap="square" rtlCol="0">
-            <a:spAutoFit/>
-          </a:bodyPr>
-          <a:lstStyle/>
-          <a:p>
-            <a:pPr marL="342900" indent="-342900">
-              <a:buFont typeface="Arial" panose="020B0604020202020204" pitchFamily="34" charset="0"/>
-              <a:buChar char="•"/>
-            </a:pPr>
-            <a:r>
-              <a:rPr lang="en-AU" sz="2400" kern="100" dirty="0">
-                <a:solidFill>
-                  <a:schemeClr val="bg1"/>
-                </a:solidFill>
-                <a:latin typeface="Arial Rounded MT Bold" panose="020F0704030504030204" pitchFamily="34" charset="0"/>
-                <a:ea typeface="Aptos" panose="020B0004020202020204" pitchFamily="34" charset="0"/>
-                <a:cs typeface="Times New Roman" panose="02020603050405020304" pitchFamily="18" charset="0"/>
-              </a:rPr>
-              <a:t>D3</a:t>
-            </a:r>
-          </a:p>
-          <a:p>
-            <a:pPr marL="342900" indent="-342900">
-              <a:buFont typeface="Arial" panose="020B0604020202020204" pitchFamily="34" charset="0"/>
-              <a:buChar char="•"/>
-            </a:pPr>
-            <a:r>
-              <a:rPr lang="en-AU" sz="2400" kern="100" dirty="0">
-                <a:solidFill>
-                  <a:schemeClr val="bg1"/>
-                </a:solidFill>
-                <a:latin typeface="Arial Rounded MT Bold" panose="020F0704030504030204" pitchFamily="34" charset="0"/>
-                <a:ea typeface="Aptos" panose="020B0004020202020204" pitchFamily="34" charset="0"/>
-                <a:cs typeface="Times New Roman" panose="02020603050405020304" pitchFamily="18" charset="0"/>
-              </a:rPr>
-              <a:t>Plotly</a:t>
-            </a:r>
-          </a:p>
-          <a:p>
-            <a:pPr marL="342900" indent="-342900">
-              <a:buFont typeface="Arial" panose="020B0604020202020204" pitchFamily="34" charset="0"/>
-              <a:buChar char="•"/>
-            </a:pPr>
-            <a:r>
-              <a:rPr lang="en-AU" sz="2400" kern="100" dirty="0">
-                <a:solidFill>
-                  <a:schemeClr val="bg1"/>
-                </a:solidFill>
-                <a:latin typeface="Arial Rounded MT Bold" panose="020F0704030504030204" pitchFamily="34" charset="0"/>
-                <a:ea typeface="Aptos" panose="020B0004020202020204" pitchFamily="34" charset="0"/>
-                <a:cs typeface="Times New Roman" panose="02020603050405020304" pitchFamily="18" charset="0"/>
-              </a:rPr>
-              <a:t>Leaflet</a:t>
-            </a:r>
-          </a:p>
-          <a:p>
-            <a:pPr>
-              <a:lnSpc>
-                <a:spcPct val="150000"/>
-              </a:lnSpc>
-            </a:pPr>
-            <a:endParaRPr lang="en-AU" sz="2400" kern="100" dirty="0">
-              <a:solidFill>
-                <a:schemeClr val="bg1"/>
-              </a:solidFill>
-              <a:effectLst/>
-              <a:latin typeface="Arial Rounded MT Bold" panose="020F0704030504030204" pitchFamily="34" charset="0"/>
-              <a:ea typeface="Aptos" panose="020B0004020202020204" pitchFamily="34" charset="0"/>
-              <a:cs typeface="Times New Roman" panose="02020603050405020304" pitchFamily="18" charset="0"/>
-            </a:endParaRPr>
-          </a:p>
-        </p:txBody>
-      </p:sp>
-      <p:sp>
-        <p:nvSpPr>
-          <p:cNvPr id="56" name="Arrow: Up 55">
-            <a:extLst>
-              <a:ext uri="{FF2B5EF4-FFF2-40B4-BE49-F238E27FC236}">
-                <a16:creationId xmlns:a16="http://schemas.microsoft.com/office/drawing/2014/main" id="{AC8A2938-8F26-3BC2-D6A4-E4CE447119C1}"/>
+                <a16:creationId xmlns:a16="http://schemas.microsoft.com/office/drawing/2014/main" id="{FF439A55-26CD-9E88-85D2-734D2756DB5C}"/>
               </a:ext>
             </a:extLst>
           </p:cNvPr>
@@ -10033,10 +10851,107 @@
           </a:p>
         </p:txBody>
       </p:sp>
+      <p:sp>
+        <p:nvSpPr>
+          <p:cNvPr id="10" name="TextBox 9">
+            <a:extLst>
+              <a:ext uri="{FF2B5EF4-FFF2-40B4-BE49-F238E27FC236}">
+                <a16:creationId xmlns:a16="http://schemas.microsoft.com/office/drawing/2014/main" id="{534F16A1-5095-112D-E2F3-12C23E900F25}"/>
+              </a:ext>
+            </a:extLst>
+          </p:cNvPr>
+          <p:cNvSpPr txBox="1"/>
+          <p:nvPr/>
+        </p:nvSpPr>
+        <p:spPr>
+          <a:xfrm>
+            <a:off x="7740127" y="1904104"/>
+            <a:ext cx="3856617" cy="3323987"/>
+          </a:xfrm>
+          <a:prstGeom prst="rect">
+            <a:avLst/>
+          </a:prstGeom>
+          <a:noFill/>
+        </p:spPr>
+        <p:txBody>
+          <a:bodyPr wrap="square" rtlCol="0">
+            <a:spAutoFit/>
+          </a:bodyPr>
+          <a:lstStyle/>
+          <a:p>
+            <a:pPr marL="285750" indent="-285750">
+              <a:buFont typeface="Arial" panose="020B0604020202020204" pitchFamily="34" charset="0"/>
+              <a:buChar char="•"/>
+            </a:pPr>
+            <a:r>
+              <a:rPr lang="en-AU" sz="2100" kern="100" dirty="0">
+                <a:solidFill>
+                  <a:schemeClr val="bg1"/>
+                </a:solidFill>
+                <a:latin typeface="Arial Rounded MT Bold" panose="020F0704030504030204" pitchFamily="34" charset="0"/>
+                <a:ea typeface="Aptos" panose="020B0004020202020204" pitchFamily="34" charset="0"/>
+                <a:cs typeface="Times New Roman" panose="02020603050405020304" pitchFamily="18" charset="0"/>
+              </a:rPr>
+              <a:t>Projects database built on </a:t>
+            </a:r>
+            <a:r>
+              <a:rPr lang="en-AU" sz="2100" kern="100" dirty="0" err="1">
+                <a:solidFill>
+                  <a:schemeClr val="bg1"/>
+                </a:solidFill>
+                <a:latin typeface="Arial Rounded MT Bold" panose="020F0704030504030204" pitchFamily="34" charset="0"/>
+                <a:ea typeface="Aptos" panose="020B0004020202020204" pitchFamily="34" charset="0"/>
+                <a:cs typeface="Times New Roman" panose="02020603050405020304" pitchFamily="18" charset="0"/>
+              </a:rPr>
+              <a:t>SQlite</a:t>
+            </a:r>
+            <a:r>
+              <a:rPr lang="en-AU" sz="2100" kern="100" dirty="0">
+                <a:solidFill>
+                  <a:schemeClr val="bg1"/>
+                </a:solidFill>
+                <a:latin typeface="Arial Rounded MT Bold" panose="020F0704030504030204" pitchFamily="34" charset="0"/>
+                <a:ea typeface="Aptos" panose="020B0004020202020204" pitchFamily="34" charset="0"/>
+                <a:cs typeface="Times New Roman" panose="02020603050405020304" pitchFamily="18" charset="0"/>
+              </a:rPr>
+              <a:t> excludes personal identifiers</a:t>
+            </a:r>
+          </a:p>
+          <a:p>
+            <a:pPr marL="285750" indent="-285750">
+              <a:buFont typeface="Arial" panose="020B0604020202020204" pitchFamily="34" charset="0"/>
+              <a:buChar char="•"/>
+            </a:pPr>
+            <a:r>
+              <a:rPr lang="en-AU" sz="2100" kern="100" dirty="0">
+                <a:solidFill>
+                  <a:schemeClr val="bg1"/>
+                </a:solidFill>
+                <a:latin typeface="Arial Rounded MT Bold" panose="020F0704030504030204" pitchFamily="34" charset="0"/>
+                <a:cs typeface="Times New Roman" panose="02020603050405020304" pitchFamily="18" charset="0"/>
+              </a:rPr>
+              <a:t>Ensures individual privacy is maintained in our published work demonstrating our commitment to ethical data usage</a:t>
+            </a:r>
+          </a:p>
+          <a:p>
+            <a:pPr marL="285750" indent="-285750">
+              <a:buFont typeface="Arial" panose="020B0604020202020204" pitchFamily="34" charset="0"/>
+              <a:buChar char="•"/>
+            </a:pPr>
+            <a:endParaRPr lang="en-AU" sz="2100" kern="100" dirty="0">
+              <a:solidFill>
+                <a:schemeClr val="bg1"/>
+              </a:solidFill>
+              <a:latin typeface="Arial Rounded MT Bold" panose="020F0704030504030204" pitchFamily="34" charset="0"/>
+              <a:cs typeface="Times New Roman" panose="02020603050405020304" pitchFamily="18" charset="0"/>
+            </a:endParaRPr>
+          </a:p>
+        </p:txBody>
+      </p:sp>
     </p:spTree>
     <p:extLst>
       <p:ext uri="{BB962C8B-B14F-4D97-AF65-F5344CB8AC3E}">
-        <p14:creationId xmlns:p14="http://schemas.microsoft.com/office/powerpoint/2010/main" val="3762182029"/>
+        <p14:creationId xmlns:p14="http://schemas.microsoft.com/office/powerpoint/2010/main" val="2840921582"/>
       </p:ext>
     </p:extLst>
   </p:cSld>
@@ -10049,7 +10964,7 @@
 </p:sld>
 </file>
 
-<file path=ppt/slides/slide5.xml><?xml version="1.0" encoding="utf-8"?>
+<file path=ppt/slides/slide6.xml><?xml version="1.0" encoding="utf-8"?>
 <p:sld xmlns:a="http://schemas.openxmlformats.org/drawingml/2006/main" xmlns:r="http://schemas.openxmlformats.org/officeDocument/2006/relationships" xmlns:p="http://schemas.openxmlformats.org/presentationml/2006/main">
   <p:cSld>
     <p:spTree>
@@ -10134,7 +11049,7 @@
         </p:nvGrpSpPr>
         <p:grpSpPr>
           <a:xfrm>
-            <a:off x="-1185705" y="-40344"/>
+            <a:off x="-1140488" y="-33620"/>
             <a:ext cx="14539964" cy="6925240"/>
             <a:chOff x="-1185705" y="-40344"/>
             <a:chExt cx="14539964" cy="6925240"/>
@@ -10510,8 +11425,8 @@
         </p:nvSpPr>
         <p:spPr>
           <a:xfrm>
-            <a:off x="550484" y="482470"/>
-            <a:ext cx="7958516" cy="646986"/>
+            <a:off x="550483" y="482470"/>
+            <a:ext cx="8573419" cy="646986"/>
           </a:xfrm>
           <a:prstGeom prst="roundRect">
             <a:avLst/>
@@ -10526,259 +11441,20 @@
           </a:bodyPr>
           <a:lstStyle/>
           <a:p>
-            <a:pPr algn="dist"/>
-            <a:r>
-              <a:rPr lang="en-AU" sz="3200" dirty="0">
-                <a:latin typeface="Arial Rounded MT Bold" panose="020F0704030504030204" pitchFamily="34" charset="0"/>
-                <a:ea typeface="ADLaM Display" panose="020F0502020204030204" pitchFamily="2" charset="0"/>
-                <a:cs typeface="ADLaM Display" panose="020F0502020204030204" pitchFamily="2" charset="0"/>
-              </a:rPr>
-              <a:t>ETHICAL CONSIDERATIONS</a:t>
-            </a:r>
-          </a:p>
-        </p:txBody>
-      </p:sp>
-      <p:sp>
-        <p:nvSpPr>
-          <p:cNvPr id="23" name="TextBox 22">
-            <a:extLst>
-              <a:ext uri="{FF2B5EF4-FFF2-40B4-BE49-F238E27FC236}">
-                <a16:creationId xmlns:a16="http://schemas.microsoft.com/office/drawing/2014/main" id="{6B96AAA1-A563-B36F-0896-3CA471856F0B}"/>
-              </a:ext>
-            </a:extLst>
-          </p:cNvPr>
-          <p:cNvSpPr txBox="1"/>
-          <p:nvPr/>
-        </p:nvSpPr>
-        <p:spPr>
-          <a:xfrm>
-            <a:off x="458294" y="1433666"/>
-            <a:ext cx="5576775" cy="2769989"/>
-          </a:xfrm>
-          <a:prstGeom prst="rect">
-            <a:avLst/>
-          </a:prstGeom>
-          <a:noFill/>
-        </p:spPr>
-        <p:txBody>
-          <a:bodyPr wrap="square" rtlCol="0">
-            <a:spAutoFit/>
-          </a:bodyPr>
-          <a:lstStyle/>
-          <a:p>
-            <a:pPr>
-              <a:lnSpc>
-                <a:spcPct val="150000"/>
-              </a:lnSpc>
-            </a:pPr>
-            <a:r>
-              <a:rPr lang="en-AU" sz="2800" kern="100" dirty="0">
-                <a:solidFill>
-                  <a:srgbClr val="ECC10A"/>
-                </a:solidFill>
-                <a:latin typeface="Arial Rounded MT Bold" panose="020F0704030504030204" pitchFamily="34" charset="0"/>
-                <a:ea typeface="Aptos" panose="020B0004020202020204" pitchFamily="34" charset="0"/>
-                <a:cs typeface="Times New Roman" panose="02020603050405020304" pitchFamily="18" charset="0"/>
-              </a:rPr>
-              <a:t>PRIVACY &amp; SENSITIVITY</a:t>
-            </a:r>
-          </a:p>
-          <a:p>
-            <a:pPr marL="285750" indent="-285750">
-              <a:buFont typeface="Arial" panose="020B0604020202020204" pitchFamily="34" charset="0"/>
-              <a:buChar char="•"/>
-            </a:pPr>
-            <a:r>
-              <a:rPr lang="en-AU" sz="2200" kern="100" dirty="0">
-                <a:solidFill>
-                  <a:schemeClr val="bg1"/>
-                </a:solidFill>
-                <a:latin typeface="Arial Rounded MT Bold" panose="020F0704030504030204" pitchFamily="34" charset="0"/>
-                <a:ea typeface="Aptos" panose="020B0004020202020204" pitchFamily="34" charset="0"/>
-                <a:cs typeface="Times New Roman" panose="02020603050405020304" pitchFamily="18" charset="0"/>
-              </a:rPr>
-              <a:t>Data was taken from DataVic website</a:t>
-            </a:r>
-          </a:p>
-          <a:p>
-            <a:pPr marL="742950" lvl="1" indent="-285750">
-              <a:buFont typeface="Arial" panose="020B0604020202020204" pitchFamily="34" charset="0"/>
-              <a:buChar char="•"/>
-            </a:pPr>
-            <a:r>
-              <a:rPr lang="en-AU" sz="2200" kern="100" dirty="0">
-                <a:solidFill>
-                  <a:schemeClr val="bg1"/>
-                </a:solidFill>
-                <a:latin typeface="Arial Rounded MT Bold" panose="020F0704030504030204" pitchFamily="34" charset="0"/>
-                <a:ea typeface="Aptos" panose="020B0004020202020204" pitchFamily="34" charset="0"/>
-                <a:cs typeface="Times New Roman" panose="02020603050405020304" pitchFamily="18" charset="0"/>
-              </a:rPr>
-              <a:t>Victoria’s open data platform</a:t>
-            </a:r>
-          </a:p>
-          <a:p>
-            <a:pPr marL="742950" lvl="1" indent="-285750">
-              <a:buFont typeface="Arial" panose="020B0604020202020204" pitchFamily="34" charset="0"/>
-              <a:buChar char="•"/>
-            </a:pPr>
-            <a:r>
-              <a:rPr lang="en-AU" sz="2200" kern="100" dirty="0">
-                <a:solidFill>
-                  <a:schemeClr val="bg1"/>
-                </a:solidFill>
-                <a:latin typeface="Arial Rounded MT Bold" panose="020F0704030504030204" pitchFamily="34" charset="0"/>
-                <a:ea typeface="Aptos" panose="020B0004020202020204" pitchFamily="34" charset="0"/>
-                <a:cs typeface="Times New Roman" panose="02020603050405020304" pitchFamily="18" charset="0"/>
-              </a:rPr>
-              <a:t>Governed by DataVic Access Policy</a:t>
-            </a:r>
-          </a:p>
-          <a:p>
-            <a:pPr marL="742950" lvl="1" indent="-285750">
-              <a:buFont typeface="Arial" panose="020B0604020202020204" pitchFamily="34" charset="0"/>
-              <a:buChar char="•"/>
-            </a:pPr>
-            <a:r>
-              <a:rPr lang="en-AU" sz="2200" kern="100" dirty="0">
-                <a:solidFill>
-                  <a:schemeClr val="bg1"/>
-                </a:solidFill>
-                <a:latin typeface="Arial Rounded MT Bold" panose="020F0704030504030204" pitchFamily="34" charset="0"/>
-                <a:ea typeface="Aptos" panose="020B0004020202020204" pitchFamily="34" charset="0"/>
-                <a:cs typeface="Times New Roman" panose="02020603050405020304" pitchFamily="18" charset="0"/>
-              </a:rPr>
-              <a:t>Data available to the public</a:t>
-            </a:r>
-          </a:p>
-          <a:p>
-            <a:pPr marL="285750" indent="-285750">
-              <a:buFont typeface="Arial" panose="020B0604020202020204" pitchFamily="34" charset="0"/>
-              <a:buChar char="•"/>
-            </a:pPr>
-            <a:r>
-              <a:rPr lang="en-AU" sz="2200" kern="100" dirty="0">
-                <a:solidFill>
-                  <a:schemeClr val="bg1"/>
-                </a:solidFill>
-                <a:latin typeface="Arial Rounded MT Bold" panose="020F0704030504030204" pitchFamily="34" charset="0"/>
-                <a:ea typeface="Aptos" panose="020B0004020202020204" pitchFamily="34" charset="0"/>
-                <a:cs typeface="Times New Roman" panose="02020603050405020304" pitchFamily="18" charset="0"/>
-              </a:rPr>
-              <a:t>Excludes personal identifiers</a:t>
-            </a:r>
-          </a:p>
-        </p:txBody>
-      </p:sp>
-      <p:sp>
-        <p:nvSpPr>
-          <p:cNvPr id="25" name="TextBox 24">
-            <a:extLst>
-              <a:ext uri="{FF2B5EF4-FFF2-40B4-BE49-F238E27FC236}">
-                <a16:creationId xmlns:a16="http://schemas.microsoft.com/office/drawing/2014/main" id="{2493088B-6928-A186-D061-DD8892A69413}"/>
-              </a:ext>
-            </a:extLst>
-          </p:cNvPr>
-          <p:cNvSpPr txBox="1"/>
-          <p:nvPr/>
-        </p:nvSpPr>
-        <p:spPr>
-          <a:xfrm>
-            <a:off x="6299488" y="1436914"/>
-            <a:ext cx="5464613" cy="3323987"/>
-          </a:xfrm>
-          <a:prstGeom prst="rect">
-            <a:avLst/>
-          </a:prstGeom>
-          <a:noFill/>
-        </p:spPr>
-        <p:txBody>
-          <a:bodyPr wrap="square">
-            <a:spAutoFit/>
-          </a:bodyPr>
-          <a:lstStyle/>
-          <a:p>
-            <a:pPr>
-              <a:lnSpc>
-                <a:spcPct val="150000"/>
-              </a:lnSpc>
-            </a:pPr>
-            <a:r>
-              <a:rPr lang="en-AU" sz="2800" kern="100" dirty="0">
-                <a:solidFill>
-                  <a:srgbClr val="ECC10A"/>
-                </a:solidFill>
-                <a:latin typeface="Arial Rounded MT Bold" panose="020F0704030504030204" pitchFamily="34" charset="0"/>
-                <a:ea typeface="Aptos" panose="020B0004020202020204" pitchFamily="34" charset="0"/>
-                <a:cs typeface="Times New Roman" panose="02020603050405020304" pitchFamily="18" charset="0"/>
-              </a:rPr>
-              <a:t>ACCURACY &amp; INTEGRITY</a:t>
-            </a:r>
-          </a:p>
-          <a:p>
-            <a:pPr marL="285750" indent="-285750">
-              <a:buFont typeface="Arial" panose="020B0604020202020204" pitchFamily="34" charset="0"/>
-              <a:buChar char="•"/>
-            </a:pPr>
-            <a:r>
-              <a:rPr lang="en-AU" sz="2400" kern="100" dirty="0">
-                <a:solidFill>
-                  <a:schemeClr val="bg1"/>
-                </a:solidFill>
-                <a:latin typeface="Arial Rounded MT Bold" panose="020F0704030504030204" pitchFamily="34" charset="0"/>
-                <a:ea typeface="Aptos" panose="020B0004020202020204" pitchFamily="34" charset="0"/>
-                <a:cs typeface="Times New Roman" panose="02020603050405020304" pitchFamily="18" charset="0"/>
-              </a:rPr>
-              <a:t>Ensured accuracy and reliability of the data (i.e. verified source)</a:t>
-            </a:r>
-          </a:p>
-          <a:p>
-            <a:pPr marL="285750" indent="-285750">
-              <a:buFont typeface="Arial" panose="020B0604020202020204" pitchFamily="34" charset="0"/>
-              <a:buChar char="•"/>
-            </a:pPr>
-            <a:r>
-              <a:rPr lang="en-AU" sz="2400" kern="100" dirty="0">
-                <a:solidFill>
-                  <a:schemeClr val="bg1"/>
-                </a:solidFill>
-                <a:latin typeface="Arial Rounded MT Bold" panose="020F0704030504030204" pitchFamily="34" charset="0"/>
-                <a:ea typeface="Aptos" panose="020B0004020202020204" pitchFamily="34" charset="0"/>
-                <a:cs typeface="Times New Roman" panose="02020603050405020304" pitchFamily="18" charset="0"/>
-              </a:rPr>
-              <a:t>Transparency in data source and processing methods</a:t>
-            </a:r>
-          </a:p>
-          <a:p>
-            <a:pPr marL="285750" indent="-285750">
-              <a:buFont typeface="Arial" panose="020B0604020202020204" pitchFamily="34" charset="0"/>
-              <a:buChar char="•"/>
-            </a:pPr>
-            <a:r>
-              <a:rPr lang="en-AU" sz="2400" kern="100" dirty="0">
-                <a:solidFill>
-                  <a:schemeClr val="bg1"/>
-                </a:solidFill>
-                <a:latin typeface="Arial Rounded MT Bold" panose="020F0704030504030204" pitchFamily="34" charset="0"/>
-                <a:ea typeface="Aptos" panose="020B0004020202020204" pitchFamily="34" charset="0"/>
-                <a:cs typeface="Times New Roman" panose="02020603050405020304" pitchFamily="18" charset="0"/>
-              </a:rPr>
-              <a:t>Data presented in a clear and concise manner</a:t>
-            </a:r>
-          </a:p>
-          <a:p>
-            <a:pPr marL="285750" indent="-285750">
-              <a:buFont typeface="Arial" panose="020B0604020202020204" pitchFamily="34" charset="0"/>
-              <a:buChar char="•"/>
-            </a:pPr>
-            <a:endParaRPr lang="en-AU" sz="2400" kern="100" dirty="0">
-              <a:solidFill>
-                <a:schemeClr val="bg1"/>
-              </a:solidFill>
-              <a:latin typeface="Arial Rounded MT Bold" panose="020F0704030504030204" pitchFamily="34" charset="0"/>
-              <a:ea typeface="Aptos" panose="020B0004020202020204" pitchFamily="34" charset="0"/>
-              <a:cs typeface="Times New Roman" panose="02020603050405020304" pitchFamily="18" charset="0"/>
-            </a:endParaRPr>
+            <a:pPr algn="l"/>
+            <a:r>
+              <a:rPr lang="en-AU" sz="3200" b="1" i="0" dirty="0">
+                <a:solidFill>
+                  <a:srgbClr val="1F2328"/>
+                </a:solidFill>
+                <a:effectLst/>
+                <a:highlight>
+                  <a:srgbClr val="FFFFFF"/>
+                </a:highlight>
+                <a:latin typeface="-apple-system"/>
+              </a:rPr>
+              <a:t>STEPS ON INTERACTING WITH THE PROJECT</a:t>
+            </a:r>
           </a:p>
         </p:txBody>
       </p:sp>
@@ -10825,29 +11501,33 @@
           </a:fontRef>
         </p:style>
       </p:cxnSp>
-      <p:cxnSp>
-        <p:nvCxnSpPr>
-          <p:cNvPr id="31" name="Straight Connector 30">
+      <p:sp>
+        <p:nvSpPr>
+          <p:cNvPr id="8" name="Arrow: Up 7">
             <a:extLst>
               <a:ext uri="{FF2B5EF4-FFF2-40B4-BE49-F238E27FC236}">
-                <a16:creationId xmlns:a16="http://schemas.microsoft.com/office/drawing/2014/main" id="{DF44DE3F-E805-3B99-DDCC-1008F2059C56}"/>
+                <a16:creationId xmlns:a16="http://schemas.microsoft.com/office/drawing/2014/main" id="{A4846AB3-E564-D558-9342-8822D85FFC8E}"/>
               </a:ext>
             </a:extLst>
           </p:cNvPr>
-          <p:cNvCxnSpPr>
-            <a:cxnSpLocks/>
-          </p:cNvCxnSpPr>
+          <p:cNvSpPr/>
           <p:nvPr/>
-        </p:nvCxnSpPr>
+        </p:nvSpPr>
         <p:spPr>
-          <a:xfrm>
-            <a:off x="6084277" y="1467060"/>
-            <a:ext cx="0" cy="3638562"/>
+          <a:xfrm rot="5400000">
+            <a:off x="5896954" y="-3549938"/>
+            <a:ext cx="311670" cy="10903010"/>
           </a:xfrm>
-          <a:prstGeom prst="line">
-            <a:avLst/>
+          <a:prstGeom prst="upArrow">
+            <a:avLst>
+              <a:gd name="adj1" fmla="val 100000"/>
+              <a:gd name="adj2" fmla="val 132613"/>
+            </a:avLst>
           </a:prstGeom>
-          <a:ln w="76200">
+          <a:solidFill>
+            <a:schemeClr val="bg1"/>
+          </a:solidFill>
+          <a:ln>
             <a:solidFill>
               <a:schemeClr val="bg1"/>
             </a:solidFill>
@@ -10855,25 +11535,471 @@
         </p:spPr>
         <p:style>
           <a:lnRef idx="2">
-            <a:schemeClr val="accent1"/>
+            <a:schemeClr val="accent1">
+              <a:shade val="15000"/>
+            </a:schemeClr>
           </a:lnRef>
-          <a:fillRef idx="0">
+          <a:fillRef idx="1">
             <a:schemeClr val="accent1"/>
           </a:fillRef>
-          <a:effectRef idx="1">
+          <a:effectRef idx="0">
             <a:schemeClr val="accent1"/>
           </a:effectRef>
           <a:fontRef idx="minor">
-            <a:schemeClr val="tx1"/>
+            <a:schemeClr val="lt1"/>
           </a:fontRef>
         </p:style>
-      </p:cxnSp>
+        <p:txBody>
+          <a:bodyPr rtlCol="0" anchor="ctr"/>
+          <a:lstStyle/>
+          <a:p>
+            <a:pPr algn="ctr"/>
+            <a:endParaRPr lang="en-AU"/>
+          </a:p>
+        </p:txBody>
+      </p:sp>
+      <p:sp>
+        <p:nvSpPr>
+          <p:cNvPr id="10" name="TextBox 9">
+            <a:extLst>
+              <a:ext uri="{FF2B5EF4-FFF2-40B4-BE49-F238E27FC236}">
+                <a16:creationId xmlns:a16="http://schemas.microsoft.com/office/drawing/2014/main" id="{5B65E81E-27DB-3DF8-AC35-62A3FE555A6A}"/>
+              </a:ext>
+            </a:extLst>
+          </p:cNvPr>
+          <p:cNvSpPr txBox="1"/>
+          <p:nvPr/>
+        </p:nvSpPr>
+        <p:spPr>
+          <a:xfrm>
+            <a:off x="504773" y="2742197"/>
+            <a:ext cx="2140618" cy="1231106"/>
+          </a:xfrm>
+          <a:prstGeom prst="rect">
+            <a:avLst/>
+          </a:prstGeom>
+          <a:noFill/>
+        </p:spPr>
+        <p:txBody>
+          <a:bodyPr wrap="square" rtlCol="0">
+            <a:spAutoFit/>
+          </a:bodyPr>
+          <a:lstStyle/>
+          <a:p>
+            <a:pPr algn="ctr"/>
+            <a:r>
+              <a:rPr lang="en-AU" sz="2400" dirty="0">
+                <a:solidFill>
+                  <a:schemeClr val="bg1"/>
+                </a:solidFill>
+                <a:latin typeface="Arial Rounded MT Bold" panose="020F0704030504030204" pitchFamily="34" charset="0"/>
+              </a:rPr>
+              <a:t>1. Repository Download</a:t>
+            </a:r>
+          </a:p>
+          <a:p>
+            <a:pPr algn="ctr"/>
+            <a:endParaRPr lang="en-AU" sz="2600" dirty="0">
+              <a:solidFill>
+                <a:schemeClr val="bg1"/>
+              </a:solidFill>
+              <a:latin typeface="Arial Rounded MT Bold" panose="020F0704030504030204" pitchFamily="34" charset="0"/>
+            </a:endParaRPr>
+          </a:p>
+        </p:txBody>
+      </p:sp>
+      <p:sp>
+        <p:nvSpPr>
+          <p:cNvPr id="11" name="TextBox 10">
+            <a:extLst>
+              <a:ext uri="{FF2B5EF4-FFF2-40B4-BE49-F238E27FC236}">
+                <a16:creationId xmlns:a16="http://schemas.microsoft.com/office/drawing/2014/main" id="{6CDFFA3E-08A6-5F5A-6170-D80778721FFF}"/>
+              </a:ext>
+            </a:extLst>
+          </p:cNvPr>
+          <p:cNvSpPr txBox="1"/>
+          <p:nvPr/>
+        </p:nvSpPr>
+        <p:spPr>
+          <a:xfrm>
+            <a:off x="2405735" y="3034105"/>
+            <a:ext cx="2140618" cy="1231106"/>
+          </a:xfrm>
+          <a:prstGeom prst="rect">
+            <a:avLst/>
+          </a:prstGeom>
+          <a:noFill/>
+        </p:spPr>
+        <p:txBody>
+          <a:bodyPr wrap="square" rtlCol="0">
+            <a:spAutoFit/>
+          </a:bodyPr>
+          <a:lstStyle/>
+          <a:p>
+            <a:r>
+              <a:rPr lang="en-AU" sz="2400" dirty="0">
+                <a:solidFill>
+                  <a:schemeClr val="bg1"/>
+                </a:solidFill>
+                <a:latin typeface="Arial Rounded MT Bold" panose="020F0704030504030204" pitchFamily="34" charset="0"/>
+              </a:rPr>
+              <a:t>2</a:t>
+            </a:r>
+            <a:r>
+              <a:rPr lang="en-AU" sz="2600" dirty="0">
+                <a:solidFill>
+                  <a:schemeClr val="bg1"/>
+                </a:solidFill>
+                <a:latin typeface="Arial Rounded MT Bold" panose="020F0704030504030204" pitchFamily="34" charset="0"/>
+              </a:rPr>
+              <a:t>. </a:t>
+            </a:r>
+            <a:r>
+              <a:rPr lang="en-AU" sz="2400" dirty="0">
+                <a:solidFill>
+                  <a:schemeClr val="bg1"/>
+                </a:solidFill>
+                <a:latin typeface="Arial Rounded MT Bold" panose="020F0704030504030204" pitchFamily="34" charset="0"/>
+              </a:rPr>
+              <a:t>Database Creation and Loading</a:t>
+            </a:r>
+          </a:p>
+        </p:txBody>
+      </p:sp>
+      <p:sp>
+        <p:nvSpPr>
+          <p:cNvPr id="12" name="TextBox 11">
+            <a:extLst>
+              <a:ext uri="{FF2B5EF4-FFF2-40B4-BE49-F238E27FC236}">
+                <a16:creationId xmlns:a16="http://schemas.microsoft.com/office/drawing/2014/main" id="{C42EFB4B-1937-2B43-9454-7C113897D215}"/>
+              </a:ext>
+            </a:extLst>
+          </p:cNvPr>
+          <p:cNvSpPr txBox="1"/>
+          <p:nvPr/>
+        </p:nvSpPr>
+        <p:spPr>
+          <a:xfrm>
+            <a:off x="4281520" y="3117997"/>
+            <a:ext cx="2800989" cy="492443"/>
+          </a:xfrm>
+          <a:prstGeom prst="rect">
+            <a:avLst/>
+          </a:prstGeom>
+          <a:noFill/>
+        </p:spPr>
+        <p:txBody>
+          <a:bodyPr wrap="square" rtlCol="0">
+            <a:spAutoFit/>
+          </a:bodyPr>
+          <a:lstStyle/>
+          <a:p>
+            <a:pPr algn="ctr"/>
+            <a:r>
+              <a:rPr lang="en-AU" sz="2400" dirty="0">
+                <a:solidFill>
+                  <a:schemeClr val="bg1"/>
+                </a:solidFill>
+                <a:latin typeface="Arial Rounded MT Bold" panose="020F0704030504030204" pitchFamily="34" charset="0"/>
+              </a:rPr>
+              <a:t>3</a:t>
+            </a:r>
+            <a:r>
+              <a:rPr lang="en-AU" sz="2600" dirty="0">
+                <a:solidFill>
+                  <a:schemeClr val="bg1"/>
+                </a:solidFill>
+                <a:latin typeface="Arial Rounded MT Bold" panose="020F0704030504030204" pitchFamily="34" charset="0"/>
+              </a:rPr>
+              <a:t>. </a:t>
+            </a:r>
+            <a:r>
+              <a:rPr lang="en-AU" sz="2400" dirty="0">
+                <a:solidFill>
+                  <a:schemeClr val="bg1"/>
+                </a:solidFill>
+                <a:latin typeface="Arial Rounded MT Bold" panose="020F0704030504030204" pitchFamily="34" charset="0"/>
+              </a:rPr>
+              <a:t>Node.js Setup </a:t>
+            </a:r>
+          </a:p>
+        </p:txBody>
+      </p:sp>
+      <p:sp>
+        <p:nvSpPr>
+          <p:cNvPr id="14" name="TextBox 13">
+            <a:extLst>
+              <a:ext uri="{FF2B5EF4-FFF2-40B4-BE49-F238E27FC236}">
+                <a16:creationId xmlns:a16="http://schemas.microsoft.com/office/drawing/2014/main" id="{20B8B48F-960B-43D9-F541-253DD6299DD8}"/>
+              </a:ext>
+            </a:extLst>
+          </p:cNvPr>
+          <p:cNvSpPr txBox="1"/>
+          <p:nvPr/>
+        </p:nvSpPr>
+        <p:spPr>
+          <a:xfrm>
+            <a:off x="6354290" y="3402104"/>
+            <a:ext cx="3260874" cy="830997"/>
+          </a:xfrm>
+          <a:prstGeom prst="rect">
+            <a:avLst/>
+          </a:prstGeom>
+          <a:noFill/>
+        </p:spPr>
+        <p:txBody>
+          <a:bodyPr wrap="square" rtlCol="0">
+            <a:spAutoFit/>
+          </a:bodyPr>
+          <a:lstStyle/>
+          <a:p>
+            <a:pPr algn="ctr"/>
+            <a:r>
+              <a:rPr lang="en-AU" sz="2400" dirty="0">
+                <a:solidFill>
+                  <a:schemeClr val="bg1"/>
+                </a:solidFill>
+                <a:latin typeface="Arial Rounded MT Bold" panose="020F0704030504030204" pitchFamily="34" charset="0"/>
+              </a:rPr>
+              <a:t>4. Local Server Connection</a:t>
+            </a:r>
+          </a:p>
+        </p:txBody>
+      </p:sp>
+      <p:sp>
+        <p:nvSpPr>
+          <p:cNvPr id="48" name="Arrow: Up 47">
+            <a:extLst>
+              <a:ext uri="{FF2B5EF4-FFF2-40B4-BE49-F238E27FC236}">
+                <a16:creationId xmlns:a16="http://schemas.microsoft.com/office/drawing/2014/main" id="{74147BAF-E313-8362-8DE1-2ED72252CCD3}"/>
+              </a:ext>
+            </a:extLst>
+          </p:cNvPr>
+          <p:cNvSpPr/>
+          <p:nvPr/>
+        </p:nvSpPr>
+        <p:spPr>
+          <a:xfrm rot="8775793">
+            <a:off x="1123304" y="1771747"/>
+            <a:ext cx="311670" cy="1019185"/>
+          </a:xfrm>
+          <a:prstGeom prst="upArrow">
+            <a:avLst>
+              <a:gd name="adj1" fmla="val 100000"/>
+              <a:gd name="adj2" fmla="val 132613"/>
+            </a:avLst>
+          </a:prstGeom>
+          <a:solidFill>
+            <a:schemeClr val="bg1"/>
+          </a:solidFill>
+          <a:ln>
+            <a:solidFill>
+              <a:schemeClr val="bg1"/>
+            </a:solidFill>
+          </a:ln>
+        </p:spPr>
+        <p:style>
+          <a:lnRef idx="2">
+            <a:schemeClr val="accent1">
+              <a:shade val="15000"/>
+            </a:schemeClr>
+          </a:lnRef>
+          <a:fillRef idx="1">
+            <a:schemeClr val="accent1"/>
+          </a:fillRef>
+          <a:effectRef idx="0">
+            <a:schemeClr val="accent1"/>
+          </a:effectRef>
+          <a:fontRef idx="minor">
+            <a:schemeClr val="lt1"/>
+          </a:fontRef>
+        </p:style>
+        <p:txBody>
+          <a:bodyPr rtlCol="0" anchor="ctr"/>
+          <a:lstStyle/>
+          <a:p>
+            <a:pPr algn="ctr"/>
+            <a:endParaRPr lang="en-AU"/>
+          </a:p>
+        </p:txBody>
+      </p:sp>
+      <p:sp>
+        <p:nvSpPr>
+          <p:cNvPr id="49" name="Arrow: Up 48">
+            <a:extLst>
+              <a:ext uri="{FF2B5EF4-FFF2-40B4-BE49-F238E27FC236}">
+                <a16:creationId xmlns:a16="http://schemas.microsoft.com/office/drawing/2014/main" id="{39E4D430-E88C-C6B6-BABC-B435D8B705C2}"/>
+              </a:ext>
+            </a:extLst>
+          </p:cNvPr>
+          <p:cNvSpPr/>
+          <p:nvPr/>
+        </p:nvSpPr>
+        <p:spPr>
+          <a:xfrm rot="8775793">
+            <a:off x="2924476" y="1873758"/>
+            <a:ext cx="311670" cy="1163132"/>
+          </a:xfrm>
+          <a:prstGeom prst="upArrow">
+            <a:avLst>
+              <a:gd name="adj1" fmla="val 100000"/>
+              <a:gd name="adj2" fmla="val 132613"/>
+            </a:avLst>
+          </a:prstGeom>
+          <a:solidFill>
+            <a:schemeClr val="bg1"/>
+          </a:solidFill>
+          <a:ln>
+            <a:solidFill>
+              <a:schemeClr val="bg1"/>
+            </a:solidFill>
+          </a:ln>
+        </p:spPr>
+        <p:style>
+          <a:lnRef idx="2">
+            <a:schemeClr val="accent1">
+              <a:shade val="15000"/>
+            </a:schemeClr>
+          </a:lnRef>
+          <a:fillRef idx="1">
+            <a:schemeClr val="accent1"/>
+          </a:fillRef>
+          <a:effectRef idx="0">
+            <a:schemeClr val="accent1"/>
+          </a:effectRef>
+          <a:fontRef idx="minor">
+            <a:schemeClr val="lt1"/>
+          </a:fontRef>
+        </p:style>
+        <p:txBody>
+          <a:bodyPr rtlCol="0" anchor="ctr"/>
+          <a:lstStyle/>
+          <a:p>
+            <a:pPr algn="ctr"/>
+            <a:endParaRPr lang="en-AU"/>
+          </a:p>
+        </p:txBody>
+      </p:sp>
+      <p:sp>
+        <p:nvSpPr>
+          <p:cNvPr id="50" name="Arrow: Up 49">
+            <a:extLst>
+              <a:ext uri="{FF2B5EF4-FFF2-40B4-BE49-F238E27FC236}">
+                <a16:creationId xmlns:a16="http://schemas.microsoft.com/office/drawing/2014/main" id="{BA3B0A53-E2C6-1938-C452-487C5B293704}"/>
+              </a:ext>
+            </a:extLst>
+          </p:cNvPr>
+          <p:cNvSpPr/>
+          <p:nvPr/>
+        </p:nvSpPr>
+        <p:spPr>
+          <a:xfrm rot="8775793">
+            <a:off x="4777112" y="1829520"/>
+            <a:ext cx="311670" cy="1411091"/>
+          </a:xfrm>
+          <a:prstGeom prst="upArrow">
+            <a:avLst>
+              <a:gd name="adj1" fmla="val 100000"/>
+              <a:gd name="adj2" fmla="val 132613"/>
+            </a:avLst>
+          </a:prstGeom>
+          <a:solidFill>
+            <a:schemeClr val="bg1"/>
+          </a:solidFill>
+          <a:ln>
+            <a:solidFill>
+              <a:schemeClr val="bg1"/>
+            </a:solidFill>
+          </a:ln>
+        </p:spPr>
+        <p:style>
+          <a:lnRef idx="2">
+            <a:schemeClr val="accent1">
+              <a:shade val="15000"/>
+            </a:schemeClr>
+          </a:lnRef>
+          <a:fillRef idx="1">
+            <a:schemeClr val="accent1"/>
+          </a:fillRef>
+          <a:effectRef idx="0">
+            <a:schemeClr val="accent1"/>
+          </a:effectRef>
+          <a:fontRef idx="minor">
+            <a:schemeClr val="lt1"/>
+          </a:fontRef>
+        </p:style>
+        <p:txBody>
+          <a:bodyPr rtlCol="0" anchor="ctr"/>
+          <a:lstStyle/>
+          <a:p>
+            <a:pPr algn="ctr"/>
+            <a:endParaRPr lang="en-AU"/>
+          </a:p>
+        </p:txBody>
+      </p:sp>
+      <p:sp>
+        <p:nvSpPr>
+          <p:cNvPr id="51" name="Arrow: Up 50">
+            <a:extLst>
+              <a:ext uri="{FF2B5EF4-FFF2-40B4-BE49-F238E27FC236}">
+                <a16:creationId xmlns:a16="http://schemas.microsoft.com/office/drawing/2014/main" id="{55BCC3DD-BC09-2298-42AB-9B340763BF4D}"/>
+              </a:ext>
+            </a:extLst>
+          </p:cNvPr>
+          <p:cNvSpPr/>
+          <p:nvPr/>
+        </p:nvSpPr>
+        <p:spPr>
+          <a:xfrm rot="8775793">
+            <a:off x="6536844" y="1695855"/>
+            <a:ext cx="311670" cy="1809101"/>
+          </a:xfrm>
+          <a:prstGeom prst="upArrow">
+            <a:avLst>
+              <a:gd name="adj1" fmla="val 100000"/>
+              <a:gd name="adj2" fmla="val 132613"/>
+            </a:avLst>
+          </a:prstGeom>
+          <a:solidFill>
+            <a:schemeClr val="bg1"/>
+          </a:solidFill>
+          <a:ln>
+            <a:solidFill>
+              <a:schemeClr val="bg1"/>
+            </a:solidFill>
+          </a:ln>
+        </p:spPr>
+        <p:style>
+          <a:lnRef idx="2">
+            <a:schemeClr val="accent1">
+              <a:shade val="15000"/>
+            </a:schemeClr>
+          </a:lnRef>
+          <a:fillRef idx="1">
+            <a:schemeClr val="accent1"/>
+          </a:fillRef>
+          <a:effectRef idx="0">
+            <a:schemeClr val="accent1"/>
+          </a:effectRef>
+          <a:fontRef idx="minor">
+            <a:schemeClr val="lt1"/>
+          </a:fontRef>
+        </p:style>
+        <p:txBody>
+          <a:bodyPr rtlCol="0" anchor="ctr"/>
+          <a:lstStyle/>
+          <a:p>
+            <a:pPr algn="ctr"/>
+            <a:endParaRPr lang="en-AU"/>
+          </a:p>
+        </p:txBody>
+      </p:sp>
       <p:cxnSp>
         <p:nvCxnSpPr>
-          <p:cNvPr id="2" name="Straight Connector 1">
+          <p:cNvPr id="53" name="Straight Connector 52">
             <a:extLst>
               <a:ext uri="{FF2B5EF4-FFF2-40B4-BE49-F238E27FC236}">
-                <a16:creationId xmlns:a16="http://schemas.microsoft.com/office/drawing/2014/main" id="{2CAAFE14-D355-CFF5-6589-9D7A757670BB}"/>
+                <a16:creationId xmlns:a16="http://schemas.microsoft.com/office/drawing/2014/main" id="{549986D2-3E12-9BFF-708E-88904AA1CDEF}"/>
               </a:ext>
             </a:extLst>
           </p:cNvPr>
@@ -10913,10 +12039,203 @@
       </p:cxnSp>
       <p:sp>
         <p:nvSpPr>
-          <p:cNvPr id="8" name="Arrow: Bent 7">
+          <p:cNvPr id="54" name="TextBox 53">
             <a:extLst>
               <a:ext uri="{FF2B5EF4-FFF2-40B4-BE49-F238E27FC236}">
-                <a16:creationId xmlns:a16="http://schemas.microsoft.com/office/drawing/2014/main" id="{20A19FBA-2BE3-1B00-44F6-201CAA41ACC3}"/>
+                <a16:creationId xmlns:a16="http://schemas.microsoft.com/office/drawing/2014/main" id="{3C813C9C-B3EC-F091-DD0B-25C0AD24DB53}"/>
+              </a:ext>
+            </a:extLst>
+          </p:cNvPr>
+          <p:cNvSpPr txBox="1"/>
+          <p:nvPr/>
+        </p:nvSpPr>
+        <p:spPr>
+          <a:xfrm>
+            <a:off x="495484" y="5195629"/>
+            <a:ext cx="4633357" cy="1141018"/>
+          </a:xfrm>
+          <a:prstGeom prst="rect">
+            <a:avLst/>
+          </a:prstGeom>
+          <a:noFill/>
+        </p:spPr>
+        <p:txBody>
+          <a:bodyPr wrap="square" rtlCol="0">
+            <a:spAutoFit/>
+          </a:bodyPr>
+          <a:lstStyle/>
+          <a:p>
+            <a:pPr>
+              <a:lnSpc>
+                <a:spcPct val="150000"/>
+              </a:lnSpc>
+            </a:pPr>
+            <a:r>
+              <a:rPr lang="en-AU" sz="2800" kern="100" dirty="0">
+                <a:solidFill>
+                  <a:srgbClr val="ECC10A"/>
+                </a:solidFill>
+                <a:effectLst/>
+                <a:latin typeface="Arial Rounded MT Bold" panose="020F0704030504030204" pitchFamily="34" charset="0"/>
+                <a:ea typeface="Aptos" panose="020B0004020202020204" pitchFamily="34" charset="0"/>
+                <a:cs typeface="Times New Roman" panose="02020603050405020304" pitchFamily="18" charset="0"/>
+              </a:rPr>
+              <a:t>JAVASCRIPT LIBRARIES</a:t>
+            </a:r>
+          </a:p>
+          <a:p>
+            <a:pPr marL="342900" indent="-342900">
+              <a:lnSpc>
+                <a:spcPct val="150000"/>
+              </a:lnSpc>
+              <a:buFont typeface="Arial" panose="020B0604020202020204" pitchFamily="34" charset="0"/>
+              <a:buChar char="•"/>
+            </a:pPr>
+            <a:endParaRPr lang="en-AU" sz="2000" kern="100" dirty="0">
+              <a:solidFill>
+                <a:schemeClr val="bg1"/>
+              </a:solidFill>
+              <a:effectLst/>
+              <a:latin typeface="Arial Rounded MT Bold" panose="020F0704030504030204" pitchFamily="34" charset="0"/>
+              <a:ea typeface="Aptos" panose="020B0004020202020204" pitchFamily="34" charset="0"/>
+              <a:cs typeface="Times New Roman" panose="02020603050405020304" pitchFamily="18" charset="0"/>
+            </a:endParaRPr>
+          </a:p>
+        </p:txBody>
+      </p:sp>
+      <p:sp>
+        <p:nvSpPr>
+          <p:cNvPr id="55" name="TextBox 54">
+            <a:extLst>
+              <a:ext uri="{FF2B5EF4-FFF2-40B4-BE49-F238E27FC236}">
+                <a16:creationId xmlns:a16="http://schemas.microsoft.com/office/drawing/2014/main" id="{47D8FBDA-F321-F6E4-1BD1-3AFD02508498}"/>
+              </a:ext>
+            </a:extLst>
+          </p:cNvPr>
+          <p:cNvSpPr txBox="1"/>
+          <p:nvPr/>
+        </p:nvSpPr>
+        <p:spPr>
+          <a:xfrm>
+            <a:off x="9488704" y="5138371"/>
+            <a:ext cx="1741585" cy="2175596"/>
+          </a:xfrm>
+          <a:prstGeom prst="rect">
+            <a:avLst/>
+          </a:prstGeom>
+          <a:noFill/>
+        </p:spPr>
+        <p:txBody>
+          <a:bodyPr wrap="square" rtlCol="0">
+            <a:spAutoFit/>
+          </a:bodyPr>
+          <a:lstStyle/>
+          <a:p>
+            <a:pPr marL="342900" indent="-342900">
+              <a:buFont typeface="Arial" panose="020B0604020202020204" pitchFamily="34" charset="0"/>
+              <a:buChar char="•"/>
+            </a:pPr>
+            <a:r>
+              <a:rPr lang="en-AU" sz="2000" kern="100" dirty="0">
+                <a:solidFill>
+                  <a:schemeClr val="bg1"/>
+                </a:solidFill>
+                <a:latin typeface="Arial Rounded MT Bold" panose="020F0704030504030204" pitchFamily="34" charset="0"/>
+                <a:ea typeface="Aptos" panose="020B0004020202020204" pitchFamily="34" charset="0"/>
+                <a:cs typeface="Times New Roman" panose="02020603050405020304" pitchFamily="18" charset="0"/>
+              </a:rPr>
+              <a:t>D3</a:t>
+            </a:r>
+          </a:p>
+          <a:p>
+            <a:pPr marL="342900" indent="-342900">
+              <a:buFont typeface="Arial" panose="020B0604020202020204" pitchFamily="34" charset="0"/>
+              <a:buChar char="•"/>
+            </a:pPr>
+            <a:r>
+              <a:rPr lang="en-AU" sz="2000" kern="100" dirty="0">
+                <a:solidFill>
+                  <a:schemeClr val="bg1"/>
+                </a:solidFill>
+                <a:latin typeface="Arial Rounded MT Bold" panose="020F0704030504030204" pitchFamily="34" charset="0"/>
+                <a:ea typeface="Aptos" panose="020B0004020202020204" pitchFamily="34" charset="0"/>
+                <a:cs typeface="Times New Roman" panose="02020603050405020304" pitchFamily="18" charset="0"/>
+              </a:rPr>
+              <a:t>Plotly</a:t>
+            </a:r>
+          </a:p>
+          <a:p>
+            <a:pPr marL="342900" indent="-342900">
+              <a:buFont typeface="Arial" panose="020B0604020202020204" pitchFamily="34" charset="0"/>
+              <a:buChar char="•"/>
+            </a:pPr>
+            <a:r>
+              <a:rPr lang="en-AU" sz="2000" kern="100" dirty="0">
+                <a:solidFill>
+                  <a:schemeClr val="bg1"/>
+                </a:solidFill>
+                <a:latin typeface="Arial Rounded MT Bold" panose="020F0704030504030204" pitchFamily="34" charset="0"/>
+                <a:ea typeface="Aptos" panose="020B0004020202020204" pitchFamily="34" charset="0"/>
+                <a:cs typeface="Times New Roman" panose="02020603050405020304" pitchFamily="18" charset="0"/>
+              </a:rPr>
+              <a:t>Leaflet</a:t>
+            </a:r>
+          </a:p>
+          <a:p>
+            <a:pPr marL="342900" indent="-342900">
+              <a:buFont typeface="Arial" panose="020B0604020202020204" pitchFamily="34" charset="0"/>
+              <a:buChar char="•"/>
+            </a:pPr>
+            <a:r>
+              <a:rPr lang="en-AU" sz="2000" kern="100" dirty="0">
+                <a:solidFill>
+                  <a:schemeClr val="bg1"/>
+                </a:solidFill>
+                <a:latin typeface="Arial Rounded MT Bold" panose="020F0704030504030204" pitchFamily="34" charset="0"/>
+                <a:ea typeface="Aptos" panose="020B0004020202020204" pitchFamily="34" charset="0"/>
+                <a:cs typeface="Times New Roman" panose="02020603050405020304" pitchFamily="18" charset="0"/>
+              </a:rPr>
+              <a:t>SQLite</a:t>
+            </a:r>
+          </a:p>
+          <a:p>
+            <a:pPr marL="342900" indent="-342900">
+              <a:buFont typeface="Arial" panose="020B0604020202020204" pitchFamily="34" charset="0"/>
+              <a:buChar char="•"/>
+            </a:pPr>
+            <a:endParaRPr lang="en-AU" sz="2400" kern="100" dirty="0">
+              <a:solidFill>
+                <a:schemeClr val="bg1"/>
+              </a:solidFill>
+              <a:latin typeface="Arial Rounded MT Bold" panose="020F0704030504030204" pitchFamily="34" charset="0"/>
+              <a:ea typeface="Aptos" panose="020B0004020202020204" pitchFamily="34" charset="0"/>
+              <a:cs typeface="Times New Roman" panose="02020603050405020304" pitchFamily="18" charset="0"/>
+            </a:endParaRPr>
+          </a:p>
+          <a:p>
+            <a:pPr>
+              <a:lnSpc>
+                <a:spcPct val="150000"/>
+              </a:lnSpc>
+            </a:pPr>
+            <a:endParaRPr lang="en-AU" sz="2400" kern="100" dirty="0">
+              <a:solidFill>
+                <a:schemeClr val="bg1"/>
+              </a:solidFill>
+              <a:effectLst/>
+              <a:latin typeface="Arial Rounded MT Bold" panose="020F0704030504030204" pitchFamily="34" charset="0"/>
+              <a:ea typeface="Aptos" panose="020B0004020202020204" pitchFamily="34" charset="0"/>
+              <a:cs typeface="Times New Roman" panose="02020603050405020304" pitchFamily="18" charset="0"/>
+            </a:endParaRPr>
+          </a:p>
+        </p:txBody>
+      </p:sp>
+      <p:sp>
+        <p:nvSpPr>
+          <p:cNvPr id="56" name="Arrow: Up 55">
+            <a:extLst>
+              <a:ext uri="{FF2B5EF4-FFF2-40B4-BE49-F238E27FC236}">
+                <a16:creationId xmlns:a16="http://schemas.microsoft.com/office/drawing/2014/main" id="{AC8A2938-8F26-3BC2-D6A4-E4CE447119C1}"/>
               </a:ext>
             </a:extLst>
           </p:cNvPr>
@@ -10924,76 +12243,13 @@
           <p:nvPr/>
         </p:nvSpPr>
         <p:spPr>
-          <a:xfrm flipH="1">
-            <a:off x="1504311" y="5323398"/>
-            <a:ext cx="1088991" cy="1040003"/>
-          </a:xfrm>
-          <a:prstGeom prst="bentArrow">
-            <a:avLst>
-              <a:gd name="adj1" fmla="val 33030"/>
-              <a:gd name="adj2" fmla="val 35628"/>
-              <a:gd name="adj3" fmla="val 45076"/>
-              <a:gd name="adj4" fmla="val 59634"/>
-            </a:avLst>
-          </a:prstGeom>
-          <a:solidFill>
-            <a:schemeClr val="bg1"/>
-          </a:solidFill>
-          <a:ln>
-            <a:solidFill>
-              <a:schemeClr val="bg1"/>
-            </a:solidFill>
-          </a:ln>
-        </p:spPr>
-        <p:style>
-          <a:lnRef idx="2">
-            <a:schemeClr val="accent1">
-              <a:shade val="15000"/>
-            </a:schemeClr>
-          </a:lnRef>
-          <a:fillRef idx="1">
-            <a:schemeClr val="accent1"/>
-          </a:fillRef>
-          <a:effectRef idx="0">
-            <a:schemeClr val="accent1"/>
-          </a:effectRef>
-          <a:fontRef idx="minor">
-            <a:schemeClr val="lt1"/>
-          </a:fontRef>
-        </p:style>
-        <p:txBody>
-          <a:bodyPr rtlCol="0" anchor="ctr"/>
-          <a:lstStyle/>
-          <a:p>
-            <a:pPr algn="ctr"/>
-            <a:endParaRPr lang="en-AU">
-              <a:solidFill>
-                <a:schemeClr val="tx1"/>
-              </a:solidFill>
-            </a:endParaRPr>
-          </a:p>
-        </p:txBody>
-      </p:sp>
-      <p:sp>
-        <p:nvSpPr>
-          <p:cNvPr id="11" name="Arrow: Up 10">
-            <a:extLst>
-              <a:ext uri="{FF2B5EF4-FFF2-40B4-BE49-F238E27FC236}">
-                <a16:creationId xmlns:a16="http://schemas.microsoft.com/office/drawing/2014/main" id="{5E00FE6D-FDB5-2C3A-41B5-E9E5DF997301}"/>
-              </a:ext>
-            </a:extLst>
-          </p:cNvPr>
-          <p:cNvSpPr/>
-          <p:nvPr/>
-        </p:nvSpPr>
-        <p:spPr>
-          <a:xfrm rot="1958402">
-            <a:off x="6047264" y="5291112"/>
-            <a:ext cx="848248" cy="1142507"/>
+          <a:xfrm rot="5400000">
+            <a:off x="6419885" y="4125392"/>
+            <a:ext cx="777426" cy="2949096"/>
           </a:xfrm>
           <a:prstGeom prst="upArrow">
             <a:avLst>
-              <a:gd name="adj1" fmla="val 38154"/>
+              <a:gd name="adj1" fmla="val 52270"/>
               <a:gd name="adj2" fmla="val 50000"/>
             </a:avLst>
           </a:prstGeom>
@@ -11027,182 +12283,84 @@
           <a:lstStyle/>
           <a:p>
             <a:pPr algn="ctr"/>
-            <a:endParaRPr lang="en-AU"/>
-          </a:p>
-        </p:txBody>
-      </p:sp>
-      <p:sp>
-        <p:nvSpPr>
-          <p:cNvPr id="12" name="Arrow: Up 11">
+            <a:endParaRPr lang="en-AU" dirty="0"/>
+          </a:p>
+        </p:txBody>
+      </p:sp>
+      <p:pic>
+        <p:nvPicPr>
+          <p:cNvPr id="2" name="Picture 1">
             <a:extLst>
               <a:ext uri="{FF2B5EF4-FFF2-40B4-BE49-F238E27FC236}">
-                <a16:creationId xmlns:a16="http://schemas.microsoft.com/office/drawing/2014/main" id="{24337853-26CA-E8C8-4B47-40EB6FC77B64}"/>
+                <a16:creationId xmlns:a16="http://schemas.microsoft.com/office/drawing/2014/main" id="{7FBFC555-A399-B3C8-2E12-5349CA132801}"/>
               </a:ext>
             </a:extLst>
           </p:cNvPr>
-          <p:cNvSpPr/>
+          <p:cNvPicPr>
+            <a:picLocks noChangeAspect="1"/>
+          </p:cNvPicPr>
           <p:nvPr/>
-        </p:nvSpPr>
-        <p:spPr>
-          <a:xfrm rot="19507982" flipH="1">
-            <a:off x="5308517" y="5303125"/>
-            <a:ext cx="848248" cy="1119697"/>
-          </a:xfrm>
-          <a:prstGeom prst="upArrow">
-            <a:avLst>
-              <a:gd name="adj1" fmla="val 38154"/>
-              <a:gd name="adj2" fmla="val 50000"/>
-            </a:avLst>
-          </a:prstGeom>
-          <a:solidFill>
-            <a:schemeClr val="bg1"/>
-          </a:solidFill>
-          <a:ln>
-            <a:solidFill>
-              <a:schemeClr val="bg1"/>
-            </a:solidFill>
-          </a:ln>
-        </p:spPr>
-        <p:style>
-          <a:lnRef idx="2">
-            <a:schemeClr val="accent1">
-              <a:shade val="15000"/>
-            </a:schemeClr>
-          </a:lnRef>
-          <a:fillRef idx="1">
-            <a:schemeClr val="accent1"/>
-          </a:fillRef>
-          <a:effectRef idx="0">
-            <a:schemeClr val="accent1"/>
-          </a:effectRef>
-          <a:fontRef idx="minor">
-            <a:schemeClr val="lt1"/>
-          </a:fontRef>
-        </p:style>
-        <p:txBody>
-          <a:bodyPr rtlCol="0" anchor="ctr"/>
-          <a:lstStyle/>
-          <a:p>
-            <a:pPr algn="ctr"/>
-            <a:endParaRPr lang="en-AU"/>
-          </a:p>
-        </p:txBody>
-      </p:sp>
-      <p:sp>
-        <p:nvSpPr>
-          <p:cNvPr id="14" name="Rectangle 13">
-            <a:extLst>
-              <a:ext uri="{FF2B5EF4-FFF2-40B4-BE49-F238E27FC236}">
-                <a16:creationId xmlns:a16="http://schemas.microsoft.com/office/drawing/2014/main" id="{E1CE9F96-12AD-D4C0-EB04-443DDDC02FE1}"/>
-              </a:ext>
-            </a:extLst>
-          </p:cNvPr>
-          <p:cNvSpPr/>
-          <p:nvPr/>
-        </p:nvSpPr>
+        </p:nvPicPr>
+        <p:blipFill>
+          <a:blip r:embed="rId3"/>
+          <a:stretch>
+            <a:fillRect/>
+          </a:stretch>
+        </p:blipFill>
         <p:spPr>
           <a:xfrm>
-            <a:off x="5939526" y="6210300"/>
-            <a:ext cx="368588" cy="211732"/>
+            <a:off x="8587994" y="1758553"/>
+            <a:ext cx="1402059" cy="1967287"/>
           </a:xfrm>
           <a:prstGeom prst="rect">
             <a:avLst/>
           </a:prstGeom>
-          <a:solidFill>
-            <a:schemeClr val="bg1"/>
-          </a:solidFill>
-          <a:ln>
-            <a:solidFill>
-              <a:schemeClr val="bg1"/>
-            </a:solidFill>
-          </a:ln>
         </p:spPr>
-        <p:style>
-          <a:lnRef idx="2">
-            <a:schemeClr val="accent1">
-              <a:shade val="15000"/>
-            </a:schemeClr>
-          </a:lnRef>
-          <a:fillRef idx="1">
-            <a:schemeClr val="accent1"/>
-          </a:fillRef>
-          <a:effectRef idx="0">
-            <a:schemeClr val="accent1"/>
-          </a:effectRef>
-          <a:fontRef idx="minor">
-            <a:schemeClr val="lt1"/>
-          </a:fontRef>
-        </p:style>
-        <p:txBody>
-          <a:bodyPr rtlCol="0" anchor="ctr"/>
-          <a:lstStyle/>
-          <a:p>
-            <a:pPr algn="ctr"/>
-            <a:endParaRPr lang="en-AU"/>
-          </a:p>
-        </p:txBody>
-      </p:sp>
-      <p:sp>
-        <p:nvSpPr>
-          <p:cNvPr id="16" name="Arrow: Up 15">
+      </p:pic>
+      <p:sp>
+        <p:nvSpPr>
+          <p:cNvPr id="3" name="TextBox 2">
             <a:extLst>
               <a:ext uri="{FF2B5EF4-FFF2-40B4-BE49-F238E27FC236}">
-                <a16:creationId xmlns:a16="http://schemas.microsoft.com/office/drawing/2014/main" id="{FF439A55-26CD-9E88-85D2-734D2756DB5C}"/>
+                <a16:creationId xmlns:a16="http://schemas.microsoft.com/office/drawing/2014/main" id="{C4B0070A-FA4B-417D-6B4E-A343C7FA3159}"/>
               </a:ext>
             </a:extLst>
           </p:cNvPr>
-          <p:cNvSpPr/>
+          <p:cNvSpPr txBox="1"/>
           <p:nvPr/>
         </p:nvSpPr>
         <p:spPr>
           <a:xfrm>
-            <a:off x="9123903" y="5335675"/>
-            <a:ext cx="848248" cy="964638"/>
+            <a:off x="9453949" y="3746012"/>
+            <a:ext cx="2377851" cy="1200329"/>
           </a:xfrm>
-          <a:prstGeom prst="upArrow">
-            <a:avLst>
-              <a:gd name="adj1" fmla="val 38154"/>
-              <a:gd name="adj2" fmla="val 50000"/>
-            </a:avLst>
+          <a:prstGeom prst="rect">
+            <a:avLst/>
           </a:prstGeom>
-          <a:solidFill>
-            <a:schemeClr val="bg1"/>
-          </a:solidFill>
-          <a:ln>
-            <a:solidFill>
-              <a:schemeClr val="bg1"/>
-            </a:solidFill>
-          </a:ln>
+          <a:noFill/>
         </p:spPr>
-        <p:style>
-          <a:lnRef idx="2">
-            <a:schemeClr val="accent1">
-              <a:shade val="15000"/>
-            </a:schemeClr>
-          </a:lnRef>
-          <a:fillRef idx="1">
-            <a:schemeClr val="accent1"/>
-          </a:fillRef>
-          <a:effectRef idx="0">
-            <a:schemeClr val="accent1"/>
-          </a:effectRef>
-          <a:fontRef idx="minor">
-            <a:schemeClr val="lt1"/>
-          </a:fontRef>
-        </p:style>
-        <p:txBody>
-          <a:bodyPr rtlCol="0" anchor="ctr"/>
+        <p:txBody>
+          <a:bodyPr wrap="square" rtlCol="0">
+            <a:spAutoFit/>
+          </a:bodyPr>
           <a:lstStyle/>
           <a:p>
-            <a:pPr algn="ctr"/>
-            <a:endParaRPr lang="en-AU"/>
+            <a:r>
+              <a:rPr lang="en-AU" sz="2400" dirty="0">
+                <a:solidFill>
+                  <a:schemeClr val="bg1"/>
+                </a:solidFill>
+                <a:latin typeface="Arial Rounded MT Bold" panose="020F0704030504030204" pitchFamily="34" charset="0"/>
+              </a:rPr>
+              <a:t>5.Interaction with the webpage</a:t>
+            </a:r>
           </a:p>
         </p:txBody>
       </p:sp>
     </p:spTree>
     <p:extLst>
       <p:ext uri="{BB962C8B-B14F-4D97-AF65-F5344CB8AC3E}">
-        <p14:creationId xmlns:p14="http://schemas.microsoft.com/office/powerpoint/2010/main" val="2840921582"/>
+        <p14:creationId xmlns:p14="http://schemas.microsoft.com/office/powerpoint/2010/main" val="3762182029"/>
       </p:ext>
     </p:extLst>
   </p:cSld>
@@ -11215,7 +12373,7 @@
 </p:sld>
 </file>
 
-<file path=ppt/slides/slide6.xml><?xml version="1.0" encoding="utf-8"?>
+<file path=ppt/slides/slide7.xml><?xml version="1.0" encoding="utf-8"?>
 <p:sld xmlns:a="http://schemas.openxmlformats.org/drawingml/2006/main" xmlns:r="http://schemas.openxmlformats.org/officeDocument/2006/relationships" xmlns:p="http://schemas.openxmlformats.org/presentationml/2006/main">
   <p:cSld>
     <p:spTree>
@@ -11759,7 +12917,7 @@
 </p:sld>
 </file>
 
-<file path=ppt/slides/slide7.xml><?xml version="1.0" encoding="utf-8"?>
+<file path=ppt/slides/slide8.xml><?xml version="1.0" encoding="utf-8"?>
 <p:sld xmlns:a="http://schemas.openxmlformats.org/drawingml/2006/main" xmlns:r="http://schemas.openxmlformats.org/officeDocument/2006/relationships" xmlns:p="http://schemas.openxmlformats.org/presentationml/2006/main">
   <p:cSld>
     <p:spTree>
@@ -12263,7 +13421,7 @@
         <p:spPr>
           <a:xfrm>
             <a:off x="458294" y="1433666"/>
-            <a:ext cx="5576775" cy="5786199"/>
+            <a:ext cx="5576775" cy="5047536"/>
           </a:xfrm>
           <a:prstGeom prst="rect">
             <a:avLst/>
@@ -12300,7 +13458,7 @@
               <a:buChar char="•"/>
             </a:pPr>
             <a:r>
-              <a:rPr lang="en-AU" sz="2400" kern="100" dirty="0">
+              <a:rPr lang="en-AU" sz="2000" kern="100" dirty="0">
                 <a:solidFill>
                   <a:schemeClr val="bg1"/>
                 </a:solidFill>
@@ -12317,7 +13475,7 @@
               <a:buChar char="•"/>
             </a:pPr>
             <a:r>
-              <a:rPr lang="en-AU" sz="2400" kern="100" dirty="0">
+              <a:rPr lang="en-AU" sz="2000" kern="100" dirty="0">
                 <a:solidFill>
                   <a:schemeClr val="bg1"/>
                 </a:solidFill>
@@ -12334,7 +13492,7 @@
               <a:buChar char="•"/>
             </a:pPr>
             <a:r>
-              <a:rPr lang="en-AU" sz="2400" kern="100" dirty="0">
+              <a:rPr lang="en-AU" sz="2000" kern="100" dirty="0">
                 <a:solidFill>
                   <a:schemeClr val="bg1"/>
                 </a:solidFill>
@@ -12351,7 +13509,7 @@
               <a:buChar char="•"/>
             </a:pPr>
             <a:r>
-              <a:rPr lang="en-AU" sz="2400" kern="100" dirty="0">
+              <a:rPr lang="en-AU" sz="2000" kern="100" dirty="0">
                 <a:solidFill>
                   <a:schemeClr val="bg1"/>
                 </a:solidFill>
@@ -12368,7 +13526,7 @@
               <a:buChar char="•"/>
             </a:pPr>
             <a:r>
-              <a:rPr lang="en-AU" sz="2400" kern="100" dirty="0">
+              <a:rPr lang="en-AU" sz="2000" kern="100" dirty="0">
                 <a:solidFill>
                   <a:schemeClr val="bg1"/>
                 </a:solidFill>
@@ -12385,7 +13543,7 @@
               <a:buChar char="•"/>
             </a:pPr>
             <a:r>
-              <a:rPr lang="en-AU" sz="2400" kern="100" dirty="0">
+              <a:rPr lang="en-AU" sz="2000" kern="100" dirty="0">
                 <a:solidFill>
                   <a:schemeClr val="bg1"/>
                 </a:solidFill>
@@ -12402,7 +13560,7 @@
               <a:buChar char="•"/>
             </a:pPr>
             <a:r>
-              <a:rPr lang="en-AU" sz="2400" kern="100" dirty="0">
+              <a:rPr lang="en-AU" sz="2000" kern="100" dirty="0">
                 <a:solidFill>
                   <a:schemeClr val="bg1"/>
                 </a:solidFill>
@@ -12419,7 +13577,7 @@
               <a:buChar char="•"/>
             </a:pPr>
             <a:r>
-              <a:rPr lang="en-AU" sz="2400" kern="100" dirty="0">
+              <a:rPr lang="en-AU" sz="2000" kern="100" dirty="0">
                 <a:solidFill>
                   <a:schemeClr val="bg1"/>
                 </a:solidFill>
@@ -12436,7 +13594,7 @@
               <a:buChar char="•"/>
             </a:pPr>
             <a:r>
-              <a:rPr lang="en-AU" sz="2400" kern="100" dirty="0">
+              <a:rPr lang="en-AU" sz="2000" kern="100" dirty="0">
                 <a:solidFill>
                   <a:schemeClr val="bg1"/>
                 </a:solidFill>
@@ -12447,7 +13605,7 @@
               <a:t>Mostly unaffected by weather </a:t>
             </a:r>
             <a:br>
-              <a:rPr lang="en-AU" sz="2400" kern="100" dirty="0">
+              <a:rPr lang="en-AU" sz="2000" kern="100" dirty="0">
                 <a:solidFill>
                   <a:schemeClr val="bg1"/>
                 </a:solidFill>
@@ -12457,7 +13615,7 @@
               </a:rPr>
             </a:br>
             <a:r>
-              <a:rPr lang="en-AU" sz="2400" kern="100" dirty="0">
+              <a:rPr lang="en-AU" sz="2000" kern="100" dirty="0">
                 <a:solidFill>
                   <a:schemeClr val="bg1"/>
                 </a:solidFill>
@@ -12474,7 +13632,7 @@
               <a:buChar char="•"/>
             </a:pPr>
             <a:r>
-              <a:rPr lang="en-AU" sz="2400" kern="100" dirty="0">
+              <a:rPr lang="en-AU" sz="2000" kern="100" dirty="0">
                 <a:solidFill>
                   <a:schemeClr val="bg1"/>
                 </a:solidFill>
@@ -12617,7 +13775,7 @@
         <p:spPr>
           <a:xfrm>
             <a:off x="6282036" y="1427526"/>
-            <a:ext cx="5576775" cy="5170646"/>
+            <a:ext cx="5576775" cy="4708981"/>
           </a:xfrm>
           <a:prstGeom prst="rect">
             <a:avLst/>
@@ -12635,7 +13793,7 @@
               <a:buChar char="•"/>
             </a:pPr>
             <a:r>
-              <a:rPr lang="en-AU" sz="2200" kern="100" dirty="0">
+              <a:rPr lang="en-AU" sz="2000" kern="100" dirty="0">
                 <a:solidFill>
                   <a:schemeClr val="bg1"/>
                 </a:solidFill>
@@ -12652,7 +13810,7 @@
               <a:buChar char="•"/>
             </a:pPr>
             <a:r>
-              <a:rPr lang="en-AU" sz="2200" kern="100" dirty="0">
+              <a:rPr lang="en-AU" sz="2000" kern="100" dirty="0">
                 <a:solidFill>
                   <a:schemeClr val="bg1"/>
                 </a:solidFill>
@@ -12669,7 +13827,7 @@
               <a:buChar char="•"/>
             </a:pPr>
             <a:r>
-              <a:rPr lang="en-AU" sz="2200" kern="100" dirty="0">
+              <a:rPr lang="en-AU" sz="2000" kern="100" dirty="0">
                 <a:solidFill>
                   <a:schemeClr val="bg1"/>
                 </a:solidFill>
@@ -12686,7 +13844,7 @@
               <a:buChar char="•"/>
             </a:pPr>
             <a:r>
-              <a:rPr lang="en-AU" sz="2200" kern="100" dirty="0">
+              <a:rPr lang="en-AU" sz="2000" kern="100" dirty="0">
                 <a:solidFill>
                   <a:schemeClr val="bg1"/>
                 </a:solidFill>
@@ -12703,7 +13861,7 @@
               <a:buChar char="•"/>
             </a:pPr>
             <a:r>
-              <a:rPr lang="en-AU" sz="2200" kern="100" dirty="0">
+              <a:rPr lang="en-AU" sz="2000" kern="100" dirty="0">
                 <a:solidFill>
                   <a:schemeClr val="bg1"/>
                 </a:solidFill>
@@ -12711,7 +13869,7 @@
                 <a:ea typeface="Aptos" panose="020B0004020202020204" pitchFamily="34" charset="0"/>
                 <a:cs typeface="Times New Roman" panose="02020603050405020304" pitchFamily="18" charset="0"/>
               </a:rPr>
-              <a:t>Car specifications most involved in crashes</a:t>
+              <a:t>Car Makes most likely to have fatalities in crashes</a:t>
             </a:r>
           </a:p>
           <a:p>
@@ -12720,7 +13878,7 @@
               <a:buChar char="•"/>
             </a:pPr>
             <a:r>
-              <a:rPr lang="en-AU" sz="2200" kern="100" dirty="0">
+              <a:rPr lang="en-AU" sz="2000" kern="100" dirty="0">
                 <a:solidFill>
                   <a:schemeClr val="bg1"/>
                 </a:solidFill>
@@ -12737,7 +13895,7 @@
               <a:buChar char="•"/>
             </a:pPr>
             <a:r>
-              <a:rPr lang="en-AU" sz="2200" kern="100" dirty="0">
+              <a:rPr lang="en-AU" sz="2000" kern="100" dirty="0">
                 <a:solidFill>
                   <a:schemeClr val="bg1"/>
                 </a:solidFill>
@@ -12754,7 +13912,7 @@
               <a:buChar char="•"/>
             </a:pPr>
             <a:r>
-              <a:rPr lang="en-AU" sz="2200" kern="100" dirty="0">
+              <a:rPr lang="en-AU" sz="2000" kern="100" dirty="0">
                 <a:solidFill>
                   <a:schemeClr val="bg1"/>
                 </a:solidFill>
@@ -12771,7 +13929,7 @@
               <a:buChar char="•"/>
             </a:pPr>
             <a:r>
-              <a:rPr lang="en-AU" sz="2200" kern="100" dirty="0">
+              <a:rPr lang="en-AU" sz="2000" kern="100" dirty="0">
                 <a:solidFill>
                   <a:schemeClr val="bg1"/>
                 </a:solidFill>
@@ -12788,7 +13946,7 @@
               <a:buChar char="•"/>
             </a:pPr>
             <a:r>
-              <a:rPr lang="en-AU" sz="2200" kern="100" dirty="0">
+              <a:rPr lang="en-AU" sz="2000" kern="100" dirty="0">
                 <a:solidFill>
                   <a:schemeClr val="bg1"/>
                 </a:solidFill>
@@ -12805,7 +13963,7 @@
               <a:buChar char="•"/>
             </a:pPr>
             <a:r>
-              <a:rPr lang="en-AU" sz="2200" kern="100" dirty="0">
+              <a:rPr lang="en-AU" sz="2000" kern="100" dirty="0">
                 <a:solidFill>
                   <a:schemeClr val="bg1"/>
                 </a:solidFill>
@@ -12822,7 +13980,7 @@
               <a:buChar char="•"/>
             </a:pPr>
             <a:r>
-              <a:rPr lang="en-AU" sz="2200" kern="100" dirty="0">
+              <a:rPr lang="en-AU" sz="2000" kern="100" dirty="0">
                 <a:solidFill>
                   <a:schemeClr val="bg1"/>
                 </a:solidFill>
@@ -12831,6 +13989,23 @@
                 <a:cs typeface="Times New Roman" panose="02020603050405020304" pitchFamily="18" charset="0"/>
               </a:rPr>
               <a:t>Wagon</a:t>
+            </a:r>
+          </a:p>
+          <a:p>
+            <a:pPr marL="1200150" lvl="2" indent="-285750">
+              <a:buFont typeface="Arial" panose="020B0604020202020204" pitchFamily="34" charset="0"/>
+              <a:buChar char="•"/>
+            </a:pPr>
+            <a:r>
+              <a:rPr lang="en-AU" sz="2000" kern="100" dirty="0">
+                <a:solidFill>
+                  <a:schemeClr val="bg1"/>
+                </a:solidFill>
+                <a:latin typeface="Arial Rounded MT Bold" panose="020F0704030504030204" pitchFamily="34" charset="0"/>
+                <a:ea typeface="Aptos" panose="020B0004020202020204" pitchFamily="34" charset="0"/>
+                <a:cs typeface="Times New Roman" panose="02020603050405020304" pitchFamily="18" charset="0"/>
+              </a:rPr>
+              <a:t>Ute </a:t>
             </a:r>
           </a:p>
         </p:txBody>
@@ -12851,7 +14026,7 @@
 </p:sld>
 </file>
 
-<file path=ppt/slides/slide8.xml><?xml version="1.0" encoding="utf-8"?>
+<file path=ppt/slides/slide9.xml><?xml version="1.0" encoding="utf-8"?>
 <p:sld xmlns:a="http://schemas.openxmlformats.org/drawingml/2006/main" xmlns:r="http://schemas.openxmlformats.org/officeDocument/2006/relationships" xmlns:p="http://schemas.openxmlformats.org/presentationml/2006/main">
   <p:cSld>
     <p:spTree>

--- a/Presentation/car_crash_slide.pptx
+++ b/Presentation/car_crash_slide.pptx
@@ -214,7 +214,7 @@
           <a:p>
             <a:fld id="{D3E239D1-F8CC-48D0-883E-0CE1482360D1}" type="datetimeFigureOut">
               <a:rPr lang="en-AU" smtClean="0"/>
-              <a:t>17/06/2024</a:t>
+              <a:t>17/6/2024</a:t>
             </a:fld>
             <a:endParaRPr lang="en-AU"/>
           </a:p>
@@ -526,40 +526,6 @@
           <a:bodyPr/>
           <a:lstStyle/>
           <a:p>
-            <a:pPr marL="0" marR="0" lvl="0" indent="0" algn="l" defTabSz="914400" rtl="0" eaLnBrk="1" fontAlgn="auto" latinLnBrk="0" hangingPunct="1">
-              <a:lnSpc>
-                <a:spcPct val="100000"/>
-              </a:lnSpc>
-              <a:spcBef>
-                <a:spcPts val="0"/>
-              </a:spcBef>
-              <a:spcAft>
-                <a:spcPts val="0"/>
-              </a:spcAft>
-              <a:buClrTx/>
-              <a:buSzTx/>
-              <a:buFontTx/>
-              <a:buNone/>
-              <a:tabLst/>
-              <a:defRPr/>
-            </a:pPr>
-            <a:r>
-              <a:rPr lang="en-AU" sz="1800" b="1" kern="100" dirty="0">
-                <a:effectLst/>
-                <a:latin typeface="Arial" panose="020B0604020202020204" pitchFamily="34" charset="0"/>
-                <a:ea typeface="Aptos" panose="020B0004020202020204" pitchFamily="34" charset="0"/>
-                <a:cs typeface="Times New Roman" panose="02020603050405020304" pitchFamily="18" charset="0"/>
-              </a:rPr>
-              <a:t>### Slide 7: Present The Dashboard Website</a:t>
-            </a:r>
-            <a:endParaRPr lang="en-AU" sz="1800" kern="100" dirty="0">
-              <a:effectLst/>
-              <a:latin typeface="Aptos" panose="020B0004020202020204" pitchFamily="34" charset="0"/>
-              <a:ea typeface="Aptos" panose="020B0004020202020204" pitchFamily="34" charset="0"/>
-              <a:cs typeface="Times New Roman" panose="02020603050405020304" pitchFamily="18" charset="0"/>
-            </a:endParaRPr>
-          </a:p>
-          <a:p>
             <a:endParaRPr lang="en-AU" sz="1800" dirty="0"/>
           </a:p>
         </p:txBody>
@@ -644,127 +610,116 @@
           <a:bodyPr/>
           <a:lstStyle/>
           <a:p>
-            <a:r>
-              <a:rPr lang="en-AU" sz="1800" b="1" kern="100" dirty="0">
-                <a:effectLst/>
-                <a:latin typeface="Arial" panose="020B0604020202020204" pitchFamily="34" charset="0"/>
-                <a:ea typeface="Aptos" panose="020B0004020202020204" pitchFamily="34" charset="0"/>
+            <a:pPr marL="514350" indent="-514350">
+              <a:buFont typeface="+mj-lt"/>
+              <a:buAutoNum type="arabicPeriod"/>
+            </a:pPr>
+            <a:r>
+              <a:rPr lang="en-AU" sz="1800" kern="100" dirty="0">
+                <a:solidFill>
+                  <a:schemeClr val="bg1"/>
+                </a:solidFill>
+                <a:latin typeface="Arial Rounded MT Bold" panose="020F0704030504030204" pitchFamily="34" charset="0"/>
                 <a:cs typeface="Times New Roman" panose="02020603050405020304" pitchFamily="18" charset="0"/>
               </a:rPr>
-              <a:t>### Slide 8: Conclusions Post Dashboard</a:t>
-            </a:r>
-            <a:endParaRPr lang="en-AU" sz="1800" kern="100" dirty="0">
-              <a:effectLst/>
-              <a:latin typeface="Aptos" panose="020B0004020202020204" pitchFamily="34" charset="0"/>
-              <a:ea typeface="Aptos" panose="020B0004020202020204" pitchFamily="34" charset="0"/>
-              <a:cs typeface="Times New Roman" panose="02020603050405020304" pitchFamily="18" charset="0"/>
-            </a:endParaRPr>
-          </a:p>
-          <a:p>
+              <a:t>PROJECT OVERVIEW (VB)</a:t>
+            </a:r>
+          </a:p>
+          <a:p>
+            <a:pPr marL="514350" indent="-514350">
+              <a:buFont typeface="+mj-lt"/>
+              <a:buAutoNum type="arabicPeriod"/>
+            </a:pPr>
             <a:r>
               <a:rPr lang="en-AU" sz="1800" kern="100" dirty="0">
-                <a:effectLst/>
-                <a:latin typeface="Arial" panose="020B0604020202020204" pitchFamily="34" charset="0"/>
-                <a:ea typeface="Aptos" panose="020B0004020202020204" pitchFamily="34" charset="0"/>
+                <a:solidFill>
+                  <a:schemeClr val="bg1"/>
+                </a:solidFill>
+                <a:latin typeface="Arial Rounded MT Bold" panose="020F0704030504030204" pitchFamily="34" charset="0"/>
                 <a:cs typeface="Times New Roman" panose="02020603050405020304" pitchFamily="18" charset="0"/>
               </a:rPr>
-              <a:t>- Key Insights:</a:t>
-            </a:r>
-            <a:endParaRPr lang="en-AU" sz="1800" kern="100" dirty="0">
-              <a:effectLst/>
-              <a:latin typeface="Aptos" panose="020B0004020202020204" pitchFamily="34" charset="0"/>
-              <a:ea typeface="Aptos" panose="020B0004020202020204" pitchFamily="34" charset="0"/>
-              <a:cs typeface="Times New Roman" panose="02020603050405020304" pitchFamily="18" charset="0"/>
-            </a:endParaRPr>
-          </a:p>
-          <a:p>
-            <a:pPr marL="342900" lvl="0" indent="-342900">
-              <a:buFont typeface="Symbol" panose="05050102010706020507" pitchFamily="18" charset="2"/>
-              <a:buChar char=""/>
+              <a:t>DATA SOURCE &amp; MANAGEMENT (VB)</a:t>
+            </a:r>
+          </a:p>
+          <a:p>
+            <a:pPr marL="514350" indent="-514350">
+              <a:buFont typeface="+mj-lt"/>
+              <a:buAutoNum type="arabicPeriod"/>
             </a:pPr>
             <a:r>
               <a:rPr lang="en-AU" sz="1800" kern="100" dirty="0">
-                <a:effectLst/>
-                <a:latin typeface="Arial" panose="020B0604020202020204" pitchFamily="34" charset="0"/>
-                <a:ea typeface="Aptos" panose="020B0004020202020204" pitchFamily="34" charset="0"/>
+                <a:solidFill>
+                  <a:schemeClr val="bg1"/>
+                </a:solidFill>
+                <a:latin typeface="Arial Rounded MT Bold" panose="020F0704030504030204" pitchFamily="34" charset="0"/>
                 <a:cs typeface="Times New Roman" panose="02020603050405020304" pitchFamily="18" charset="0"/>
               </a:rPr>
-              <a:t>Summary of findings from the dashboard.</a:t>
-            </a:r>
-            <a:endParaRPr lang="en-AU" sz="1800" kern="100" dirty="0">
-              <a:effectLst/>
-              <a:latin typeface="Aptos" panose="020B0004020202020204" pitchFamily="34" charset="0"/>
-              <a:ea typeface="Aptos" panose="020B0004020202020204" pitchFamily="34" charset="0"/>
-              <a:cs typeface="Times New Roman" panose="02020603050405020304" pitchFamily="18" charset="0"/>
-            </a:endParaRPr>
-          </a:p>
-          <a:p>
+              <a:t>ETHICAL CONSIDERATIONS (SN)</a:t>
+            </a:r>
+          </a:p>
+          <a:p>
+            <a:pPr marL="514350" indent="-514350">
+              <a:buFont typeface="+mj-lt"/>
+              <a:buAutoNum type="arabicPeriod"/>
+            </a:pPr>
             <a:r>
               <a:rPr lang="en-AU" sz="1800" kern="100" dirty="0">
-                <a:effectLst/>
-                <a:latin typeface="Arial" panose="020B0604020202020204" pitchFamily="34" charset="0"/>
-                <a:ea typeface="Aptos" panose="020B0004020202020204" pitchFamily="34" charset="0"/>
+                <a:solidFill>
+                  <a:schemeClr val="bg1"/>
+                </a:solidFill>
+                <a:latin typeface="Arial Rounded MT Bold" panose="020F0704030504030204" pitchFamily="34" charset="0"/>
                 <a:cs typeface="Times New Roman" panose="02020603050405020304" pitchFamily="18" charset="0"/>
               </a:rPr>
-              <a:t>- Next Steps:</a:t>
-            </a:r>
-            <a:endParaRPr lang="en-AU" sz="1800" kern="100" dirty="0">
-              <a:effectLst/>
-              <a:latin typeface="Aptos" panose="020B0004020202020204" pitchFamily="34" charset="0"/>
-              <a:ea typeface="Aptos" panose="020B0004020202020204" pitchFamily="34" charset="0"/>
-              <a:cs typeface="Times New Roman" panose="02020603050405020304" pitchFamily="18" charset="0"/>
-            </a:endParaRPr>
-          </a:p>
-          <a:p>
-            <a:pPr marL="342900" lvl="0" indent="-342900">
-              <a:buFont typeface="Symbol" panose="05050102010706020507" pitchFamily="18" charset="2"/>
-              <a:buChar char=""/>
+              <a:t>INTERACTING WITH THE PROJECT (SN)</a:t>
+            </a:r>
+          </a:p>
+          <a:p>
+            <a:pPr marL="514350" indent="-514350">
+              <a:buFont typeface="+mj-lt"/>
+              <a:buAutoNum type="arabicPeriod"/>
             </a:pPr>
             <a:r>
               <a:rPr lang="en-AU" sz="1800" kern="100" dirty="0">
-                <a:effectLst/>
-                <a:latin typeface="Arial" panose="020B0604020202020204" pitchFamily="34" charset="0"/>
-                <a:ea typeface="Aptos" panose="020B0004020202020204" pitchFamily="34" charset="0"/>
+                <a:solidFill>
+                  <a:schemeClr val="bg1"/>
+                </a:solidFill>
+                <a:latin typeface="Arial Rounded MT Bold" panose="020F0704030504030204" pitchFamily="34" charset="0"/>
                 <a:cs typeface="Times New Roman" panose="02020603050405020304" pitchFamily="18" charset="0"/>
               </a:rPr>
-              <a:t>Further analysis or additional visualizations.</a:t>
-            </a:r>
-            <a:endParaRPr lang="en-AU" sz="1800" kern="100" dirty="0">
-              <a:effectLst/>
-              <a:latin typeface="Aptos" panose="020B0004020202020204" pitchFamily="34" charset="0"/>
-              <a:ea typeface="Aptos" panose="020B0004020202020204" pitchFamily="34" charset="0"/>
-              <a:cs typeface="Times New Roman" panose="02020603050405020304" pitchFamily="18" charset="0"/>
-            </a:endParaRPr>
-          </a:p>
-          <a:p>
-            <a:pPr marL="342900" lvl="0" indent="-342900">
-              <a:buFont typeface="Symbol" panose="05050102010706020507" pitchFamily="18" charset="2"/>
-              <a:buChar char=""/>
+              <a:t>DEMONSTRATION OF INTERACTIVE WEBSITE (MA,JR,WD)</a:t>
+            </a:r>
+          </a:p>
+          <a:p>
+            <a:pPr marL="514350" indent="-514350">
+              <a:buFont typeface="+mj-lt"/>
+              <a:buAutoNum type="arabicPeriod"/>
             </a:pPr>
             <a:r>
               <a:rPr lang="en-AU" sz="1800" kern="100" dirty="0">
-                <a:effectLst/>
-                <a:latin typeface="Arial" panose="020B0604020202020204" pitchFamily="34" charset="0"/>
-                <a:ea typeface="Aptos" panose="020B0004020202020204" pitchFamily="34" charset="0"/>
+                <a:solidFill>
+                  <a:schemeClr val="bg1"/>
+                </a:solidFill>
+                <a:latin typeface="Arial Rounded MT Bold" panose="020F0704030504030204" pitchFamily="34" charset="0"/>
                 <a:cs typeface="Times New Roman" panose="02020603050405020304" pitchFamily="18" charset="0"/>
               </a:rPr>
-              <a:t>Potential policy recommendations based on insights.</a:t>
-            </a:r>
-          </a:p>
-          <a:p>
-            <a:pPr marL="342900" lvl="0" indent="-342900">
-              <a:buFont typeface="Symbol" panose="05050102010706020507" pitchFamily="18" charset="2"/>
-              <a:buChar char=""/>
+              <a:t>CONCLUSION (VB)</a:t>
+            </a:r>
+          </a:p>
+          <a:p>
+            <a:pPr marL="514350" indent="-514350">
+              <a:buFont typeface="+mj-lt"/>
+              <a:buAutoNum type="arabicPeriod"/>
             </a:pPr>
-            <a:endParaRPr lang="en-AU" sz="1800" kern="100" dirty="0">
-              <a:effectLst/>
-              <a:latin typeface="Aptos" panose="020B0004020202020204" pitchFamily="34" charset="0"/>
-              <a:ea typeface="Aptos" panose="020B0004020202020204" pitchFamily="34" charset="0"/>
-              <a:cs typeface="Times New Roman" panose="02020603050405020304" pitchFamily="18" charset="0"/>
-            </a:endParaRPr>
-          </a:p>
-          <a:p>
-            <a:endParaRPr lang="en-AU" sz="1800" dirty="0"/>
+            <a:r>
+              <a:rPr lang="en-AU" sz="1800" kern="100" dirty="0">
+                <a:solidFill>
+                  <a:schemeClr val="bg1"/>
+                </a:solidFill>
+                <a:latin typeface="Arial Rounded MT Bold" panose="020F0704030504030204" pitchFamily="34" charset="0"/>
+                <a:cs typeface="Times New Roman" panose="02020603050405020304" pitchFamily="18" charset="0"/>
+              </a:rPr>
+              <a:t>QUESTIONS</a:t>
+            </a:r>
           </a:p>
         </p:txBody>
       </p:sp>
@@ -2528,7 +2483,7 @@
           <a:p>
             <a:fld id="{EDB420D6-BB05-EC4D-98B6-07F26C75C360}" type="datetimeFigureOut">
               <a:rPr lang="en-AU" smtClean="0"/>
-              <a:t>17/06/2024</a:t>
+              <a:t>17/6/2024</a:t>
             </a:fld>
             <a:endParaRPr lang="en-AU"/>
           </a:p>
@@ -2728,7 +2683,7 @@
           <a:p>
             <a:fld id="{EDB420D6-BB05-EC4D-98B6-07F26C75C360}" type="datetimeFigureOut">
               <a:rPr lang="en-AU" smtClean="0"/>
-              <a:t>17/06/2024</a:t>
+              <a:t>17/6/2024</a:t>
             </a:fld>
             <a:endParaRPr lang="en-AU"/>
           </a:p>
@@ -2938,7 +2893,7 @@
           <a:p>
             <a:fld id="{EDB420D6-BB05-EC4D-98B6-07F26C75C360}" type="datetimeFigureOut">
               <a:rPr lang="en-AU" smtClean="0"/>
-              <a:t>17/06/2024</a:t>
+              <a:t>17/6/2024</a:t>
             </a:fld>
             <a:endParaRPr lang="en-AU"/>
           </a:p>
@@ -3138,7 +3093,7 @@
           <a:p>
             <a:fld id="{EDB420D6-BB05-EC4D-98B6-07F26C75C360}" type="datetimeFigureOut">
               <a:rPr lang="en-AU" smtClean="0"/>
-              <a:t>17/06/2024</a:t>
+              <a:t>17/6/2024</a:t>
             </a:fld>
             <a:endParaRPr lang="en-AU"/>
           </a:p>
@@ -3414,7 +3369,7 @@
           <a:p>
             <a:fld id="{EDB420D6-BB05-EC4D-98B6-07F26C75C360}" type="datetimeFigureOut">
               <a:rPr lang="en-AU" smtClean="0"/>
-              <a:t>17/06/2024</a:t>
+              <a:t>17/6/2024</a:t>
             </a:fld>
             <a:endParaRPr lang="en-AU"/>
           </a:p>
@@ -3682,7 +3637,7 @@
           <a:p>
             <a:fld id="{EDB420D6-BB05-EC4D-98B6-07F26C75C360}" type="datetimeFigureOut">
               <a:rPr lang="en-AU" smtClean="0"/>
-              <a:t>17/06/2024</a:t>
+              <a:t>17/6/2024</a:t>
             </a:fld>
             <a:endParaRPr lang="en-AU"/>
           </a:p>
@@ -4097,7 +4052,7 @@
           <a:p>
             <a:fld id="{EDB420D6-BB05-EC4D-98B6-07F26C75C360}" type="datetimeFigureOut">
               <a:rPr lang="en-AU" smtClean="0"/>
-              <a:t>17/06/2024</a:t>
+              <a:t>17/6/2024</a:t>
             </a:fld>
             <a:endParaRPr lang="en-AU"/>
           </a:p>
@@ -4239,7 +4194,7 @@
           <a:p>
             <a:fld id="{EDB420D6-BB05-EC4D-98B6-07F26C75C360}" type="datetimeFigureOut">
               <a:rPr lang="en-AU" smtClean="0"/>
-              <a:t>17/06/2024</a:t>
+              <a:t>17/6/2024</a:t>
             </a:fld>
             <a:endParaRPr lang="en-AU"/>
           </a:p>
@@ -4352,7 +4307,7 @@
           <a:p>
             <a:fld id="{EDB420D6-BB05-EC4D-98B6-07F26C75C360}" type="datetimeFigureOut">
               <a:rPr lang="en-AU" smtClean="0"/>
-              <a:t>17/06/2024</a:t>
+              <a:t>17/6/2024</a:t>
             </a:fld>
             <a:endParaRPr lang="en-AU"/>
           </a:p>
@@ -4665,7 +4620,7 @@
           <a:p>
             <a:fld id="{EDB420D6-BB05-EC4D-98B6-07F26C75C360}" type="datetimeFigureOut">
               <a:rPr lang="en-AU" smtClean="0"/>
-              <a:t>17/06/2024</a:t>
+              <a:t>17/6/2024</a:t>
             </a:fld>
             <a:endParaRPr lang="en-AU"/>
           </a:p>
@@ -4954,7 +4909,7 @@
           <a:p>
             <a:fld id="{EDB420D6-BB05-EC4D-98B6-07F26C75C360}" type="datetimeFigureOut">
               <a:rPr lang="en-AU" smtClean="0"/>
-              <a:t>17/06/2024</a:t>
+              <a:t>17/6/2024</a:t>
             </a:fld>
             <a:endParaRPr lang="en-AU"/>
           </a:p>
@@ -5197,7 +5152,7 @@
           <a:p>
             <a:fld id="{EDB420D6-BB05-EC4D-98B6-07F26C75C360}" type="datetimeFigureOut">
               <a:rPr lang="en-AU" smtClean="0"/>
-              <a:t>17/06/2024</a:t>
+              <a:t>17/6/2024</a:t>
             </a:fld>
             <a:endParaRPr lang="en-AU"/>
           </a:p>
@@ -6893,7 +6848,7 @@
         <p:spPr>
           <a:xfrm>
             <a:off x="534155" y="471584"/>
-            <a:ext cx="4292821" cy="646986"/>
+            <a:ext cx="6662775" cy="646986"/>
           </a:xfrm>
           <a:prstGeom prst="roundRect">
             <a:avLst/>
@@ -6908,13 +6863,14 @@
           </a:bodyPr>
           <a:lstStyle/>
           <a:p>
+            <a:pPr algn="dist"/>
             <a:r>
               <a:rPr lang="en-AU" sz="3200" dirty="0">
                 <a:latin typeface="Arial Rounded MT Bold" panose="020F0704030504030204" pitchFamily="34" charset="0"/>
                 <a:ea typeface="ADLaM Display" panose="020F0502020204030204" pitchFamily="2" charset="0"/>
                 <a:cs typeface="ADLaM Display" panose="020F0502020204030204" pitchFamily="2" charset="0"/>
               </a:rPr>
-              <a:t>OUTLINE</a:t>
+              <a:t>PRESENTATION OUTLINE</a:t>
             </a:r>
           </a:p>
         </p:txBody>
@@ -6976,8 +6932,8 @@
         </p:nvSpPr>
         <p:spPr>
           <a:xfrm>
-            <a:off x="699950" y="1755258"/>
-            <a:ext cx="8829875" cy="3785652"/>
+            <a:off x="3935983" y="1908346"/>
+            <a:ext cx="7615894" cy="3785652"/>
           </a:xfrm>
           <a:prstGeom prst="rect">
             <a:avLst/>
@@ -6990,108 +6946,108 @@
           </a:bodyPr>
           <a:lstStyle/>
           <a:p>
-            <a:pPr marL="285750" indent="-285750">
-              <a:buFont typeface="Arial" panose="020B0604020202020204" pitchFamily="34" charset="0"/>
-              <a:buChar char="•"/>
+            <a:pPr marL="514350" indent="-514350">
+              <a:buFont typeface="+mj-lt"/>
+              <a:buAutoNum type="arabicPeriod"/>
             </a:pPr>
             <a:r>
-              <a:rPr lang="en-AU" sz="2000" kern="100" dirty="0">
+              <a:rPr lang="en-AU" sz="3000" kern="100" dirty="0">
                 <a:solidFill>
                   <a:schemeClr val="bg1"/>
                 </a:solidFill>
                 <a:latin typeface="Arial Rounded MT Bold" panose="020F0704030504030204" pitchFamily="34" charset="0"/>
                 <a:cs typeface="Times New Roman" panose="02020603050405020304" pitchFamily="18" charset="0"/>
               </a:rPr>
-              <a:t>PROJECT OVERVIEW (VB)</a:t>
-            </a:r>
-          </a:p>
-          <a:p>
-            <a:pPr marL="285750" indent="-285750">
-              <a:buFont typeface="Arial" panose="020B0604020202020204" pitchFamily="34" charset="0"/>
-              <a:buChar char="•"/>
+              <a:t>PROJECT OVERVIEW </a:t>
+            </a:r>
+          </a:p>
+          <a:p>
+            <a:pPr marL="514350" indent="-514350">
+              <a:buFont typeface="+mj-lt"/>
+              <a:buAutoNum type="arabicPeriod"/>
             </a:pPr>
             <a:r>
-              <a:rPr lang="en-AU" sz="2000" kern="100" dirty="0">
+              <a:rPr lang="en-AU" sz="3000" kern="100" dirty="0">
                 <a:solidFill>
                   <a:schemeClr val="bg1"/>
                 </a:solidFill>
                 <a:latin typeface="Arial Rounded MT Bold" panose="020F0704030504030204" pitchFamily="34" charset="0"/>
                 <a:cs typeface="Times New Roman" panose="02020603050405020304" pitchFamily="18" charset="0"/>
               </a:rPr>
-              <a:t>DATA SOURCE &amp; MANAGEMENT (VB)</a:t>
-            </a:r>
-          </a:p>
-          <a:p>
-            <a:pPr marL="285750" indent="-285750">
-              <a:buFont typeface="Arial" panose="020B0604020202020204" pitchFamily="34" charset="0"/>
-              <a:buChar char="•"/>
+              <a:t>DATA SOURCE &amp; MANAGEMENT </a:t>
+            </a:r>
+          </a:p>
+          <a:p>
+            <a:pPr marL="514350" indent="-514350">
+              <a:buFont typeface="+mj-lt"/>
+              <a:buAutoNum type="arabicPeriod"/>
             </a:pPr>
             <a:r>
-              <a:rPr lang="en-AU" sz="2000" kern="100" dirty="0">
+              <a:rPr lang="en-AU" sz="3000" kern="100" dirty="0">
                 <a:solidFill>
                   <a:schemeClr val="bg1"/>
                 </a:solidFill>
                 <a:latin typeface="Arial Rounded MT Bold" panose="020F0704030504030204" pitchFamily="34" charset="0"/>
                 <a:cs typeface="Times New Roman" panose="02020603050405020304" pitchFamily="18" charset="0"/>
               </a:rPr>
-              <a:t>ETHICAL CONSIDERATIONS (SN)</a:t>
-            </a:r>
-          </a:p>
-          <a:p>
-            <a:pPr marL="285750" indent="-285750">
-              <a:buFont typeface="Arial" panose="020B0604020202020204" pitchFamily="34" charset="0"/>
-              <a:buChar char="•"/>
+              <a:t>ETHICAL CONSIDERATIONS </a:t>
+            </a:r>
+          </a:p>
+          <a:p>
+            <a:pPr marL="514350" indent="-514350">
+              <a:buFont typeface="+mj-lt"/>
+              <a:buAutoNum type="arabicPeriod"/>
             </a:pPr>
             <a:r>
-              <a:rPr lang="en-AU" sz="2000" kern="100" dirty="0">
+              <a:rPr lang="en-AU" sz="3000" kern="100" dirty="0">
                 <a:solidFill>
                   <a:schemeClr val="bg1"/>
                 </a:solidFill>
                 <a:latin typeface="Arial Rounded MT Bold" panose="020F0704030504030204" pitchFamily="34" charset="0"/>
                 <a:cs typeface="Times New Roman" panose="02020603050405020304" pitchFamily="18" charset="0"/>
               </a:rPr>
-              <a:t>VISUALISATION CODING PROCESS (SN)</a:t>
-            </a:r>
-          </a:p>
-          <a:p>
-            <a:pPr marL="285750" indent="-285750">
-              <a:buFont typeface="Arial" panose="020B0604020202020204" pitchFamily="34" charset="0"/>
-              <a:buChar char="•"/>
+              <a:t>INTERACTING WITH THE PROJECT </a:t>
+            </a:r>
+          </a:p>
+          <a:p>
+            <a:pPr marL="514350" indent="-514350">
+              <a:buFont typeface="+mj-lt"/>
+              <a:buAutoNum type="arabicPeriod"/>
             </a:pPr>
             <a:r>
-              <a:rPr lang="en-AU" sz="2000" kern="100" dirty="0">
+              <a:rPr lang="en-AU" sz="3000" kern="100" dirty="0">
                 <a:solidFill>
                   <a:schemeClr val="bg1"/>
                 </a:solidFill>
                 <a:latin typeface="Arial Rounded MT Bold" panose="020F0704030504030204" pitchFamily="34" charset="0"/>
                 <a:cs typeface="Times New Roman" panose="02020603050405020304" pitchFamily="18" charset="0"/>
               </a:rPr>
-              <a:t>DEMONSTRATION OF INTERACTIVE WEBSITE (MA,JR,WD)</a:t>
-            </a:r>
-          </a:p>
-          <a:p>
-            <a:pPr marL="285750" indent="-285750">
-              <a:buFont typeface="Arial" panose="020B0604020202020204" pitchFamily="34" charset="0"/>
-              <a:buChar char="•"/>
+              <a:t>DEMONSTRATION OF INTERACTIVE WEBSITE </a:t>
+            </a:r>
+          </a:p>
+          <a:p>
+            <a:pPr marL="514350" indent="-514350">
+              <a:buFont typeface="+mj-lt"/>
+              <a:buAutoNum type="arabicPeriod"/>
             </a:pPr>
             <a:r>
-              <a:rPr lang="en-AU" sz="2000" kern="100" dirty="0">
+              <a:rPr lang="en-AU" sz="3000" kern="100" dirty="0">
                 <a:solidFill>
                   <a:schemeClr val="bg1"/>
                 </a:solidFill>
                 <a:latin typeface="Arial Rounded MT Bold" panose="020F0704030504030204" pitchFamily="34" charset="0"/>
                 <a:cs typeface="Times New Roman" panose="02020603050405020304" pitchFamily="18" charset="0"/>
               </a:rPr>
-              <a:t>CONCLUSION (VB)</a:t>
-            </a:r>
-          </a:p>
-          <a:p>
-            <a:pPr marL="285750" indent="-285750">
-              <a:buFont typeface="Arial" panose="020B0604020202020204" pitchFamily="34" charset="0"/>
-              <a:buChar char="•"/>
+              <a:t>CONCLUSION </a:t>
+            </a:r>
+          </a:p>
+          <a:p>
+            <a:pPr marL="514350" indent="-514350">
+              <a:buFont typeface="+mj-lt"/>
+              <a:buAutoNum type="arabicPeriod"/>
             </a:pPr>
             <a:r>
-              <a:rPr lang="en-AU" sz="2000" kern="100" dirty="0">
+              <a:rPr lang="en-AU" sz="3000" kern="100" dirty="0">
                 <a:solidFill>
                   <a:schemeClr val="bg1"/>
                 </a:solidFill>
@@ -7101,65 +7057,67 @@
               <a:t>QUESTIONS</a:t>
             </a:r>
           </a:p>
-          <a:p>
-            <a:pPr indent="-285750">
-              <a:buFont typeface="Arial" panose="020B0604020202020204" pitchFamily="34" charset="0"/>
-              <a:buChar char="•"/>
-            </a:pPr>
-            <a:endParaRPr lang="en-AU" sz="2000" dirty="0">
-              <a:latin typeface="Arial Rounded MT Bold" panose="020F0704030504030204" pitchFamily="34" charset="0"/>
-              <a:ea typeface="ADLaM Display" panose="020F0502020204030204" pitchFamily="2" charset="0"/>
-              <a:cs typeface="ADLaM Display" panose="020F0502020204030204" pitchFamily="2" charset="0"/>
-            </a:endParaRPr>
-          </a:p>
-          <a:p>
-            <a:pPr indent="-285750">
-              <a:buFont typeface="Arial" panose="020B0604020202020204" pitchFamily="34" charset="0"/>
-              <a:buChar char="•"/>
-            </a:pPr>
-            <a:endParaRPr lang="en-AU" sz="2000" dirty="0">
-              <a:latin typeface="Arial Rounded MT Bold" panose="020F0704030504030204" pitchFamily="34" charset="0"/>
-              <a:ea typeface="ADLaM Display" panose="020F0502020204030204" pitchFamily="2" charset="0"/>
-              <a:cs typeface="ADLaM Display" panose="020F0502020204030204" pitchFamily="2" charset="0"/>
-            </a:endParaRPr>
-          </a:p>
-          <a:p>
-            <a:pPr indent="-285750">
-              <a:buFont typeface="Arial" panose="020B0604020202020204" pitchFamily="34" charset="0"/>
-              <a:buChar char="•"/>
-            </a:pPr>
-            <a:endParaRPr lang="en-AU" sz="2000" kern="100" dirty="0">
+        </p:txBody>
+      </p:sp>
+      <p:sp>
+        <p:nvSpPr>
+          <p:cNvPr id="2" name="Arrow: Bent 1">
+            <a:extLst>
+              <a:ext uri="{FF2B5EF4-FFF2-40B4-BE49-F238E27FC236}">
+                <a16:creationId xmlns:a16="http://schemas.microsoft.com/office/drawing/2014/main" id="{59EFF88A-8676-EC9A-F893-305811CB133D}"/>
+              </a:ext>
+            </a:extLst>
+          </p:cNvPr>
+          <p:cNvSpPr/>
+          <p:nvPr/>
+        </p:nvSpPr>
+        <p:spPr>
+          <a:xfrm flipH="1">
+            <a:off x="972630" y="2528610"/>
+            <a:ext cx="2052895" cy="2545124"/>
+          </a:xfrm>
+          <a:prstGeom prst="bentArrow">
+            <a:avLst>
+              <a:gd name="adj1" fmla="val 30583"/>
+              <a:gd name="adj2" fmla="val 35628"/>
+              <a:gd name="adj3" fmla="val 45076"/>
+              <a:gd name="adj4" fmla="val 59634"/>
+            </a:avLst>
+          </a:prstGeom>
+          <a:solidFill>
+            <a:schemeClr val="bg1"/>
+          </a:solidFill>
+          <a:ln>
+            <a:solidFill>
+              <a:schemeClr val="bg1"/>
+            </a:solidFill>
+          </a:ln>
+        </p:spPr>
+        <p:style>
+          <a:lnRef idx="2">
+            <a:schemeClr val="accent1">
+              <a:shade val="15000"/>
+            </a:schemeClr>
+          </a:lnRef>
+          <a:fillRef idx="1">
+            <a:schemeClr val="accent1"/>
+          </a:fillRef>
+          <a:effectRef idx="0">
+            <a:schemeClr val="accent1"/>
+          </a:effectRef>
+          <a:fontRef idx="minor">
+            <a:schemeClr val="lt1"/>
+          </a:fontRef>
+        </p:style>
+        <p:txBody>
+          <a:bodyPr rtlCol="0" anchor="ctr"/>
+          <a:lstStyle/>
+          <a:p>
+            <a:pPr algn="ctr"/>
+            <a:endParaRPr lang="en-AU">
               <a:solidFill>
-                <a:schemeClr val="bg1"/>
+                <a:schemeClr val="tx1"/>
               </a:solidFill>
-              <a:latin typeface="Arial Rounded MT Bold" panose="020F0704030504030204" pitchFamily="34" charset="0"/>
-              <a:cs typeface="Times New Roman" panose="02020603050405020304" pitchFamily="18" charset="0"/>
-            </a:endParaRPr>
-          </a:p>
-          <a:p>
-            <a:pPr indent="-285750">
-              <a:buFont typeface="Arial" panose="020B0604020202020204" pitchFamily="34" charset="0"/>
-              <a:buChar char="•"/>
-            </a:pPr>
-            <a:endParaRPr lang="en-AU" sz="2000" kern="100" dirty="0">
-              <a:solidFill>
-                <a:schemeClr val="bg1"/>
-              </a:solidFill>
-              <a:latin typeface="Arial Rounded MT Bold" panose="020F0704030504030204" pitchFamily="34" charset="0"/>
-              <a:cs typeface="Times New Roman" panose="02020603050405020304" pitchFamily="18" charset="0"/>
-            </a:endParaRPr>
-          </a:p>
-          <a:p>
-            <a:pPr indent="-285750">
-              <a:buFont typeface="Arial" panose="020B0604020202020204" pitchFamily="34" charset="0"/>
-              <a:buChar char="•"/>
-            </a:pPr>
-            <a:endParaRPr lang="en-AU" sz="2000" kern="100" dirty="0">
-              <a:solidFill>
-                <a:schemeClr val="bg1"/>
-              </a:solidFill>
-              <a:latin typeface="Arial Rounded MT Bold" panose="020F0704030504030204" pitchFamily="34" charset="0"/>
-              <a:cs typeface="Times New Roman" panose="02020603050405020304" pitchFamily="18" charset="0"/>
             </a:endParaRPr>
           </a:p>
         </p:txBody>
@@ -7174,9 +7132,18 @@
   <p:clrMapOvr>
     <a:masterClrMapping/>
   </p:clrMapOvr>
-  <p:transition spd="slow">
-    <p:push dir="u"/>
-  </p:transition>
+  <mc:AlternateContent xmlns:mc="http://schemas.openxmlformats.org/markup-compatibility/2006" xmlns:p14="http://schemas.microsoft.com/office/powerpoint/2010/main">
+    <mc:Choice Requires="p14">
+      <p:transition spd="slow" p14:dur="1400">
+        <p14:doors dir="vert"/>
+      </p:transition>
+    </mc:Choice>
+    <mc:Fallback xmlns="">
+      <p:transition spd="slow">
+        <p:fade/>
+      </p:transition>
+    </mc:Fallback>
+  </mc:AlternateContent>
 </p:sld>
 </file>
 
@@ -7848,7 +7815,7 @@
                 <a:ea typeface="Aptos" panose="020B0004020202020204" pitchFamily="34" charset="0"/>
                 <a:cs typeface="Times New Roman" panose="02020603050405020304" pitchFamily="18" charset="0"/>
               </a:rPr>
-              <a:t>Car manufacturers and fatalities</a:t>
+              <a:t>Car manufacturers &amp; fatalities</a:t>
             </a:r>
           </a:p>
         </p:txBody>
@@ -7868,7 +7835,7 @@
         <p:spPr>
           <a:xfrm>
             <a:off x="6299488" y="1436914"/>
-            <a:ext cx="5464613" cy="3693319"/>
+            <a:ext cx="5464613" cy="3447098"/>
           </a:xfrm>
           <a:prstGeom prst="rect">
             <a:avLst/>
@@ -7904,7 +7871,7 @@
               <a:buChar char="•"/>
             </a:pPr>
             <a:r>
-              <a:rPr lang="en-AU" sz="2400" kern="100" dirty="0">
+              <a:rPr lang="en-AU" sz="2200" kern="100" dirty="0">
                 <a:solidFill>
                   <a:schemeClr val="bg1"/>
                 </a:solidFill>
@@ -7921,7 +7888,7 @@
               <a:buChar char="•"/>
             </a:pPr>
             <a:r>
-              <a:rPr lang="en-AU" sz="2400" kern="100" dirty="0">
+              <a:rPr lang="en-AU" sz="2200" kern="100" dirty="0">
                 <a:solidFill>
                   <a:schemeClr val="bg1"/>
                 </a:solidFill>
@@ -7938,7 +7905,7 @@
               <a:buChar char="•"/>
             </a:pPr>
             <a:r>
-              <a:rPr lang="en-AU" sz="2400" kern="100" dirty="0">
+              <a:rPr lang="en-AU" sz="2200" kern="100" dirty="0">
                 <a:solidFill>
                   <a:schemeClr val="bg1"/>
                 </a:solidFill>
@@ -7955,7 +7922,7 @@
               <a:buChar char="•"/>
             </a:pPr>
             <a:r>
-              <a:rPr lang="en-AU" sz="2400" kern="100" dirty="0">
+              <a:rPr lang="en-AU" sz="2200" kern="100" dirty="0">
                 <a:solidFill>
                   <a:schemeClr val="bg1"/>
                 </a:solidFill>
@@ -7972,7 +7939,7 @@
               <a:buChar char="•"/>
             </a:pPr>
             <a:r>
-              <a:rPr lang="en-AU" sz="2400" kern="100" dirty="0">
+              <a:rPr lang="en-AU" sz="2200" kern="100" dirty="0">
                 <a:solidFill>
                   <a:schemeClr val="bg1"/>
                 </a:solidFill>
@@ -7989,7 +7956,7 @@
               <a:buChar char="•"/>
             </a:pPr>
             <a:r>
-              <a:rPr lang="en-AU" sz="2400" kern="100" dirty="0">
+              <a:rPr lang="en-AU" sz="2200" kern="100" dirty="0">
                 <a:solidFill>
                   <a:schemeClr val="bg1"/>
                 </a:solidFill>
@@ -8006,7 +7973,7 @@
               <a:buChar char="•"/>
             </a:pPr>
             <a:r>
-              <a:rPr lang="en-AU" sz="2400" kern="100" dirty="0">
+              <a:rPr lang="en-AU" sz="2200" kern="100" dirty="0">
                 <a:solidFill>
                   <a:schemeClr val="bg1"/>
                 </a:solidFill>
@@ -8450,7 +8417,7 @@
         </p:nvSpPr>
         <p:spPr>
           <a:xfrm>
-            <a:off x="2745552" y="3299648"/>
+            <a:off x="2745552" y="2978103"/>
             <a:ext cx="3675220" cy="707886"/>
           </a:xfrm>
           <a:prstGeom prst="rect">
@@ -8509,18 +8476,9 @@
   <p:clrMapOvr>
     <a:masterClrMapping/>
   </p:clrMapOvr>
-  <mc:AlternateContent xmlns:mc="http://schemas.openxmlformats.org/markup-compatibility/2006" xmlns:p14="http://schemas.microsoft.com/office/powerpoint/2010/main">
-    <mc:Choice Requires="p14">
-      <p:transition spd="slow" p14:dur="1400">
-        <p14:doors dir="vert"/>
-      </p:transition>
-    </mc:Choice>
-    <mc:Fallback xmlns="">
-      <p:transition spd="slow">
-        <p:fade/>
-      </p:transition>
-    </mc:Fallback>
-  </mc:AlternateContent>
+  <p:transition spd="slow">
+    <p:push dir="u"/>
+  </p:transition>
 </p:sld>
 </file>
 
@@ -8986,7 +8944,7 @@
         <p:spPr>
           <a:xfrm>
             <a:off x="550484" y="482470"/>
-            <a:ext cx="7958516" cy="646986"/>
+            <a:ext cx="8261920" cy="646986"/>
           </a:xfrm>
           <a:prstGeom prst="roundRect">
             <a:avLst/>
@@ -9028,7 +8986,7 @@
         <p:spPr>
           <a:xfrm>
             <a:off x="458294" y="1433666"/>
-            <a:ext cx="5576775" cy="3539430"/>
+            <a:ext cx="5576775" cy="3200876"/>
           </a:xfrm>
           <a:prstGeom prst="rect">
             <a:avLst/>
@@ -9126,7 +9084,7 @@
                 <a:ea typeface="Aptos" panose="020B0004020202020204" pitchFamily="34" charset="0"/>
                 <a:cs typeface="Times New Roman" panose="02020603050405020304" pitchFamily="18" charset="0"/>
               </a:rPr>
-              <a:t>https://discover.data.vic.gov.au/dataset/</a:t>
+              <a:t>https://discover.data.vic.gov.au/</a:t>
             </a:r>
             <a:br>
               <a:rPr lang="en-AU" sz="2200" u="sng" kern="100" dirty="0">
@@ -9149,7 +9107,7 @@
                 <a:ea typeface="Aptos" panose="020B0004020202020204" pitchFamily="34" charset="0"/>
                 <a:cs typeface="Times New Roman" panose="02020603050405020304" pitchFamily="18" charset="0"/>
               </a:rPr>
-              <a:t>victoria-road-crash-data </a:t>
+              <a:t>dataset/victoria-road-crash-data </a:t>
             </a:r>
           </a:p>
           <a:p>
@@ -10289,7 +10247,7 @@
         <p:spPr>
           <a:xfrm>
             <a:off x="458294" y="1433666"/>
-            <a:ext cx="7069177" cy="3985706"/>
+            <a:ext cx="8427379" cy="3985706"/>
           </a:xfrm>
           <a:prstGeom prst="rect">
             <a:avLst/>
@@ -10316,7 +10274,7 @@
                 <a:ea typeface="Aptos" panose="020B0004020202020204" pitchFamily="34" charset="0"/>
                 <a:cs typeface="Times New Roman" panose="02020603050405020304" pitchFamily="18" charset="0"/>
               </a:rPr>
-              <a:t>Data Usage and Privacy of Information</a:t>
+              <a:t>DATA USAGE AND PRIVACY OF INFORMATION</a:t>
             </a:r>
           </a:p>
           <a:p>
@@ -10400,7 +10358,26 @@
                 <a:latin typeface="Arial Rounded MT Bold" panose="020F0704030504030204" pitchFamily="34" charset="0"/>
                 <a:cs typeface="Times New Roman" panose="02020603050405020304" pitchFamily="18" charset="0"/>
               </a:rPr>
-              <a:t>Freedom of Information Act 1982 (Vic) mandates public sector</a:t>
+              <a:t>Freedom of Information Act 1982 (Vic) </a:t>
+            </a:r>
+            <a:br>
+              <a:rPr lang="en-AU" sz="2100" kern="100" dirty="0">
+                <a:solidFill>
+                  <a:schemeClr val="bg1"/>
+                </a:solidFill>
+                <a:latin typeface="Arial Rounded MT Bold" panose="020F0704030504030204" pitchFamily="34" charset="0"/>
+                <a:cs typeface="Times New Roman" panose="02020603050405020304" pitchFamily="18" charset="0"/>
+              </a:rPr>
+            </a:br>
+            <a:r>
+              <a:rPr lang="en-AU" sz="2100" kern="100" dirty="0">
+                <a:solidFill>
+                  <a:schemeClr val="bg1"/>
+                </a:solidFill>
+                <a:latin typeface="Arial Rounded MT Bold" panose="020F0704030504030204" pitchFamily="34" charset="0"/>
+                <a:cs typeface="Times New Roman" panose="02020603050405020304" pitchFamily="18" charset="0"/>
+              </a:rPr>
+              <a:t>mandates public sector</a:t>
             </a:r>
             <a:endParaRPr lang="en-AU" sz="2100" kern="100" dirty="0">
               <a:solidFill>
@@ -10424,18 +10401,17 @@
                 <a:latin typeface="Arial Rounded MT Bold" panose="020F0704030504030204" pitchFamily="34" charset="0"/>
                 <a:cs typeface="Times New Roman" panose="02020603050405020304" pitchFamily="18" charset="0"/>
               </a:rPr>
-              <a:t>Use of </a:t>
-            </a:r>
-            <a:r>
-              <a:rPr lang="en-AU" sz="2100" kern="100" dirty="0" err="1">
+              <a:t>Use of DataVic’s data is endorsed and </a:t>
+            </a:r>
+            <a:br>
+              <a:rPr lang="en-AU" sz="2100" kern="100" dirty="0">
                 <a:solidFill>
                   <a:schemeClr val="bg1"/>
                 </a:solidFill>
                 <a:latin typeface="Arial Rounded MT Bold" panose="020F0704030504030204" pitchFamily="34" charset="0"/>
                 <a:cs typeface="Times New Roman" panose="02020603050405020304" pitchFamily="18" charset="0"/>
               </a:rPr>
-              <a:t>DataVic’s</a:t>
-            </a:r>
+            </a:br>
             <a:r>
               <a:rPr lang="en-AU" sz="2100" kern="100" dirty="0">
                 <a:solidFill>
@@ -10444,7 +10420,7 @@
                 <a:latin typeface="Arial Rounded MT Bold" panose="020F0704030504030204" pitchFamily="34" charset="0"/>
                 <a:cs typeface="Times New Roman" panose="02020603050405020304" pitchFamily="18" charset="0"/>
               </a:rPr>
-              <a:t> data is endorsed and encouraged</a:t>
+              <a:t>encouraged</a:t>
             </a:r>
           </a:p>
           <a:p>
@@ -10865,8 +10841,8 @@
         </p:nvSpPr>
         <p:spPr>
           <a:xfrm>
-            <a:off x="7740127" y="1904104"/>
-            <a:ext cx="3856617" cy="3323987"/>
+            <a:off x="6582388" y="2110407"/>
+            <a:ext cx="5015196" cy="2354491"/>
           </a:xfrm>
           <a:prstGeom prst="rect">
             <a:avLst/>
@@ -10892,29 +10868,7 @@
                 <a:ea typeface="Aptos" panose="020B0004020202020204" pitchFamily="34" charset="0"/>
                 <a:cs typeface="Times New Roman" panose="02020603050405020304" pitchFamily="18" charset="0"/>
               </a:rPr>
-              <a:t>Projects database built on </a:t>
-            </a:r>
-            <a:r>
-              <a:rPr lang="en-AU" sz="2100" kern="100" dirty="0" err="1">
-                <a:solidFill>
-                  <a:schemeClr val="bg1"/>
-                </a:solidFill>
-                <a:latin typeface="Arial Rounded MT Bold" panose="020F0704030504030204" pitchFamily="34" charset="0"/>
-                <a:ea typeface="Aptos" panose="020B0004020202020204" pitchFamily="34" charset="0"/>
-                <a:cs typeface="Times New Roman" panose="02020603050405020304" pitchFamily="18" charset="0"/>
-              </a:rPr>
-              <a:t>SQlite</a:t>
-            </a:r>
-            <a:r>
-              <a:rPr lang="en-AU" sz="2100" kern="100" dirty="0">
-                <a:solidFill>
-                  <a:schemeClr val="bg1"/>
-                </a:solidFill>
-                <a:latin typeface="Arial Rounded MT Bold" panose="020F0704030504030204" pitchFamily="34" charset="0"/>
-                <a:ea typeface="Aptos" panose="020B0004020202020204" pitchFamily="34" charset="0"/>
-                <a:cs typeface="Times New Roman" panose="02020603050405020304" pitchFamily="18" charset="0"/>
-              </a:rPr>
-              <a:t> excludes personal identifiers</a:t>
+              <a:t>Project’s database built on SQLite excludes personal identifiers</a:t>
             </a:r>
           </a:p>
           <a:p>
@@ -11426,7 +11380,7 @@
         <p:spPr>
           <a:xfrm>
             <a:off x="550483" y="482470"/>
-            <a:ext cx="8573419" cy="646986"/>
+            <a:ext cx="8938222" cy="646986"/>
           </a:xfrm>
           <a:prstGeom prst="roundRect">
             <a:avLst/>
@@ -11441,7 +11395,7 @@
           </a:bodyPr>
           <a:lstStyle/>
           <a:p>
-            <a:pPr algn="l"/>
+            <a:pPr algn="dist"/>
             <a:r>
               <a:rPr lang="en-AU" sz="3200" b="1" i="0" dirty="0">
                 <a:solidFill>
@@ -11451,9 +11405,9 @@
                 <a:highlight>
                   <a:srgbClr val="FFFFFF"/>
                 </a:highlight>
-                <a:latin typeface="-apple-system"/>
-              </a:rPr>
-              <a:t>STEPS ON INTERACTING WITH THE PROJECT</a:t>
+                <a:latin typeface="Arial Rounded MT Bold" panose="020F0704030504030204" pitchFamily="34" charset="0"/>
+              </a:rPr>
+              <a:t>INTERACTING WITH THE PROJECT</a:t>
             </a:r>
           </a:p>
         </p:txBody>
@@ -11558,442 +11512,420 @@
           </a:p>
         </p:txBody>
       </p:sp>
-      <p:sp>
-        <p:nvSpPr>
-          <p:cNvPr id="10" name="TextBox 9">
+      <p:grpSp>
+        <p:nvGrpSpPr>
+          <p:cNvPr id="25" name="Group 24">
             <a:extLst>
               <a:ext uri="{FF2B5EF4-FFF2-40B4-BE49-F238E27FC236}">
-                <a16:creationId xmlns:a16="http://schemas.microsoft.com/office/drawing/2014/main" id="{5B65E81E-27DB-3DF8-AC35-62A3FE555A6A}"/>
+                <a16:creationId xmlns:a16="http://schemas.microsoft.com/office/drawing/2014/main" id="{73FFB61C-C9D2-7FA9-A9C4-BE6BD61D5D55}"/>
               </a:ext>
             </a:extLst>
           </p:cNvPr>
-          <p:cNvSpPr txBox="1"/>
+          <p:cNvGrpSpPr/>
           <p:nvPr/>
-        </p:nvSpPr>
-        <p:spPr>
+        </p:nvGrpSpPr>
+        <p:grpSpPr>
           <a:xfrm>
-            <a:off x="504773" y="2742197"/>
-            <a:ext cx="2140618" cy="1231106"/>
+            <a:off x="504773" y="1771747"/>
+            <a:ext cx="2140618" cy="2201556"/>
+            <a:chOff x="504773" y="1771747"/>
+            <a:chExt cx="2140618" cy="2201556"/>
           </a:xfrm>
-          <a:prstGeom prst="rect">
-            <a:avLst/>
-          </a:prstGeom>
-          <a:noFill/>
-        </p:spPr>
-        <p:txBody>
-          <a:bodyPr wrap="square" rtlCol="0">
-            <a:spAutoFit/>
-          </a:bodyPr>
-          <a:lstStyle/>
-          <a:p>
-            <a:pPr algn="ctr"/>
-            <a:r>
-              <a:rPr lang="en-AU" sz="2400" dirty="0">
+        </p:grpSpPr>
+        <p:sp>
+          <p:nvSpPr>
+            <p:cNvPr id="10" name="TextBox 9">
+              <a:extLst>
+                <a:ext uri="{FF2B5EF4-FFF2-40B4-BE49-F238E27FC236}">
+                  <a16:creationId xmlns:a16="http://schemas.microsoft.com/office/drawing/2014/main" id="{5B65E81E-27DB-3DF8-AC35-62A3FE555A6A}"/>
+                </a:ext>
+              </a:extLst>
+            </p:cNvPr>
+            <p:cNvSpPr txBox="1"/>
+            <p:nvPr/>
+          </p:nvSpPr>
+          <p:spPr>
+            <a:xfrm>
+              <a:off x="504773" y="2742197"/>
+              <a:ext cx="2140618" cy="1231106"/>
+            </a:xfrm>
+            <a:prstGeom prst="rect">
+              <a:avLst/>
+            </a:prstGeom>
+            <a:noFill/>
+          </p:spPr>
+          <p:txBody>
+            <a:bodyPr wrap="square" rtlCol="0">
+              <a:spAutoFit/>
+            </a:bodyPr>
+            <a:lstStyle/>
+            <a:p>
+              <a:pPr algn="ctr"/>
+              <a:r>
+                <a:rPr lang="en-AU" sz="2400" dirty="0">
+                  <a:solidFill>
+                    <a:schemeClr val="bg1"/>
+                  </a:solidFill>
+                  <a:latin typeface="Arial Rounded MT Bold" panose="020F0704030504030204" pitchFamily="34" charset="0"/>
+                </a:rPr>
+                <a:t>1. Repository Download</a:t>
+              </a:r>
+            </a:p>
+            <a:p>
+              <a:pPr algn="ctr"/>
+              <a:endParaRPr lang="en-AU" sz="2600" dirty="0">
                 <a:solidFill>
                   <a:schemeClr val="bg1"/>
                 </a:solidFill>
                 <a:latin typeface="Arial Rounded MT Bold" panose="020F0704030504030204" pitchFamily="34" charset="0"/>
-              </a:rPr>
-              <a:t>1. Repository Download</a:t>
-            </a:r>
-          </a:p>
-          <a:p>
-            <a:pPr algn="ctr"/>
-            <a:endParaRPr lang="en-AU" sz="2600" dirty="0">
+              </a:endParaRPr>
+            </a:p>
+          </p:txBody>
+        </p:sp>
+        <p:sp>
+          <p:nvSpPr>
+            <p:cNvPr id="48" name="Arrow: Up 47">
+              <a:extLst>
+                <a:ext uri="{FF2B5EF4-FFF2-40B4-BE49-F238E27FC236}">
+                  <a16:creationId xmlns:a16="http://schemas.microsoft.com/office/drawing/2014/main" id="{74147BAF-E313-8362-8DE1-2ED72252CCD3}"/>
+                </a:ext>
+              </a:extLst>
+            </p:cNvPr>
+            <p:cNvSpPr/>
+            <p:nvPr/>
+          </p:nvSpPr>
+          <p:spPr>
+            <a:xfrm rot="8775793">
+              <a:off x="1123304" y="1771747"/>
+              <a:ext cx="311670" cy="1019185"/>
+            </a:xfrm>
+            <a:prstGeom prst="upArrow">
+              <a:avLst>
+                <a:gd name="adj1" fmla="val 100000"/>
+                <a:gd name="adj2" fmla="val 132613"/>
+              </a:avLst>
+            </a:prstGeom>
+            <a:solidFill>
+              <a:schemeClr val="bg1"/>
+            </a:solidFill>
+            <a:ln>
               <a:solidFill>
                 <a:schemeClr val="bg1"/>
               </a:solidFill>
-              <a:latin typeface="Arial Rounded MT Bold" panose="020F0704030504030204" pitchFamily="34" charset="0"/>
-            </a:endParaRPr>
-          </a:p>
-        </p:txBody>
-      </p:sp>
-      <p:sp>
-        <p:nvSpPr>
-          <p:cNvPr id="11" name="TextBox 10">
+            </a:ln>
+          </p:spPr>
+          <p:style>
+            <a:lnRef idx="2">
+              <a:schemeClr val="accent1">
+                <a:shade val="15000"/>
+              </a:schemeClr>
+            </a:lnRef>
+            <a:fillRef idx="1">
+              <a:schemeClr val="accent1"/>
+            </a:fillRef>
+            <a:effectRef idx="0">
+              <a:schemeClr val="accent1"/>
+            </a:effectRef>
+            <a:fontRef idx="minor">
+              <a:schemeClr val="lt1"/>
+            </a:fontRef>
+          </p:style>
+          <p:txBody>
+            <a:bodyPr rtlCol="0" anchor="ctr"/>
+            <a:lstStyle/>
+            <a:p>
+              <a:pPr algn="ctr"/>
+              <a:endParaRPr lang="en-AU"/>
+            </a:p>
+          </p:txBody>
+        </p:sp>
+      </p:grpSp>
+      <p:grpSp>
+        <p:nvGrpSpPr>
+          <p:cNvPr id="24" name="Group 23">
             <a:extLst>
               <a:ext uri="{FF2B5EF4-FFF2-40B4-BE49-F238E27FC236}">
-                <a16:creationId xmlns:a16="http://schemas.microsoft.com/office/drawing/2014/main" id="{6CDFFA3E-08A6-5F5A-6170-D80778721FFF}"/>
+                <a16:creationId xmlns:a16="http://schemas.microsoft.com/office/drawing/2014/main" id="{7D4338A7-6591-1B75-E3C5-685F928C2B7D}"/>
               </a:ext>
             </a:extLst>
           </p:cNvPr>
-          <p:cNvSpPr txBox="1"/>
+          <p:cNvGrpSpPr/>
           <p:nvPr/>
-        </p:nvSpPr>
-        <p:spPr>
+        </p:nvGrpSpPr>
+        <p:grpSpPr>
           <a:xfrm>
-            <a:off x="2405735" y="3034105"/>
-            <a:ext cx="2140618" cy="1231106"/>
+            <a:off x="2767476" y="1873758"/>
+            <a:ext cx="2140618" cy="2321117"/>
+            <a:chOff x="2355495" y="1873758"/>
+            <a:chExt cx="2140618" cy="2321117"/>
           </a:xfrm>
-          <a:prstGeom prst="rect">
-            <a:avLst/>
-          </a:prstGeom>
-          <a:noFill/>
-        </p:spPr>
-        <p:txBody>
-          <a:bodyPr wrap="square" rtlCol="0">
-            <a:spAutoFit/>
-          </a:bodyPr>
-          <a:lstStyle/>
-          <a:p>
-            <a:r>
-              <a:rPr lang="en-AU" sz="2400" dirty="0">
-                <a:solidFill>
-                  <a:schemeClr val="bg1"/>
-                </a:solidFill>
-                <a:latin typeface="Arial Rounded MT Bold" panose="020F0704030504030204" pitchFamily="34" charset="0"/>
-              </a:rPr>
-              <a:t>2</a:t>
-            </a:r>
-            <a:r>
-              <a:rPr lang="en-AU" sz="2600" dirty="0">
-                <a:solidFill>
-                  <a:schemeClr val="bg1"/>
-                </a:solidFill>
-                <a:latin typeface="Arial Rounded MT Bold" panose="020F0704030504030204" pitchFamily="34" charset="0"/>
-              </a:rPr>
-              <a:t>. </a:t>
-            </a:r>
-            <a:r>
-              <a:rPr lang="en-AU" sz="2400" dirty="0">
-                <a:solidFill>
-                  <a:schemeClr val="bg1"/>
-                </a:solidFill>
-                <a:latin typeface="Arial Rounded MT Bold" panose="020F0704030504030204" pitchFamily="34" charset="0"/>
-              </a:rPr>
-              <a:t>Database Creation and Loading</a:t>
-            </a:r>
-          </a:p>
-        </p:txBody>
-      </p:sp>
-      <p:sp>
-        <p:nvSpPr>
-          <p:cNvPr id="12" name="TextBox 11">
+        </p:grpSpPr>
+        <p:sp>
+          <p:nvSpPr>
+            <p:cNvPr id="11" name="TextBox 10">
+              <a:extLst>
+                <a:ext uri="{FF2B5EF4-FFF2-40B4-BE49-F238E27FC236}">
+                  <a16:creationId xmlns:a16="http://schemas.microsoft.com/office/drawing/2014/main" id="{6CDFFA3E-08A6-5F5A-6170-D80778721FFF}"/>
+                </a:ext>
+              </a:extLst>
+            </p:cNvPr>
+            <p:cNvSpPr txBox="1"/>
+            <p:nvPr/>
+          </p:nvSpPr>
+          <p:spPr>
+            <a:xfrm>
+              <a:off x="2355495" y="2963769"/>
+              <a:ext cx="2140618" cy="1231106"/>
+            </a:xfrm>
+            <a:prstGeom prst="rect">
+              <a:avLst/>
+            </a:prstGeom>
+            <a:noFill/>
+          </p:spPr>
+          <p:txBody>
+            <a:bodyPr wrap="square" rtlCol="0">
+              <a:spAutoFit/>
+            </a:bodyPr>
+            <a:lstStyle/>
+            <a:p>
+              <a:pPr algn="ctr"/>
+              <a:r>
+                <a:rPr lang="en-AU" sz="2400" dirty="0">
+                  <a:solidFill>
+                    <a:schemeClr val="bg1"/>
+                  </a:solidFill>
+                  <a:latin typeface="Arial Rounded MT Bold" panose="020F0704030504030204" pitchFamily="34" charset="0"/>
+                </a:rPr>
+                <a:t>2</a:t>
+              </a:r>
+              <a:r>
+                <a:rPr lang="en-AU" sz="2600" dirty="0">
+                  <a:solidFill>
+                    <a:schemeClr val="bg1"/>
+                  </a:solidFill>
+                  <a:latin typeface="Arial Rounded MT Bold" panose="020F0704030504030204" pitchFamily="34" charset="0"/>
+                </a:rPr>
+                <a:t>. </a:t>
+              </a:r>
+              <a:r>
+                <a:rPr lang="en-AU" sz="2400" dirty="0">
+                  <a:solidFill>
+                    <a:schemeClr val="bg1"/>
+                  </a:solidFill>
+                  <a:latin typeface="Arial Rounded MT Bold" panose="020F0704030504030204" pitchFamily="34" charset="0"/>
+                </a:rPr>
+                <a:t>Database Creation &amp; Loading</a:t>
+              </a:r>
+            </a:p>
+          </p:txBody>
+        </p:sp>
+        <p:sp>
+          <p:nvSpPr>
+            <p:cNvPr id="49" name="Arrow: Up 48">
+              <a:extLst>
+                <a:ext uri="{FF2B5EF4-FFF2-40B4-BE49-F238E27FC236}">
+                  <a16:creationId xmlns:a16="http://schemas.microsoft.com/office/drawing/2014/main" id="{39E4D430-E88C-C6B6-BABC-B435D8B705C2}"/>
+                </a:ext>
+              </a:extLst>
+            </p:cNvPr>
+            <p:cNvSpPr/>
+            <p:nvPr/>
+          </p:nvSpPr>
+          <p:spPr>
+            <a:xfrm rot="8775793">
+              <a:off x="2924476" y="1873758"/>
+              <a:ext cx="311670" cy="1163132"/>
+            </a:xfrm>
+            <a:prstGeom prst="upArrow">
+              <a:avLst>
+                <a:gd name="adj1" fmla="val 100000"/>
+                <a:gd name="adj2" fmla="val 132613"/>
+              </a:avLst>
+            </a:prstGeom>
+            <a:solidFill>
+              <a:schemeClr val="bg1"/>
+            </a:solidFill>
+            <a:ln>
+              <a:solidFill>
+                <a:schemeClr val="bg1"/>
+              </a:solidFill>
+            </a:ln>
+          </p:spPr>
+          <p:style>
+            <a:lnRef idx="2">
+              <a:schemeClr val="accent1">
+                <a:shade val="15000"/>
+              </a:schemeClr>
+            </a:lnRef>
+            <a:fillRef idx="1">
+              <a:schemeClr val="accent1"/>
+            </a:fillRef>
+            <a:effectRef idx="0">
+              <a:schemeClr val="accent1"/>
+            </a:effectRef>
+            <a:fontRef idx="minor">
+              <a:schemeClr val="lt1"/>
+            </a:fontRef>
+          </p:style>
+          <p:txBody>
+            <a:bodyPr rtlCol="0" anchor="ctr"/>
+            <a:lstStyle/>
+            <a:p>
+              <a:pPr algn="ctr"/>
+              <a:endParaRPr lang="en-AU"/>
+            </a:p>
+          </p:txBody>
+        </p:sp>
+      </p:grpSp>
+      <p:grpSp>
+        <p:nvGrpSpPr>
+          <p:cNvPr id="23" name="Group 22">
             <a:extLst>
               <a:ext uri="{FF2B5EF4-FFF2-40B4-BE49-F238E27FC236}">
-                <a16:creationId xmlns:a16="http://schemas.microsoft.com/office/drawing/2014/main" id="{C42EFB4B-1937-2B43-9454-7C113897D215}"/>
+                <a16:creationId xmlns:a16="http://schemas.microsoft.com/office/drawing/2014/main" id="{E244E8FD-24FE-4ECF-6B59-6F78D5573A65}"/>
               </a:ext>
             </a:extLst>
           </p:cNvPr>
-          <p:cNvSpPr txBox="1"/>
+          <p:cNvGrpSpPr/>
           <p:nvPr/>
-        </p:nvSpPr>
-        <p:spPr>
+        </p:nvGrpSpPr>
+        <p:grpSpPr>
           <a:xfrm>
-            <a:off x="4281520" y="3117997"/>
-            <a:ext cx="2800989" cy="492443"/>
+            <a:off x="5216602" y="1859664"/>
+            <a:ext cx="1728907" cy="2167519"/>
+            <a:chOff x="4462981" y="1829520"/>
+            <a:chExt cx="1728907" cy="2167519"/>
           </a:xfrm>
-          <a:prstGeom prst="rect">
-            <a:avLst/>
-          </a:prstGeom>
-          <a:noFill/>
-        </p:spPr>
-        <p:txBody>
-          <a:bodyPr wrap="square" rtlCol="0">
-            <a:spAutoFit/>
-          </a:bodyPr>
-          <a:lstStyle/>
-          <a:p>
-            <a:pPr algn="ctr"/>
-            <a:r>
-              <a:rPr lang="en-AU" sz="2400" dirty="0">
-                <a:solidFill>
-                  <a:schemeClr val="bg1"/>
-                </a:solidFill>
-                <a:latin typeface="Arial Rounded MT Bold" panose="020F0704030504030204" pitchFamily="34" charset="0"/>
-              </a:rPr>
-              <a:t>3</a:t>
-            </a:r>
-            <a:r>
-              <a:rPr lang="en-AU" sz="2600" dirty="0">
-                <a:solidFill>
-                  <a:schemeClr val="bg1"/>
-                </a:solidFill>
-                <a:latin typeface="Arial Rounded MT Bold" panose="020F0704030504030204" pitchFamily="34" charset="0"/>
-              </a:rPr>
-              <a:t>. </a:t>
-            </a:r>
-            <a:r>
-              <a:rPr lang="en-AU" sz="2400" dirty="0">
-                <a:solidFill>
-                  <a:schemeClr val="bg1"/>
-                </a:solidFill>
-                <a:latin typeface="Arial Rounded MT Bold" panose="020F0704030504030204" pitchFamily="34" charset="0"/>
-              </a:rPr>
-              <a:t>Node.js Setup </a:t>
-            </a:r>
-          </a:p>
-        </p:txBody>
-      </p:sp>
-      <p:sp>
-        <p:nvSpPr>
-          <p:cNvPr id="14" name="TextBox 13">
-            <a:extLst>
-              <a:ext uri="{FF2B5EF4-FFF2-40B4-BE49-F238E27FC236}">
-                <a16:creationId xmlns:a16="http://schemas.microsoft.com/office/drawing/2014/main" id="{20B8B48F-960B-43D9-F541-253DD6299DD8}"/>
-              </a:ext>
-            </a:extLst>
-          </p:cNvPr>
-          <p:cNvSpPr txBox="1"/>
-          <p:nvPr/>
-        </p:nvSpPr>
-        <p:spPr>
-          <a:xfrm>
-            <a:off x="6354290" y="3402104"/>
-            <a:ext cx="3260874" cy="830997"/>
-          </a:xfrm>
-          <a:prstGeom prst="rect">
-            <a:avLst/>
-          </a:prstGeom>
-          <a:noFill/>
-        </p:spPr>
-        <p:txBody>
-          <a:bodyPr wrap="square" rtlCol="0">
-            <a:spAutoFit/>
-          </a:bodyPr>
-          <a:lstStyle/>
-          <a:p>
-            <a:pPr algn="ctr"/>
-            <a:r>
-              <a:rPr lang="en-AU" sz="2400" dirty="0">
-                <a:solidFill>
-                  <a:schemeClr val="bg1"/>
-                </a:solidFill>
-                <a:latin typeface="Arial Rounded MT Bold" panose="020F0704030504030204" pitchFamily="34" charset="0"/>
-              </a:rPr>
-              <a:t>4. Local Server Connection</a:t>
-            </a:r>
-          </a:p>
-        </p:txBody>
-      </p:sp>
-      <p:sp>
-        <p:nvSpPr>
-          <p:cNvPr id="48" name="Arrow: Up 47">
-            <a:extLst>
-              <a:ext uri="{FF2B5EF4-FFF2-40B4-BE49-F238E27FC236}">
-                <a16:creationId xmlns:a16="http://schemas.microsoft.com/office/drawing/2014/main" id="{74147BAF-E313-8362-8DE1-2ED72252CCD3}"/>
-              </a:ext>
-            </a:extLst>
-          </p:cNvPr>
-          <p:cNvSpPr/>
-          <p:nvPr/>
-        </p:nvSpPr>
-        <p:spPr>
-          <a:xfrm rot="8775793">
-            <a:off x="1123304" y="1771747"/>
-            <a:ext cx="311670" cy="1019185"/>
-          </a:xfrm>
-          <a:prstGeom prst="upArrow">
-            <a:avLst>
-              <a:gd name="adj1" fmla="val 100000"/>
-              <a:gd name="adj2" fmla="val 132613"/>
-            </a:avLst>
-          </a:prstGeom>
-          <a:solidFill>
-            <a:schemeClr val="bg1"/>
-          </a:solidFill>
-          <a:ln>
+        </p:grpSpPr>
+        <p:sp>
+          <p:nvSpPr>
+            <p:cNvPr id="12" name="TextBox 11">
+              <a:extLst>
+                <a:ext uri="{FF2B5EF4-FFF2-40B4-BE49-F238E27FC236}">
+                  <a16:creationId xmlns:a16="http://schemas.microsoft.com/office/drawing/2014/main" id="{C42EFB4B-1937-2B43-9454-7C113897D215}"/>
+                </a:ext>
+              </a:extLst>
+            </p:cNvPr>
+            <p:cNvSpPr txBox="1"/>
+            <p:nvPr/>
+          </p:nvSpPr>
+          <p:spPr>
+            <a:xfrm>
+              <a:off x="4462981" y="3135265"/>
+              <a:ext cx="1728907" cy="861774"/>
+            </a:xfrm>
+            <a:prstGeom prst="rect">
+              <a:avLst/>
+            </a:prstGeom>
+            <a:noFill/>
+          </p:spPr>
+          <p:txBody>
+            <a:bodyPr wrap="square" rtlCol="0">
+              <a:spAutoFit/>
+            </a:bodyPr>
+            <a:lstStyle/>
+            <a:p>
+              <a:pPr algn="ctr"/>
+              <a:r>
+                <a:rPr lang="en-AU" sz="2400" dirty="0">
+                  <a:solidFill>
+                    <a:schemeClr val="bg1"/>
+                  </a:solidFill>
+                  <a:latin typeface="Arial Rounded MT Bold" panose="020F0704030504030204" pitchFamily="34" charset="0"/>
+                </a:rPr>
+                <a:t>3</a:t>
+              </a:r>
+              <a:r>
+                <a:rPr lang="en-AU" sz="2600" dirty="0">
+                  <a:solidFill>
+                    <a:schemeClr val="bg1"/>
+                  </a:solidFill>
+                  <a:latin typeface="Arial Rounded MT Bold" panose="020F0704030504030204" pitchFamily="34" charset="0"/>
+                </a:rPr>
+                <a:t>. </a:t>
+              </a:r>
+              <a:r>
+                <a:rPr lang="en-AU" sz="2400" dirty="0">
+                  <a:solidFill>
+                    <a:schemeClr val="bg1"/>
+                  </a:solidFill>
+                  <a:latin typeface="Arial Rounded MT Bold" panose="020F0704030504030204" pitchFamily="34" charset="0"/>
+                </a:rPr>
+                <a:t>Node.js </a:t>
+              </a:r>
+            </a:p>
+            <a:p>
+              <a:pPr algn="ctr"/>
+              <a:r>
+                <a:rPr lang="en-AU" sz="2400" dirty="0">
+                  <a:solidFill>
+                    <a:schemeClr val="bg1"/>
+                  </a:solidFill>
+                  <a:latin typeface="Arial Rounded MT Bold" panose="020F0704030504030204" pitchFamily="34" charset="0"/>
+                </a:rPr>
+                <a:t>Setup </a:t>
+              </a:r>
+            </a:p>
+          </p:txBody>
+        </p:sp>
+        <p:sp>
+          <p:nvSpPr>
+            <p:cNvPr id="50" name="Arrow: Up 49">
+              <a:extLst>
+                <a:ext uri="{FF2B5EF4-FFF2-40B4-BE49-F238E27FC236}">
+                  <a16:creationId xmlns:a16="http://schemas.microsoft.com/office/drawing/2014/main" id="{BA3B0A53-E2C6-1938-C452-487C5B293704}"/>
+                </a:ext>
+              </a:extLst>
+            </p:cNvPr>
+            <p:cNvSpPr/>
+            <p:nvPr/>
+          </p:nvSpPr>
+          <p:spPr>
+            <a:xfrm rot="8775793">
+              <a:off x="4777112" y="1829520"/>
+              <a:ext cx="311670" cy="1411091"/>
+            </a:xfrm>
+            <a:prstGeom prst="upArrow">
+              <a:avLst>
+                <a:gd name="adj1" fmla="val 100000"/>
+                <a:gd name="adj2" fmla="val 132613"/>
+              </a:avLst>
+            </a:prstGeom>
             <a:solidFill>
               <a:schemeClr val="bg1"/>
             </a:solidFill>
-          </a:ln>
-        </p:spPr>
-        <p:style>
-          <a:lnRef idx="2">
-            <a:schemeClr val="accent1">
-              <a:shade val="15000"/>
-            </a:schemeClr>
-          </a:lnRef>
-          <a:fillRef idx="1">
-            <a:schemeClr val="accent1"/>
-          </a:fillRef>
-          <a:effectRef idx="0">
-            <a:schemeClr val="accent1"/>
-          </a:effectRef>
-          <a:fontRef idx="minor">
-            <a:schemeClr val="lt1"/>
-          </a:fontRef>
-        </p:style>
-        <p:txBody>
-          <a:bodyPr rtlCol="0" anchor="ctr"/>
-          <a:lstStyle/>
-          <a:p>
-            <a:pPr algn="ctr"/>
-            <a:endParaRPr lang="en-AU"/>
-          </a:p>
-        </p:txBody>
-      </p:sp>
-      <p:sp>
-        <p:nvSpPr>
-          <p:cNvPr id="49" name="Arrow: Up 48">
-            <a:extLst>
-              <a:ext uri="{FF2B5EF4-FFF2-40B4-BE49-F238E27FC236}">
-                <a16:creationId xmlns:a16="http://schemas.microsoft.com/office/drawing/2014/main" id="{39E4D430-E88C-C6B6-BABC-B435D8B705C2}"/>
-              </a:ext>
-            </a:extLst>
-          </p:cNvPr>
-          <p:cNvSpPr/>
-          <p:nvPr/>
-        </p:nvSpPr>
-        <p:spPr>
-          <a:xfrm rot="8775793">
-            <a:off x="2924476" y="1873758"/>
-            <a:ext cx="311670" cy="1163132"/>
-          </a:xfrm>
-          <a:prstGeom prst="upArrow">
-            <a:avLst>
-              <a:gd name="adj1" fmla="val 100000"/>
-              <a:gd name="adj2" fmla="val 132613"/>
-            </a:avLst>
-          </a:prstGeom>
-          <a:solidFill>
-            <a:schemeClr val="bg1"/>
-          </a:solidFill>
-          <a:ln>
-            <a:solidFill>
-              <a:schemeClr val="bg1"/>
-            </a:solidFill>
-          </a:ln>
-        </p:spPr>
-        <p:style>
-          <a:lnRef idx="2">
-            <a:schemeClr val="accent1">
-              <a:shade val="15000"/>
-            </a:schemeClr>
-          </a:lnRef>
-          <a:fillRef idx="1">
-            <a:schemeClr val="accent1"/>
-          </a:fillRef>
-          <a:effectRef idx="0">
-            <a:schemeClr val="accent1"/>
-          </a:effectRef>
-          <a:fontRef idx="minor">
-            <a:schemeClr val="lt1"/>
-          </a:fontRef>
-        </p:style>
-        <p:txBody>
-          <a:bodyPr rtlCol="0" anchor="ctr"/>
-          <a:lstStyle/>
-          <a:p>
-            <a:pPr algn="ctr"/>
-            <a:endParaRPr lang="en-AU"/>
-          </a:p>
-        </p:txBody>
-      </p:sp>
-      <p:sp>
-        <p:nvSpPr>
-          <p:cNvPr id="50" name="Arrow: Up 49">
-            <a:extLst>
-              <a:ext uri="{FF2B5EF4-FFF2-40B4-BE49-F238E27FC236}">
-                <a16:creationId xmlns:a16="http://schemas.microsoft.com/office/drawing/2014/main" id="{BA3B0A53-E2C6-1938-C452-487C5B293704}"/>
-              </a:ext>
-            </a:extLst>
-          </p:cNvPr>
-          <p:cNvSpPr/>
-          <p:nvPr/>
-        </p:nvSpPr>
-        <p:spPr>
-          <a:xfrm rot="8775793">
-            <a:off x="4777112" y="1829520"/>
-            <a:ext cx="311670" cy="1411091"/>
-          </a:xfrm>
-          <a:prstGeom prst="upArrow">
-            <a:avLst>
-              <a:gd name="adj1" fmla="val 100000"/>
-              <a:gd name="adj2" fmla="val 132613"/>
-            </a:avLst>
-          </a:prstGeom>
-          <a:solidFill>
-            <a:schemeClr val="bg1"/>
-          </a:solidFill>
-          <a:ln>
-            <a:solidFill>
-              <a:schemeClr val="bg1"/>
-            </a:solidFill>
-          </a:ln>
-        </p:spPr>
-        <p:style>
-          <a:lnRef idx="2">
-            <a:schemeClr val="accent1">
-              <a:shade val="15000"/>
-            </a:schemeClr>
-          </a:lnRef>
-          <a:fillRef idx="1">
-            <a:schemeClr val="accent1"/>
-          </a:fillRef>
-          <a:effectRef idx="0">
-            <a:schemeClr val="accent1"/>
-          </a:effectRef>
-          <a:fontRef idx="minor">
-            <a:schemeClr val="lt1"/>
-          </a:fontRef>
-        </p:style>
-        <p:txBody>
-          <a:bodyPr rtlCol="0" anchor="ctr"/>
-          <a:lstStyle/>
-          <a:p>
-            <a:pPr algn="ctr"/>
-            <a:endParaRPr lang="en-AU"/>
-          </a:p>
-        </p:txBody>
-      </p:sp>
-      <p:sp>
-        <p:nvSpPr>
-          <p:cNvPr id="51" name="Arrow: Up 50">
-            <a:extLst>
-              <a:ext uri="{FF2B5EF4-FFF2-40B4-BE49-F238E27FC236}">
-                <a16:creationId xmlns:a16="http://schemas.microsoft.com/office/drawing/2014/main" id="{55BCC3DD-BC09-2298-42AB-9B340763BF4D}"/>
-              </a:ext>
-            </a:extLst>
-          </p:cNvPr>
-          <p:cNvSpPr/>
-          <p:nvPr/>
-        </p:nvSpPr>
-        <p:spPr>
-          <a:xfrm rot="8775793">
-            <a:off x="6536844" y="1695855"/>
-            <a:ext cx="311670" cy="1809101"/>
-          </a:xfrm>
-          <a:prstGeom prst="upArrow">
-            <a:avLst>
-              <a:gd name="adj1" fmla="val 100000"/>
-              <a:gd name="adj2" fmla="val 132613"/>
-            </a:avLst>
-          </a:prstGeom>
-          <a:solidFill>
-            <a:schemeClr val="bg1"/>
-          </a:solidFill>
-          <a:ln>
-            <a:solidFill>
-              <a:schemeClr val="bg1"/>
-            </a:solidFill>
-          </a:ln>
-        </p:spPr>
-        <p:style>
-          <a:lnRef idx="2">
-            <a:schemeClr val="accent1">
-              <a:shade val="15000"/>
-            </a:schemeClr>
-          </a:lnRef>
-          <a:fillRef idx="1">
-            <a:schemeClr val="accent1"/>
-          </a:fillRef>
-          <a:effectRef idx="0">
-            <a:schemeClr val="accent1"/>
-          </a:effectRef>
-          <a:fontRef idx="minor">
-            <a:schemeClr val="lt1"/>
-          </a:fontRef>
-        </p:style>
-        <p:txBody>
-          <a:bodyPr rtlCol="0" anchor="ctr"/>
-          <a:lstStyle/>
-          <a:p>
-            <a:pPr algn="ctr"/>
-            <a:endParaRPr lang="en-AU"/>
-          </a:p>
-        </p:txBody>
-      </p:sp>
+            <a:ln>
+              <a:solidFill>
+                <a:schemeClr val="bg1"/>
+              </a:solidFill>
+            </a:ln>
+          </p:spPr>
+          <p:style>
+            <a:lnRef idx="2">
+              <a:schemeClr val="accent1">
+                <a:shade val="15000"/>
+              </a:schemeClr>
+            </a:lnRef>
+            <a:fillRef idx="1">
+              <a:schemeClr val="accent1"/>
+            </a:fillRef>
+            <a:effectRef idx="0">
+              <a:schemeClr val="accent1"/>
+            </a:effectRef>
+            <a:fontRef idx="minor">
+              <a:schemeClr val="lt1"/>
+            </a:fontRef>
+          </p:style>
+          <p:txBody>
+            <a:bodyPr rtlCol="0" anchor="ctr"/>
+            <a:lstStyle/>
+            <a:p>
+              <a:pPr algn="ctr"/>
+              <a:endParaRPr lang="en-AU"/>
+            </a:p>
+          </p:txBody>
+        </p:sp>
+      </p:grpSp>
       <p:cxnSp>
         <p:nvCxnSpPr>
           <p:cNvPr id="53" name="Straight Connector 52">
@@ -12051,8 +11983,8 @@
         </p:nvSpPr>
         <p:spPr>
           <a:xfrm>
-            <a:off x="495484" y="5195629"/>
-            <a:ext cx="4633357" cy="1141018"/>
+            <a:off x="495484" y="5426739"/>
+            <a:ext cx="4633357" cy="655629"/>
           </a:xfrm>
           <a:prstGeom prst="rect">
             <a:avLst/>
@@ -12083,24 +12015,6 @@
               <a:t>JAVASCRIPT LIBRARIES</a:t>
             </a:r>
           </a:p>
-          <a:p>
-            <a:pPr marL="342900" indent="-342900">
-              <a:lnSpc>
-                <a:spcPct val="150000"/>
-              </a:lnSpc>
-              <a:buFont typeface="Arial" panose="020B0604020202020204" pitchFamily="34" charset="0"/>
-              <a:buChar char="•"/>
-            </a:pPr>
-            <a:endParaRPr lang="en-AU" sz="2000" kern="100" dirty="0">
-              <a:solidFill>
-                <a:schemeClr val="bg1"/>
-              </a:solidFill>
-              <a:effectLst/>
-              <a:latin typeface="Arial Rounded MT Bold" panose="020F0704030504030204" pitchFamily="34" charset="0"/>
-              <a:ea typeface="Aptos" panose="020B0004020202020204" pitchFamily="34" charset="0"/>
-              <a:cs typeface="Times New Roman" panose="02020603050405020304" pitchFamily="18" charset="0"/>
-            </a:endParaRPr>
-          </a:p>
         </p:txBody>
       </p:sp>
       <p:sp>
@@ -12117,8 +12031,8 @@
         </p:nvSpPr>
         <p:spPr>
           <a:xfrm>
-            <a:off x="9488704" y="5138371"/>
-            <a:ext cx="1741585" cy="2175596"/>
+            <a:off x="7597132" y="5431481"/>
+            <a:ext cx="1741585" cy="830997"/>
           </a:xfrm>
           <a:prstGeom prst="rect">
             <a:avLst/>
@@ -12136,7 +12050,7 @@
               <a:buChar char="•"/>
             </a:pPr>
             <a:r>
-              <a:rPr lang="en-AU" sz="2000" kern="100" dirty="0">
+              <a:rPr lang="en-AU" sz="2400" kern="100" dirty="0">
                 <a:solidFill>
                   <a:schemeClr val="bg1"/>
                 </a:solidFill>
@@ -12153,7 +12067,7 @@
               <a:buChar char="•"/>
             </a:pPr>
             <a:r>
-              <a:rPr lang="en-AU" sz="2000" kern="100" dirty="0">
+              <a:rPr lang="en-AU" sz="2400" kern="100" dirty="0">
                 <a:solidFill>
                   <a:schemeClr val="bg1"/>
                 </a:solidFill>
@@ -12163,66 +12077,10 @@
               </a:rPr>
               <a:t>Plotly</a:t>
             </a:r>
-          </a:p>
-          <a:p>
-            <a:pPr marL="342900" indent="-342900">
-              <a:buFont typeface="Arial" panose="020B0604020202020204" pitchFamily="34" charset="0"/>
-              <a:buChar char="•"/>
-            </a:pPr>
-            <a:r>
-              <a:rPr lang="en-AU" sz="2000" kern="100" dirty="0">
-                <a:solidFill>
-                  <a:schemeClr val="bg1"/>
-                </a:solidFill>
-                <a:latin typeface="Arial Rounded MT Bold" panose="020F0704030504030204" pitchFamily="34" charset="0"/>
-                <a:ea typeface="Aptos" panose="020B0004020202020204" pitchFamily="34" charset="0"/>
-                <a:cs typeface="Times New Roman" panose="02020603050405020304" pitchFamily="18" charset="0"/>
-              </a:rPr>
-              <a:t>Leaflet</a:t>
-            </a:r>
-          </a:p>
-          <a:p>
-            <a:pPr marL="342900" indent="-342900">
-              <a:buFont typeface="Arial" panose="020B0604020202020204" pitchFamily="34" charset="0"/>
-              <a:buChar char="•"/>
-            </a:pPr>
-            <a:r>
-              <a:rPr lang="en-AU" sz="2000" kern="100" dirty="0">
-                <a:solidFill>
-                  <a:schemeClr val="bg1"/>
-                </a:solidFill>
-                <a:latin typeface="Arial Rounded MT Bold" panose="020F0704030504030204" pitchFamily="34" charset="0"/>
-                <a:ea typeface="Aptos" panose="020B0004020202020204" pitchFamily="34" charset="0"/>
-                <a:cs typeface="Times New Roman" panose="02020603050405020304" pitchFamily="18" charset="0"/>
-              </a:rPr>
-              <a:t>SQLite</a:t>
-            </a:r>
-          </a:p>
-          <a:p>
-            <a:pPr marL="342900" indent="-342900">
-              <a:buFont typeface="Arial" panose="020B0604020202020204" pitchFamily="34" charset="0"/>
-              <a:buChar char="•"/>
-            </a:pPr>
-            <a:endParaRPr lang="en-AU" sz="2400" kern="100" dirty="0">
+            <a:endParaRPr lang="en-AU" sz="2800" kern="100" dirty="0">
               <a:solidFill>
                 <a:schemeClr val="bg1"/>
               </a:solidFill>
-              <a:latin typeface="Arial Rounded MT Bold" panose="020F0704030504030204" pitchFamily="34" charset="0"/>
-              <a:ea typeface="Aptos" panose="020B0004020202020204" pitchFamily="34" charset="0"/>
-              <a:cs typeface="Times New Roman" panose="02020603050405020304" pitchFamily="18" charset="0"/>
-            </a:endParaRPr>
-          </a:p>
-          <a:p>
-            <a:pPr>
-              <a:lnSpc>
-                <a:spcPct val="150000"/>
-              </a:lnSpc>
-            </a:pPr>
-            <a:endParaRPr lang="en-AU" sz="2400" kern="100" dirty="0">
-              <a:solidFill>
-                <a:schemeClr val="bg1"/>
-              </a:solidFill>
-              <a:effectLst/>
               <a:latin typeface="Arial Rounded MT Bold" panose="020F0704030504030204" pitchFamily="34" charset="0"/>
               <a:ea typeface="Aptos" panose="020B0004020202020204" pitchFamily="34" charset="0"/>
               <a:cs typeface="Times New Roman" panose="02020603050405020304" pitchFamily="18" charset="0"/>
@@ -12244,8 +12102,8 @@
         </p:nvSpPr>
         <p:spPr>
           <a:xfrm rot="5400000">
-            <a:off x="6419885" y="4125392"/>
-            <a:ext cx="777426" cy="2949096"/>
+            <a:off x="5836835" y="4923902"/>
+            <a:ext cx="777426" cy="1779944"/>
           </a:xfrm>
           <a:prstGeom prst="upArrow">
             <a:avLst>
@@ -12287,42 +12145,250 @@
           </a:p>
         </p:txBody>
       </p:sp>
-      <p:pic>
-        <p:nvPicPr>
-          <p:cNvPr id="2" name="Picture 1">
+      <p:grpSp>
+        <p:nvGrpSpPr>
+          <p:cNvPr id="18" name="Group 17">
             <a:extLst>
               <a:ext uri="{FF2B5EF4-FFF2-40B4-BE49-F238E27FC236}">
-                <a16:creationId xmlns:a16="http://schemas.microsoft.com/office/drawing/2014/main" id="{7FBFC555-A399-B3C8-2E12-5349CA132801}"/>
+                <a16:creationId xmlns:a16="http://schemas.microsoft.com/office/drawing/2014/main" id="{73CC00FB-110B-1CFB-ACBB-BA87345EB38C}"/>
               </a:ext>
             </a:extLst>
           </p:cNvPr>
-          <p:cNvPicPr>
-            <a:picLocks noChangeAspect="1"/>
-          </p:cNvPicPr>
+          <p:cNvGrpSpPr/>
           <p:nvPr/>
-        </p:nvPicPr>
-        <p:blipFill>
-          <a:blip r:embed="rId3"/>
-          <a:stretch>
-            <a:fillRect/>
-          </a:stretch>
-        </p:blipFill>
-        <p:spPr>
+        </p:nvGrpSpPr>
+        <p:grpSpPr>
           <a:xfrm>
-            <a:off x="8587994" y="1758553"/>
-            <a:ext cx="1402059" cy="1967287"/>
+            <a:off x="9628396" y="1804898"/>
+            <a:ext cx="2335662" cy="3082284"/>
+            <a:chOff x="9628396" y="1804898"/>
+            <a:chExt cx="2335662" cy="3082284"/>
           </a:xfrm>
-          <a:prstGeom prst="rect">
-            <a:avLst/>
-          </a:prstGeom>
-        </p:spPr>
-      </p:pic>
-      <p:sp>
-        <p:nvSpPr>
-          <p:cNvPr id="3" name="TextBox 2">
+        </p:grpSpPr>
+        <p:sp>
+          <p:nvSpPr>
+            <p:cNvPr id="51" name="Arrow: Up 50">
+              <a:extLst>
+                <a:ext uri="{FF2B5EF4-FFF2-40B4-BE49-F238E27FC236}">
+                  <a16:creationId xmlns:a16="http://schemas.microsoft.com/office/drawing/2014/main" id="{55BCC3DD-BC09-2298-42AB-9B340763BF4D}"/>
+                </a:ext>
+              </a:extLst>
+            </p:cNvPr>
+            <p:cNvSpPr/>
+            <p:nvPr/>
+          </p:nvSpPr>
+          <p:spPr>
+            <a:xfrm rot="8775793">
+              <a:off x="10066332" y="1804898"/>
+              <a:ext cx="311670" cy="2050669"/>
+            </a:xfrm>
+            <a:prstGeom prst="upArrow">
+              <a:avLst>
+                <a:gd name="adj1" fmla="val 100000"/>
+                <a:gd name="adj2" fmla="val 132613"/>
+              </a:avLst>
+            </a:prstGeom>
+            <a:solidFill>
+              <a:schemeClr val="bg1"/>
+            </a:solidFill>
+            <a:ln>
+              <a:solidFill>
+                <a:schemeClr val="bg1"/>
+              </a:solidFill>
+            </a:ln>
+          </p:spPr>
+          <p:style>
+            <a:lnRef idx="2">
+              <a:schemeClr val="accent1">
+                <a:shade val="15000"/>
+              </a:schemeClr>
+            </a:lnRef>
+            <a:fillRef idx="1">
+              <a:schemeClr val="accent1"/>
+            </a:fillRef>
+            <a:effectRef idx="0">
+              <a:schemeClr val="accent1"/>
+            </a:effectRef>
+            <a:fontRef idx="minor">
+              <a:schemeClr val="lt1"/>
+            </a:fontRef>
+          </p:style>
+          <p:txBody>
+            <a:bodyPr rtlCol="0" anchor="ctr"/>
+            <a:lstStyle/>
+            <a:p>
+              <a:pPr algn="ctr"/>
+              <a:endParaRPr lang="en-AU"/>
+            </a:p>
+          </p:txBody>
+        </p:sp>
+        <p:sp>
+          <p:nvSpPr>
+            <p:cNvPr id="3" name="TextBox 2">
+              <a:extLst>
+                <a:ext uri="{FF2B5EF4-FFF2-40B4-BE49-F238E27FC236}">
+                  <a16:creationId xmlns:a16="http://schemas.microsoft.com/office/drawing/2014/main" id="{C4B0070A-FA4B-417D-6B4E-A343C7FA3159}"/>
+                </a:ext>
+              </a:extLst>
+            </p:cNvPr>
+            <p:cNvSpPr txBox="1"/>
+            <p:nvPr/>
+          </p:nvSpPr>
+          <p:spPr>
+            <a:xfrm>
+              <a:off x="9628396" y="3686853"/>
+              <a:ext cx="2335662" cy="1200329"/>
+            </a:xfrm>
+            <a:prstGeom prst="rect">
+              <a:avLst/>
+            </a:prstGeom>
+            <a:noFill/>
+          </p:spPr>
+          <p:txBody>
+            <a:bodyPr wrap="square" rtlCol="0">
+              <a:spAutoFit/>
+            </a:bodyPr>
+            <a:lstStyle/>
+            <a:p>
+              <a:pPr algn="ctr"/>
+              <a:r>
+                <a:rPr lang="en-AU" sz="2400" dirty="0">
+                  <a:solidFill>
+                    <a:schemeClr val="bg1"/>
+                  </a:solidFill>
+                  <a:latin typeface="Arial Rounded MT Bold" panose="020F0704030504030204" pitchFamily="34" charset="0"/>
+                </a:rPr>
+                <a:t>5. Interaction with the webpage</a:t>
+              </a:r>
+            </a:p>
+          </p:txBody>
+        </p:sp>
+      </p:grpSp>
+      <p:grpSp>
+        <p:nvGrpSpPr>
+          <p:cNvPr id="19" name="Group 18">
             <a:extLst>
               <a:ext uri="{FF2B5EF4-FFF2-40B4-BE49-F238E27FC236}">
-                <a16:creationId xmlns:a16="http://schemas.microsoft.com/office/drawing/2014/main" id="{C4B0070A-FA4B-417D-6B4E-A343C7FA3159}"/>
+                <a16:creationId xmlns:a16="http://schemas.microsoft.com/office/drawing/2014/main" id="{B2E81DC9-3AD4-ADCA-732A-087E9D88EA3B}"/>
+              </a:ext>
+            </a:extLst>
+          </p:cNvPr>
+          <p:cNvGrpSpPr/>
+          <p:nvPr/>
+        </p:nvGrpSpPr>
+        <p:grpSpPr>
+          <a:xfrm>
+            <a:off x="7217903" y="1777409"/>
+            <a:ext cx="2477815" cy="2519249"/>
+            <a:chOff x="7047085" y="1777409"/>
+            <a:chExt cx="2477815" cy="2519249"/>
+          </a:xfrm>
+        </p:grpSpPr>
+        <p:sp>
+          <p:nvSpPr>
+            <p:cNvPr id="14" name="TextBox 13">
+              <a:extLst>
+                <a:ext uri="{FF2B5EF4-FFF2-40B4-BE49-F238E27FC236}">
+                  <a16:creationId xmlns:a16="http://schemas.microsoft.com/office/drawing/2014/main" id="{20B8B48F-960B-43D9-F541-253DD6299DD8}"/>
+                </a:ext>
+              </a:extLst>
+            </p:cNvPr>
+            <p:cNvSpPr txBox="1"/>
+            <p:nvPr/>
+          </p:nvSpPr>
+          <p:spPr>
+            <a:xfrm>
+              <a:off x="7047085" y="3465661"/>
+              <a:ext cx="2477815" cy="830997"/>
+            </a:xfrm>
+            <a:prstGeom prst="rect">
+              <a:avLst/>
+            </a:prstGeom>
+            <a:noFill/>
+          </p:spPr>
+          <p:txBody>
+            <a:bodyPr wrap="square" rtlCol="0">
+              <a:spAutoFit/>
+            </a:bodyPr>
+            <a:lstStyle/>
+            <a:p>
+              <a:pPr algn="ctr"/>
+              <a:r>
+                <a:rPr lang="en-AU" sz="2400" dirty="0">
+                  <a:solidFill>
+                    <a:schemeClr val="bg1"/>
+                  </a:solidFill>
+                  <a:latin typeface="Arial Rounded MT Bold" panose="020F0704030504030204" pitchFamily="34" charset="0"/>
+                </a:rPr>
+                <a:t>4. Local Server Connection</a:t>
+              </a:r>
+            </a:p>
+          </p:txBody>
+        </p:sp>
+        <p:sp>
+          <p:nvSpPr>
+            <p:cNvPr id="16" name="Arrow: Up 15">
+              <a:extLst>
+                <a:ext uri="{FF2B5EF4-FFF2-40B4-BE49-F238E27FC236}">
+                  <a16:creationId xmlns:a16="http://schemas.microsoft.com/office/drawing/2014/main" id="{45B88CD3-D556-1257-87F5-852A0714AB7C}"/>
+                </a:ext>
+              </a:extLst>
+            </p:cNvPr>
+            <p:cNvSpPr/>
+            <p:nvPr/>
+          </p:nvSpPr>
+          <p:spPr>
+            <a:xfrm rot="8775793">
+              <a:off x="7603849" y="1777409"/>
+              <a:ext cx="311670" cy="1809101"/>
+            </a:xfrm>
+            <a:prstGeom prst="upArrow">
+              <a:avLst>
+                <a:gd name="adj1" fmla="val 100000"/>
+                <a:gd name="adj2" fmla="val 132613"/>
+              </a:avLst>
+            </a:prstGeom>
+            <a:solidFill>
+              <a:schemeClr val="bg1"/>
+            </a:solidFill>
+            <a:ln>
+              <a:solidFill>
+                <a:schemeClr val="bg1"/>
+              </a:solidFill>
+            </a:ln>
+          </p:spPr>
+          <p:style>
+            <a:lnRef idx="2">
+              <a:schemeClr val="accent1">
+                <a:shade val="15000"/>
+              </a:schemeClr>
+            </a:lnRef>
+            <a:fillRef idx="1">
+              <a:schemeClr val="accent1"/>
+            </a:fillRef>
+            <a:effectRef idx="0">
+              <a:schemeClr val="accent1"/>
+            </a:effectRef>
+            <a:fontRef idx="minor">
+              <a:schemeClr val="lt1"/>
+            </a:fontRef>
+          </p:style>
+          <p:txBody>
+            <a:bodyPr rtlCol="0" anchor="ctr"/>
+            <a:lstStyle/>
+            <a:p>
+              <a:pPr algn="ctr"/>
+              <a:endParaRPr lang="en-AU"/>
+            </a:p>
+          </p:txBody>
+        </p:sp>
+      </p:grpSp>
+      <p:sp>
+        <p:nvSpPr>
+          <p:cNvPr id="29" name="TextBox 28">
+            <a:extLst>
+              <a:ext uri="{FF2B5EF4-FFF2-40B4-BE49-F238E27FC236}">
+                <a16:creationId xmlns:a16="http://schemas.microsoft.com/office/drawing/2014/main" id="{684F64B0-68E9-CFF2-AA87-D94DE9CC42CE}"/>
               </a:ext>
             </a:extLst>
           </p:cNvPr>
@@ -12331,8 +12397,8 @@
         </p:nvSpPr>
         <p:spPr>
           <a:xfrm>
-            <a:off x="9453949" y="3746012"/>
-            <a:ext cx="2377851" cy="1200329"/>
+            <a:off x="9397312" y="5426437"/>
+            <a:ext cx="1909640" cy="830997"/>
           </a:xfrm>
           <a:prstGeom prst="rect">
             <a:avLst/>
@@ -12340,19 +12406,42 @@
           <a:noFill/>
         </p:spPr>
         <p:txBody>
-          <a:bodyPr wrap="square" rtlCol="0">
+          <a:bodyPr wrap="square">
             <a:spAutoFit/>
           </a:bodyPr>
           <a:lstStyle/>
           <a:p>
-            <a:r>
-              <a:rPr lang="en-AU" sz="2400" dirty="0">
+            <a:pPr marL="342900" indent="-342900">
+              <a:buFont typeface="Arial" panose="020B0604020202020204" pitchFamily="34" charset="0"/>
+              <a:buChar char="•"/>
+            </a:pPr>
+            <a:r>
+              <a:rPr lang="en-AU" sz="2400" kern="100" dirty="0">
                 <a:solidFill>
                   <a:schemeClr val="bg1"/>
                 </a:solidFill>
                 <a:latin typeface="Arial Rounded MT Bold" panose="020F0704030504030204" pitchFamily="34" charset="0"/>
-              </a:rPr>
-              <a:t>5.Interaction with the webpage</a:t>
+                <a:ea typeface="Aptos" panose="020B0004020202020204" pitchFamily="34" charset="0"/>
+                <a:cs typeface="Times New Roman" panose="02020603050405020304" pitchFamily="18" charset="0"/>
+              </a:rPr>
+              <a:t>Leaflet</a:t>
+            </a:r>
+          </a:p>
+          <a:p>
+            <a:pPr marL="342900" indent="-342900">
+              <a:buFont typeface="Arial" panose="020B0604020202020204" pitchFamily="34" charset="0"/>
+              <a:buChar char="•"/>
+            </a:pPr>
+            <a:r>
+              <a:rPr lang="en-AU" sz="2400" kern="100" dirty="0">
+                <a:solidFill>
+                  <a:schemeClr val="bg1"/>
+                </a:solidFill>
+                <a:latin typeface="Arial Rounded MT Bold" panose="020F0704030504030204" pitchFamily="34" charset="0"/>
+                <a:ea typeface="Aptos" panose="020B0004020202020204" pitchFamily="34" charset="0"/>
+                <a:cs typeface="Times New Roman" panose="02020603050405020304" pitchFamily="18" charset="0"/>
+              </a:rPr>
+              <a:t>SQLite</a:t>
             </a:r>
           </a:p>
         </p:txBody>
@@ -13774,7 +13863,7 @@
         </p:nvSpPr>
         <p:spPr>
           <a:xfrm>
-            <a:off x="6282036" y="1427526"/>
+            <a:off x="6282036" y="1678732"/>
             <a:ext cx="5576775" cy="4708981"/>
           </a:xfrm>
           <a:prstGeom prst="rect">
@@ -13869,7 +13958,7 @@
                 <a:ea typeface="Aptos" panose="020B0004020202020204" pitchFamily="34" charset="0"/>
                 <a:cs typeface="Times New Roman" panose="02020603050405020304" pitchFamily="18" charset="0"/>
               </a:rPr>
-              <a:t>Car Makes most likely to have fatalities in crashes</a:t>
+              <a:t>Cars most likely to have fatalities in crashes</a:t>
             </a:r>
           </a:p>
           <a:p>
@@ -13886,7 +13975,7 @@
                 <a:ea typeface="Aptos" panose="020B0004020202020204" pitchFamily="34" charset="0"/>
                 <a:cs typeface="Times New Roman" panose="02020603050405020304" pitchFamily="18" charset="0"/>
               </a:rPr>
-              <a:t>Makes:</a:t>
+              <a:t>Makes</a:t>
             </a:r>
           </a:p>
           <a:p>
